--- a/doc/02_SlideShare/01.ネタ/２_Reactの基礎/2-4_Reactの基礎知識 ～コンポーネント編～.pptx
+++ b/doc/02_SlideShare/01.ネタ/２_Reactの基礎/2-4_Reactの基礎知識 ～コンポーネント編～.pptx
@@ -2544,7 +2544,11 @@
           <a:p>
             <a:r>
               <a:rPr kumimoji="1" lang="en-US" altLang="ja-JP" dirty="0" smtClean="0"/>
-              <a:t>2-4.</a:t>
+              <a:t>2-4</a:t>
+            </a:r>
+            <a:r>
+              <a:rPr kumimoji="1" lang="en-US" altLang="ja-JP" dirty="0" smtClean="0"/>
+              <a:t>. </a:t>
             </a:r>
             <a:r>
               <a:rPr kumimoji="1" lang="ja-JP" altLang="en-US" dirty="0" smtClean="0"/>
@@ -2556,7 +2560,7 @@
             </a:r>
             <a:r>
               <a:rPr lang="en-US" altLang="ja-JP" dirty="0" smtClean="0"/>
-              <a:t>– </a:t>
+              <a:t>- </a:t>
             </a:r>
             <a:r>
               <a:rPr lang="ja-JP" altLang="en-US" dirty="0"/>
@@ -3598,15 +3602,23 @@
           <a:p>
             <a:r>
               <a:rPr lang="en-US" altLang="ja-JP" dirty="0"/>
-              <a:t>2-4.</a:t>
+              <a:t>2-4</a:t>
+            </a:r>
+            <a:r>
+              <a:rPr lang="en-US" altLang="ja-JP" dirty="0" smtClean="0"/>
+              <a:t>. </a:t>
             </a:r>
             <a:r>
               <a:rPr kumimoji="1" lang="ja-JP" altLang="en-US" dirty="0" smtClean="0"/>
               <a:t>コンポーネント </a:t>
             </a:r>
             <a:r>
+              <a:rPr lang="en-US" altLang="ja-JP" dirty="0"/>
+              <a:t>-</a:t>
+            </a:r>
+            <a:r>
               <a:rPr kumimoji="1" lang="en-US" altLang="ja-JP" dirty="0" smtClean="0"/>
-              <a:t>– </a:t>
+              <a:t> </a:t>
             </a:r>
             <a:r>
               <a:rPr kumimoji="1" lang="ja-JP" altLang="en-US" dirty="0" smtClean="0"/>
@@ -4666,15 +4678,23 @@
           <a:p>
             <a:r>
               <a:rPr lang="en-US" altLang="ja-JP" dirty="0"/>
-              <a:t>2-4.</a:t>
+              <a:t>2-4</a:t>
+            </a:r>
+            <a:r>
+              <a:rPr lang="en-US" altLang="ja-JP" dirty="0" smtClean="0"/>
+              <a:t>. </a:t>
             </a:r>
             <a:r>
               <a:rPr kumimoji="1" lang="ja-JP" altLang="en-US" dirty="0" smtClean="0"/>
               <a:t>コンポーネント </a:t>
             </a:r>
             <a:r>
+              <a:rPr lang="en-US" altLang="ja-JP" dirty="0"/>
+              <a:t>-</a:t>
+            </a:r>
+            <a:r>
               <a:rPr kumimoji="1" lang="en-US" altLang="ja-JP" dirty="0" smtClean="0"/>
-              <a:t>– </a:t>
+              <a:t> </a:t>
             </a:r>
             <a:r>
               <a:rPr lang="ja-JP" altLang="en-US" dirty="0" smtClean="0"/>
@@ -5628,15 +5648,23 @@
           <a:p>
             <a:r>
               <a:rPr lang="en-US" altLang="ja-JP" dirty="0"/>
-              <a:t>2-4.</a:t>
+              <a:t>2-4</a:t>
+            </a:r>
+            <a:r>
+              <a:rPr lang="en-US" altLang="ja-JP" dirty="0" smtClean="0"/>
+              <a:t>. </a:t>
             </a:r>
             <a:r>
               <a:rPr kumimoji="1" lang="ja-JP" altLang="en-US" dirty="0" smtClean="0"/>
               <a:t>コンポーネント </a:t>
             </a:r>
             <a:r>
+              <a:rPr lang="en-US" altLang="ja-JP" dirty="0"/>
+              <a:t>-</a:t>
+            </a:r>
+            <a:r>
               <a:rPr kumimoji="1" lang="en-US" altLang="ja-JP" dirty="0" smtClean="0"/>
-              <a:t>– </a:t>
+              <a:t> </a:t>
             </a:r>
             <a:r>
               <a:rPr kumimoji="1" lang="ja-JP" altLang="en-US" dirty="0" smtClean="0"/>
@@ -6376,15 +6404,23 @@
           <a:p>
             <a:r>
               <a:rPr lang="en-US" altLang="ja-JP" dirty="0"/>
-              <a:t>2-4.</a:t>
+              <a:t>2-4</a:t>
+            </a:r>
+            <a:r>
+              <a:rPr lang="en-US" altLang="ja-JP" dirty="0" smtClean="0"/>
+              <a:t>. </a:t>
             </a:r>
             <a:r>
               <a:rPr kumimoji="1" lang="ja-JP" altLang="en-US" dirty="0" smtClean="0"/>
               <a:t>コンポーネント </a:t>
             </a:r>
             <a:r>
+              <a:rPr lang="en-US" altLang="ja-JP" dirty="0"/>
+              <a:t>-</a:t>
+            </a:r>
+            <a:r>
               <a:rPr kumimoji="1" lang="en-US" altLang="ja-JP" dirty="0" smtClean="0"/>
-              <a:t>– </a:t>
+              <a:t> </a:t>
             </a:r>
             <a:r>
               <a:rPr lang="ja-JP" altLang="en-US" dirty="0" smtClean="0"/>
@@ -7312,15 +7348,23 @@
           <a:p>
             <a:r>
               <a:rPr lang="en-US" altLang="ja-JP" dirty="0"/>
-              <a:t>2-4.</a:t>
+              <a:t>2-4</a:t>
+            </a:r>
+            <a:r>
+              <a:rPr lang="en-US" altLang="ja-JP" dirty="0" smtClean="0"/>
+              <a:t>. </a:t>
             </a:r>
             <a:r>
               <a:rPr kumimoji="1" lang="ja-JP" altLang="en-US" dirty="0" smtClean="0"/>
               <a:t>コンポーネント </a:t>
             </a:r>
             <a:r>
+              <a:rPr lang="en-US" altLang="ja-JP" dirty="0"/>
+              <a:t>-</a:t>
+            </a:r>
+            <a:r>
               <a:rPr kumimoji="1" lang="en-US" altLang="ja-JP" dirty="0" smtClean="0"/>
-              <a:t>– </a:t>
+              <a:t> </a:t>
             </a:r>
             <a:r>
               <a:rPr kumimoji="1" lang="ja-JP" altLang="en-US" dirty="0" smtClean="0"/>
@@ -8969,15 +9013,27 @@
           <a:p>
             <a:r>
               <a:rPr lang="en-US" altLang="ja-JP" dirty="0"/>
-              <a:t>2-4.</a:t>
+              <a:t>2-4</a:t>
+            </a:r>
+            <a:r>
+              <a:rPr lang="en-US" altLang="ja-JP" dirty="0" smtClean="0"/>
+              <a:t>. </a:t>
             </a:r>
             <a:r>
               <a:rPr kumimoji="1" lang="ja-JP" altLang="en-US" dirty="0" smtClean="0"/>
               <a:t>コンポーネント </a:t>
             </a:r>
             <a:r>
+              <a:rPr lang="en-US" altLang="ja-JP" dirty="0"/>
+              <a:t>-</a:t>
+            </a:r>
+            <a:r>
               <a:rPr kumimoji="1" lang="en-US" altLang="ja-JP" dirty="0" smtClean="0"/>
-              <a:t>– state</a:t>
+              <a:t> </a:t>
+            </a:r>
+            <a:r>
+              <a:rPr kumimoji="1" lang="en-US" altLang="ja-JP" dirty="0" smtClean="0"/>
+              <a:t>state</a:t>
             </a:r>
             <a:r>
               <a:rPr kumimoji="1" lang="ja-JP" altLang="en-US" dirty="0" smtClean="0"/>
@@ -10249,15 +10305,23 @@
           <a:p>
             <a:r>
               <a:rPr lang="en-US" altLang="ja-JP" dirty="0"/>
-              <a:t>2-4.</a:t>
+              <a:t>2-4</a:t>
+            </a:r>
+            <a:r>
+              <a:rPr lang="en-US" altLang="ja-JP" dirty="0" smtClean="0"/>
+              <a:t>. </a:t>
             </a:r>
             <a:r>
               <a:rPr kumimoji="1" lang="ja-JP" altLang="en-US" dirty="0" smtClean="0"/>
               <a:t>コンポーネント </a:t>
             </a:r>
             <a:r>
+              <a:rPr lang="en-US" altLang="ja-JP" dirty="0"/>
+              <a:t>-</a:t>
+            </a:r>
+            <a:r>
               <a:rPr kumimoji="1" lang="en-US" altLang="ja-JP" dirty="0" smtClean="0"/>
-              <a:t>– </a:t>
+              <a:t> </a:t>
             </a:r>
             <a:r>
               <a:rPr lang="en-US" altLang="ja-JP" dirty="0" smtClean="0"/>

--- a/doc/02_SlideShare/01.ネタ/２_Reactの基礎/2-4_Reactの基礎知識 ～コンポーネント編～.pptx
+++ b/doc/02_SlideShare/01.ネタ/２_Reactの基礎/2-4_Reactの基礎知識 ～コンポーネント編～.pptx
@@ -5,14 +5,15 @@
     <p:sldMasterId id="2147483648" r:id="rId1"/>
   </p:sldMasterIdLst>
   <p:sldIdLst>
-    <p:sldId id="293" r:id="rId2"/>
-    <p:sldId id="278" r:id="rId3"/>
-    <p:sldId id="294" r:id="rId4"/>
-    <p:sldId id="281" r:id="rId5"/>
-    <p:sldId id="280" r:id="rId6"/>
-    <p:sldId id="279" r:id="rId7"/>
-    <p:sldId id="282" r:id="rId8"/>
-    <p:sldId id="277" r:id="rId9"/>
+    <p:sldId id="295" r:id="rId2"/>
+    <p:sldId id="293" r:id="rId3"/>
+    <p:sldId id="278" r:id="rId4"/>
+    <p:sldId id="294" r:id="rId5"/>
+    <p:sldId id="281" r:id="rId6"/>
+    <p:sldId id="280" r:id="rId7"/>
+    <p:sldId id="279" r:id="rId8"/>
+    <p:sldId id="282" r:id="rId9"/>
+    <p:sldId id="277" r:id="rId10"/>
   </p:sldIdLst>
   <p:sldSz cx="12192000" cy="6858000"/>
   <p:notesSz cx="6858000" cy="9144000"/>
@@ -208,7 +209,7 @@
           <a:p>
             <a:fld id="{2FA7D4A1-D6E2-4B97-8DF5-43A2A6E9364B}" type="datetimeFigureOut">
               <a:rPr kumimoji="1" lang="ja-JP" altLang="en-US" smtClean="0"/>
-              <a:t>2019/3/3</a:t>
+              <a:t>2019/3/5</a:t>
             </a:fld>
             <a:endParaRPr kumimoji="1" lang="ja-JP" altLang="en-US"/>
           </a:p>
@@ -675,7 +676,7 @@
           <a:p>
             <a:fld id="{2FA7D4A1-D6E2-4B97-8DF5-43A2A6E9364B}" type="datetimeFigureOut">
               <a:rPr kumimoji="1" lang="ja-JP" altLang="en-US" smtClean="0"/>
-              <a:t>2019/3/3</a:t>
+              <a:t>2019/3/5</a:t>
             </a:fld>
             <a:endParaRPr kumimoji="1" lang="ja-JP" altLang="en-US"/>
           </a:p>
@@ -1115,7 +1116,7 @@
           <a:p>
             <a:fld id="{2FA7D4A1-D6E2-4B97-8DF5-43A2A6E9364B}" type="datetimeFigureOut">
               <a:rPr kumimoji="1" lang="ja-JP" altLang="en-US" smtClean="0"/>
-              <a:t>2019/3/3</a:t>
+              <a:t>2019/3/5</a:t>
             </a:fld>
             <a:endParaRPr kumimoji="1" lang="ja-JP" altLang="en-US"/>
           </a:p>
@@ -1240,7 +1241,7 @@
           <a:p>
             <a:fld id="{2FA7D4A1-D6E2-4B97-8DF5-43A2A6E9364B}" type="datetimeFigureOut">
               <a:rPr kumimoji="1" lang="ja-JP" altLang="en-US" smtClean="0"/>
-              <a:t>2019/3/3</a:t>
+              <a:t>2019/3/5</a:t>
             </a:fld>
             <a:endParaRPr kumimoji="1" lang="ja-JP" altLang="en-US"/>
           </a:p>
@@ -1472,7 +1473,7 @@
           <a:p>
             <a:fld id="{2FA7D4A1-D6E2-4B97-8DF5-43A2A6E9364B}" type="datetimeFigureOut">
               <a:rPr kumimoji="1" lang="ja-JP" altLang="en-US" smtClean="0"/>
-              <a:t>2019/3/3</a:t>
+              <a:t>2019/3/5</a:t>
             </a:fld>
             <a:endParaRPr kumimoji="1" lang="ja-JP" altLang="en-US"/>
           </a:p>
@@ -1708,7 +1709,7 @@
                 </a:solidFill>
               </a:rPr>
               <a:pPr/>
-              <a:t>3/3/2019</a:t>
+              <a:t>3/5/2019</a:t>
             </a:fld>
             <a:endParaRPr lang="en-US" dirty="0">
               <a:solidFill>
@@ -2003,7 +2004,7 @@
           <a:p>
             <a:fld id="{2FA7D4A1-D6E2-4B97-8DF5-43A2A6E9364B}" type="datetimeFigureOut">
               <a:rPr kumimoji="1" lang="ja-JP" altLang="en-US" smtClean="0"/>
-              <a:t>2019/3/3</a:t>
+              <a:t>2019/3/5</a:t>
             </a:fld>
             <a:endParaRPr kumimoji="1" lang="ja-JP" altLang="en-US"/>
           </a:p>
@@ -2472,58 +2473,6 @@
       </p:grpSpPr>
       <p:sp>
         <p:nvSpPr>
-          <p:cNvPr id="45" name="正方形/長方形 44"/>
-          <p:cNvSpPr/>
-          <p:nvPr/>
-        </p:nvSpPr>
-        <p:spPr>
-          <a:xfrm>
-            <a:off x="6202372" y="2852729"/>
-            <a:ext cx="4978246" cy="3345516"/>
-          </a:xfrm>
-          <a:prstGeom prst="rect">
-            <a:avLst/>
-          </a:prstGeom>
-          <a:solidFill>
-            <a:schemeClr val="bg1"/>
-          </a:solidFill>
-          <a:ln>
-            <a:solidFill>
-              <a:schemeClr val="tx1"/>
-            </a:solidFill>
-          </a:ln>
-        </p:spPr>
-        <p:style>
-          <a:lnRef idx="2">
-            <a:schemeClr val="accent1">
-              <a:shade val="50000"/>
-            </a:schemeClr>
-          </a:lnRef>
-          <a:fillRef idx="1">
-            <a:schemeClr val="accent1"/>
-          </a:fillRef>
-          <a:effectRef idx="0">
-            <a:schemeClr val="accent1"/>
-          </a:effectRef>
-          <a:fontRef idx="minor">
-            <a:schemeClr val="lt1"/>
-          </a:fontRef>
-        </p:style>
-        <p:txBody>
-          <a:bodyPr rtlCol="0" anchor="t"/>
-          <a:lstStyle/>
-          <a:p>
-            <a:pPr algn="ctr"/>
-            <a:endParaRPr lang="ja-JP" altLang="en-US" dirty="0">
-              <a:solidFill>
-                <a:schemeClr val="tx1"/>
-              </a:solidFill>
-            </a:endParaRPr>
-          </a:p>
-        </p:txBody>
-      </p:sp>
-      <p:sp>
-        <p:nvSpPr>
           <p:cNvPr id="2" name="タイトル 1"/>
           <p:cNvSpPr>
             <a:spLocks noGrp="1"/>
@@ -2544,27 +2493,11 @@
           <a:p>
             <a:r>
               <a:rPr kumimoji="1" lang="en-US" altLang="ja-JP" dirty="0" smtClean="0"/>
-              <a:t>2-4</a:t>
-            </a:r>
-            <a:r>
-              <a:rPr kumimoji="1" lang="en-US" altLang="ja-JP" dirty="0" smtClean="0"/>
-              <a:t>. </a:t>
+              <a:t>2-4. </a:t>
             </a:r>
             <a:r>
               <a:rPr kumimoji="1" lang="ja-JP" altLang="en-US" dirty="0" smtClean="0"/>
               <a:t>コンポーネント</a:t>
-            </a:r>
-            <a:r>
-              <a:rPr lang="ja-JP" altLang="en-US" dirty="0" smtClean="0"/>
-              <a:t> </a:t>
-            </a:r>
-            <a:r>
-              <a:rPr lang="en-US" altLang="ja-JP" dirty="0" smtClean="0"/>
-              <a:t>- </a:t>
-            </a:r>
-            <a:r>
-              <a:rPr lang="ja-JP" altLang="en-US" dirty="0"/>
-              <a:t>概要</a:t>
             </a:r>
             <a:endParaRPr kumimoji="1" lang="ja-JP" altLang="en-US" dirty="0"/>
           </a:p>
@@ -2717,6 +2650,743 @@
           </a:lstStyle>
           <a:p>
             <a:r>
+              <a:rPr lang="ja-JP" altLang="en-US" dirty="0" smtClean="0"/>
+              <a:t>本章では、コンポーネントについて説明します。</a:t>
+            </a:r>
+            <a:endParaRPr lang="en-US" altLang="ja-JP" dirty="0"/>
+          </a:p>
+        </p:txBody>
+      </p:sp>
+      <p:sp>
+        <p:nvSpPr>
+          <p:cNvPr id="19" name="テキスト ボックス 18"/>
+          <p:cNvSpPr txBox="1"/>
+          <p:nvPr/>
+        </p:nvSpPr>
+        <p:spPr>
+          <a:xfrm>
+            <a:off x="551050" y="3048110"/>
+            <a:ext cx="5726658" cy="461665"/>
+          </a:xfrm>
+          <a:prstGeom prst="rect">
+            <a:avLst/>
+          </a:prstGeom>
+          <a:noFill/>
+        </p:spPr>
+        <p:txBody>
+          <a:bodyPr wrap="square" rtlCol="0">
+            <a:spAutoFit/>
+          </a:bodyPr>
+          <a:lstStyle>
+            <a:defPPr>
+              <a:defRPr lang="ja-JP"/>
+            </a:defPPr>
+            <a:lvl1pPr marL="342900" indent="-342900">
+              <a:buClr>
+                <a:schemeClr val="accent2"/>
+              </a:buClr>
+              <a:buFont typeface="Wingdings" panose="05000000000000000000" pitchFamily="2" charset="2"/>
+              <a:buChar char="Ø"/>
+              <a:defRPr sz="2400" b="0">
+                <a:solidFill>
+                  <a:prstClr val="black"/>
+                </a:solidFill>
+                <a:latin typeface="+mn-ea"/>
+              </a:defRPr>
+            </a:lvl1pPr>
+          </a:lstStyle>
+          <a:p>
+            <a:r>
+              <a:rPr lang="ja-JP" altLang="en-US" dirty="0"/>
+              <a:t>コンポーネントの定義と呼び出し</a:t>
+            </a:r>
+            <a:endParaRPr lang="ja-JP" altLang="en-US" dirty="0"/>
+          </a:p>
+        </p:txBody>
+      </p:sp>
+      <p:sp>
+        <p:nvSpPr>
+          <p:cNvPr id="20" name="テキスト ボックス 19"/>
+          <p:cNvSpPr txBox="1"/>
+          <p:nvPr/>
+        </p:nvSpPr>
+        <p:spPr>
+          <a:xfrm>
+            <a:off x="555219" y="2366915"/>
+            <a:ext cx="3251850" cy="461665"/>
+          </a:xfrm>
+          <a:prstGeom prst="rect">
+            <a:avLst/>
+          </a:prstGeom>
+          <a:noFill/>
+        </p:spPr>
+        <p:txBody>
+          <a:bodyPr wrap="square" rtlCol="0">
+            <a:spAutoFit/>
+          </a:bodyPr>
+          <a:lstStyle>
+            <a:defPPr>
+              <a:defRPr lang="ja-JP"/>
+            </a:defPPr>
+            <a:lvl1pPr marL="342900" indent="-342900">
+              <a:buClr>
+                <a:schemeClr val="accent2"/>
+              </a:buClr>
+              <a:buFont typeface="Wingdings" panose="05000000000000000000" pitchFamily="2" charset="2"/>
+              <a:buChar char="Ø"/>
+              <a:defRPr sz="2400" b="0">
+                <a:solidFill>
+                  <a:prstClr val="black"/>
+                </a:solidFill>
+                <a:latin typeface="+mn-ea"/>
+              </a:defRPr>
+            </a:lvl1pPr>
+          </a:lstStyle>
+          <a:p>
+            <a:r>
+              <a:rPr lang="ja-JP" altLang="en-US" dirty="0" smtClean="0"/>
+              <a:t>概要</a:t>
+            </a:r>
+            <a:endParaRPr lang="ja-JP" altLang="en-US" dirty="0"/>
+          </a:p>
+        </p:txBody>
+      </p:sp>
+      <p:sp>
+        <p:nvSpPr>
+          <p:cNvPr id="21" name="テキスト ボックス 20"/>
+          <p:cNvSpPr txBox="1"/>
+          <p:nvPr/>
+        </p:nvSpPr>
+        <p:spPr>
+          <a:xfrm>
+            <a:off x="551050" y="3729305"/>
+            <a:ext cx="5722489" cy="461665"/>
+          </a:xfrm>
+          <a:prstGeom prst="rect">
+            <a:avLst/>
+          </a:prstGeom>
+          <a:noFill/>
+        </p:spPr>
+        <p:txBody>
+          <a:bodyPr wrap="square" rtlCol="0">
+            <a:spAutoFit/>
+          </a:bodyPr>
+          <a:lstStyle>
+            <a:defPPr>
+              <a:defRPr lang="ja-JP"/>
+            </a:defPPr>
+            <a:lvl1pPr marL="342900" indent="-342900">
+              <a:buClr>
+                <a:schemeClr val="accent2"/>
+              </a:buClr>
+              <a:buFont typeface="Wingdings" panose="05000000000000000000" pitchFamily="2" charset="2"/>
+              <a:buChar char="Ø"/>
+              <a:defRPr sz="2400" b="0">
+                <a:solidFill>
+                  <a:prstClr val="black"/>
+                </a:solidFill>
+                <a:latin typeface="+mn-ea"/>
+              </a:defRPr>
+            </a:lvl1pPr>
+          </a:lstStyle>
+          <a:p>
+            <a:r>
+              <a:rPr lang="ja-JP" altLang="en-US" dirty="0"/>
+              <a:t>コンポーネントからコンポーネントの呼出し</a:t>
+            </a:r>
+            <a:endParaRPr lang="ja-JP" altLang="en-US" dirty="0"/>
+          </a:p>
+        </p:txBody>
+      </p:sp>
+      <p:sp>
+        <p:nvSpPr>
+          <p:cNvPr id="24" name="テキスト ボックス 23"/>
+          <p:cNvSpPr txBox="1"/>
+          <p:nvPr/>
+        </p:nvSpPr>
+        <p:spPr>
+          <a:xfrm>
+            <a:off x="551050" y="4410500"/>
+            <a:ext cx="6597096" cy="461665"/>
+          </a:xfrm>
+          <a:prstGeom prst="rect">
+            <a:avLst/>
+          </a:prstGeom>
+          <a:noFill/>
+        </p:spPr>
+        <p:txBody>
+          <a:bodyPr wrap="square" rtlCol="0">
+            <a:spAutoFit/>
+          </a:bodyPr>
+          <a:lstStyle>
+            <a:defPPr>
+              <a:defRPr lang="ja-JP"/>
+            </a:defPPr>
+            <a:lvl1pPr marL="342900" indent="-342900">
+              <a:buClr>
+                <a:schemeClr val="accent2"/>
+              </a:buClr>
+              <a:buFont typeface="Wingdings" panose="05000000000000000000" pitchFamily="2" charset="2"/>
+              <a:buChar char="Ø"/>
+              <a:defRPr sz="2400" b="0">
+                <a:solidFill>
+                  <a:prstClr val="black"/>
+                </a:solidFill>
+                <a:latin typeface="+mn-ea"/>
+              </a:defRPr>
+            </a:lvl1pPr>
+          </a:lstStyle>
+          <a:p>
+            <a:r>
+              <a:rPr lang="ja-JP" altLang="en-US" dirty="0"/>
+              <a:t>データ管理用のオブジェクト</a:t>
+            </a:r>
+            <a:r>
+              <a:rPr lang="en-US" altLang="ja-JP" dirty="0"/>
+              <a:t>(props</a:t>
+            </a:r>
+            <a:r>
+              <a:rPr lang="ja-JP" altLang="en-US" dirty="0"/>
+              <a:t>と</a:t>
+            </a:r>
+            <a:r>
+              <a:rPr lang="en-US" altLang="ja-JP" dirty="0"/>
+              <a:t>state)</a:t>
+            </a:r>
+            <a:endParaRPr lang="ja-JP" altLang="en-US" dirty="0"/>
+          </a:p>
+        </p:txBody>
+      </p:sp>
+      <p:sp>
+        <p:nvSpPr>
+          <p:cNvPr id="27" name="テキスト ボックス 26"/>
+          <p:cNvSpPr txBox="1"/>
+          <p:nvPr/>
+        </p:nvSpPr>
+        <p:spPr>
+          <a:xfrm>
+            <a:off x="551050" y="5091695"/>
+            <a:ext cx="5722489" cy="461665"/>
+          </a:xfrm>
+          <a:prstGeom prst="rect">
+            <a:avLst/>
+          </a:prstGeom>
+          <a:noFill/>
+        </p:spPr>
+        <p:txBody>
+          <a:bodyPr wrap="square" rtlCol="0">
+            <a:spAutoFit/>
+          </a:bodyPr>
+          <a:lstStyle>
+            <a:defPPr>
+              <a:defRPr lang="ja-JP"/>
+            </a:defPPr>
+            <a:lvl1pPr marL="342900" indent="-342900">
+              <a:buClr>
+                <a:schemeClr val="accent2"/>
+              </a:buClr>
+              <a:buFont typeface="Wingdings" panose="05000000000000000000" pitchFamily="2" charset="2"/>
+              <a:buChar char="Ø"/>
+              <a:defRPr sz="2400" b="0">
+                <a:solidFill>
+                  <a:prstClr val="black"/>
+                </a:solidFill>
+                <a:latin typeface="+mn-ea"/>
+              </a:defRPr>
+            </a:lvl1pPr>
+          </a:lstStyle>
+          <a:p>
+            <a:r>
+              <a:rPr lang="en-US" altLang="ja-JP" dirty="0"/>
+              <a:t>p</a:t>
+            </a:r>
+            <a:r>
+              <a:rPr lang="en-US" altLang="ja-JP" dirty="0" smtClean="0"/>
+              <a:t>rops</a:t>
+            </a:r>
+            <a:r>
+              <a:rPr lang="ja-JP" altLang="en-US" dirty="0" smtClean="0"/>
+              <a:t>の使い方</a:t>
+            </a:r>
+            <a:endParaRPr lang="ja-JP" altLang="en-US" dirty="0"/>
+          </a:p>
+        </p:txBody>
+      </p:sp>
+      <p:sp>
+        <p:nvSpPr>
+          <p:cNvPr id="29" name="テキスト ボックス 28"/>
+          <p:cNvSpPr txBox="1"/>
+          <p:nvPr/>
+        </p:nvSpPr>
+        <p:spPr>
+          <a:xfrm>
+            <a:off x="551050" y="5772890"/>
+            <a:ext cx="5722489" cy="461665"/>
+          </a:xfrm>
+          <a:prstGeom prst="rect">
+            <a:avLst/>
+          </a:prstGeom>
+          <a:noFill/>
+        </p:spPr>
+        <p:txBody>
+          <a:bodyPr wrap="square" rtlCol="0">
+            <a:spAutoFit/>
+          </a:bodyPr>
+          <a:lstStyle>
+            <a:defPPr>
+              <a:defRPr lang="ja-JP"/>
+            </a:defPPr>
+            <a:lvl1pPr marL="342900" indent="-342900">
+              <a:buClr>
+                <a:schemeClr val="accent2"/>
+              </a:buClr>
+              <a:buFont typeface="Wingdings" panose="05000000000000000000" pitchFamily="2" charset="2"/>
+              <a:buChar char="Ø"/>
+              <a:defRPr sz="2400" b="0">
+                <a:solidFill>
+                  <a:prstClr val="black"/>
+                </a:solidFill>
+                <a:latin typeface="+mn-ea"/>
+              </a:defRPr>
+            </a:lvl1pPr>
+          </a:lstStyle>
+          <a:p>
+            <a:r>
+              <a:rPr lang="en-US" altLang="ja-JP" dirty="0"/>
+              <a:t>s</a:t>
+            </a:r>
+            <a:r>
+              <a:rPr lang="en-US" altLang="ja-JP" dirty="0" smtClean="0"/>
+              <a:t>tate</a:t>
+            </a:r>
+            <a:r>
+              <a:rPr lang="ja-JP" altLang="en-US" dirty="0" smtClean="0"/>
+              <a:t>の使い方</a:t>
+            </a:r>
+            <a:endParaRPr lang="ja-JP" altLang="en-US" dirty="0"/>
+          </a:p>
+        </p:txBody>
+      </p:sp>
+      <p:cxnSp>
+        <p:nvCxnSpPr>
+          <p:cNvPr id="6" name="直線コネクタ 5"/>
+          <p:cNvCxnSpPr/>
+          <p:nvPr/>
+        </p:nvCxnSpPr>
+        <p:spPr>
+          <a:xfrm>
+            <a:off x="6453552" y="2366915"/>
+            <a:ext cx="0" cy="4192147"/>
+          </a:xfrm>
+          <a:prstGeom prst="line">
+            <a:avLst/>
+          </a:prstGeom>
+        </p:spPr>
+        <p:style>
+          <a:lnRef idx="1">
+            <a:schemeClr val="dk1"/>
+          </a:lnRef>
+          <a:fillRef idx="0">
+            <a:schemeClr val="dk1"/>
+          </a:fillRef>
+          <a:effectRef idx="0">
+            <a:schemeClr val="dk1"/>
+          </a:effectRef>
+          <a:fontRef idx="minor">
+            <a:schemeClr val="tx1"/>
+          </a:fontRef>
+        </p:style>
+      </p:cxnSp>
+      <p:sp>
+        <p:nvSpPr>
+          <p:cNvPr id="34" name="テキスト ボックス 33"/>
+          <p:cNvSpPr txBox="1"/>
+          <p:nvPr/>
+        </p:nvSpPr>
+        <p:spPr>
+          <a:xfrm>
+            <a:off x="6629397" y="3048110"/>
+            <a:ext cx="5181603" cy="461665"/>
+          </a:xfrm>
+          <a:prstGeom prst="rect">
+            <a:avLst/>
+          </a:prstGeom>
+          <a:noFill/>
+        </p:spPr>
+        <p:txBody>
+          <a:bodyPr wrap="square" rtlCol="0">
+            <a:spAutoFit/>
+          </a:bodyPr>
+          <a:lstStyle>
+            <a:defPPr>
+              <a:defRPr lang="ja-JP"/>
+            </a:defPPr>
+            <a:lvl1pPr marL="342900" indent="-342900">
+              <a:buClr>
+                <a:schemeClr val="accent2"/>
+              </a:buClr>
+              <a:buFont typeface="Wingdings" panose="05000000000000000000" pitchFamily="2" charset="2"/>
+              <a:buChar char="Ø"/>
+              <a:defRPr sz="2400" b="0">
+                <a:solidFill>
+                  <a:prstClr val="black"/>
+                </a:solidFill>
+                <a:latin typeface="+mn-ea"/>
+              </a:defRPr>
+            </a:lvl1pPr>
+          </a:lstStyle>
+          <a:p>
+            <a:r>
+              <a:rPr lang="en-US" altLang="ja-JP" dirty="0"/>
+              <a:t>props</a:t>
+            </a:r>
+            <a:r>
+              <a:rPr lang="ja-JP" altLang="en-US" dirty="0"/>
+              <a:t>と</a:t>
+            </a:r>
+            <a:r>
+              <a:rPr lang="en-US" altLang="ja-JP" dirty="0"/>
+              <a:t>state</a:t>
+            </a:r>
+            <a:r>
+              <a:rPr lang="ja-JP" altLang="en-US" dirty="0"/>
+              <a:t>の特徴まとめ</a:t>
+            </a:r>
+            <a:endParaRPr lang="ja-JP" altLang="en-US" dirty="0"/>
+          </a:p>
+        </p:txBody>
+      </p:sp>
+      <p:sp>
+        <p:nvSpPr>
+          <p:cNvPr id="38" name="テキスト ボックス 37"/>
+          <p:cNvSpPr txBox="1"/>
+          <p:nvPr/>
+        </p:nvSpPr>
+        <p:spPr>
+          <a:xfrm>
+            <a:off x="6633566" y="2366915"/>
+            <a:ext cx="4180972" cy="461665"/>
+          </a:xfrm>
+          <a:prstGeom prst="rect">
+            <a:avLst/>
+          </a:prstGeom>
+          <a:noFill/>
+        </p:spPr>
+        <p:txBody>
+          <a:bodyPr wrap="square" rtlCol="0">
+            <a:spAutoFit/>
+          </a:bodyPr>
+          <a:lstStyle>
+            <a:defPPr>
+              <a:defRPr lang="ja-JP"/>
+            </a:defPPr>
+            <a:lvl1pPr marL="342900" indent="-342900">
+              <a:buClr>
+                <a:schemeClr val="accent2"/>
+              </a:buClr>
+              <a:buFont typeface="Wingdings" panose="05000000000000000000" pitchFamily="2" charset="2"/>
+              <a:buChar char="Ø"/>
+              <a:defRPr sz="2400" b="0">
+                <a:solidFill>
+                  <a:prstClr val="black"/>
+                </a:solidFill>
+                <a:latin typeface="+mn-ea"/>
+              </a:defRPr>
+            </a:lvl1pPr>
+          </a:lstStyle>
+          <a:p>
+            <a:r>
+              <a:rPr lang="en-US" altLang="ja-JP" dirty="0"/>
+              <a:t>state</a:t>
+            </a:r>
+            <a:r>
+              <a:rPr lang="ja-JP" altLang="en-US" dirty="0"/>
+              <a:t>更新による再描画</a:t>
+            </a:r>
+            <a:endParaRPr lang="ja-JP" altLang="en-US" dirty="0"/>
+          </a:p>
+        </p:txBody>
+      </p:sp>
+    </p:spTree>
+    <p:extLst>
+      <p:ext uri="{BB962C8B-B14F-4D97-AF65-F5344CB8AC3E}">
+        <p14:creationId xmlns:p14="http://schemas.microsoft.com/office/powerpoint/2010/main" val="2078651549"/>
+      </p:ext>
+    </p:extLst>
+  </p:cSld>
+  <p:clrMapOvr>
+    <a:masterClrMapping/>
+  </p:clrMapOvr>
+  <p:timing>
+    <p:tnLst>
+      <p:par>
+        <p:cTn id="1" dur="indefinite" restart="never" nodeType="tmRoot"/>
+      </p:par>
+    </p:tnLst>
+  </p:timing>
+</p:sld>
+</file>
+
+<file path=ppt/slides/slide2.xml><?xml version="1.0" encoding="utf-8"?>
+<p:sld xmlns:a="http://schemas.openxmlformats.org/drawingml/2006/main" xmlns:r="http://schemas.openxmlformats.org/officeDocument/2006/relationships" xmlns:p="http://schemas.openxmlformats.org/presentationml/2006/main">
+  <p:cSld>
+    <p:spTree>
+      <p:nvGrpSpPr>
+        <p:cNvPr id="1" name=""/>
+        <p:cNvGrpSpPr/>
+        <p:nvPr/>
+      </p:nvGrpSpPr>
+      <p:grpSpPr>
+        <a:xfrm>
+          <a:off x="0" y="0"/>
+          <a:ext cx="0" cy="0"/>
+          <a:chOff x="0" y="0"/>
+          <a:chExt cx="0" cy="0"/>
+        </a:xfrm>
+      </p:grpSpPr>
+      <p:sp>
+        <p:nvSpPr>
+          <p:cNvPr id="45" name="正方形/長方形 44"/>
+          <p:cNvSpPr/>
+          <p:nvPr/>
+        </p:nvSpPr>
+        <p:spPr>
+          <a:xfrm>
+            <a:off x="6202372" y="2852729"/>
+            <a:ext cx="4978246" cy="3345516"/>
+          </a:xfrm>
+          <a:prstGeom prst="rect">
+            <a:avLst/>
+          </a:prstGeom>
+          <a:solidFill>
+            <a:schemeClr val="bg1"/>
+          </a:solidFill>
+          <a:ln>
+            <a:solidFill>
+              <a:schemeClr val="tx1"/>
+            </a:solidFill>
+          </a:ln>
+        </p:spPr>
+        <p:style>
+          <a:lnRef idx="2">
+            <a:schemeClr val="accent1">
+              <a:shade val="50000"/>
+            </a:schemeClr>
+          </a:lnRef>
+          <a:fillRef idx="1">
+            <a:schemeClr val="accent1"/>
+          </a:fillRef>
+          <a:effectRef idx="0">
+            <a:schemeClr val="accent1"/>
+          </a:effectRef>
+          <a:fontRef idx="minor">
+            <a:schemeClr val="lt1"/>
+          </a:fontRef>
+        </p:style>
+        <p:txBody>
+          <a:bodyPr rtlCol="0" anchor="t"/>
+          <a:lstStyle/>
+          <a:p>
+            <a:pPr algn="ctr"/>
+            <a:endParaRPr lang="ja-JP" altLang="en-US" dirty="0">
+              <a:solidFill>
+                <a:schemeClr val="tx1"/>
+              </a:solidFill>
+            </a:endParaRPr>
+          </a:p>
+        </p:txBody>
+      </p:sp>
+      <p:sp>
+        <p:nvSpPr>
+          <p:cNvPr id="2" name="タイトル 1"/>
+          <p:cNvSpPr>
+            <a:spLocks noGrp="1"/>
+          </p:cNvSpPr>
+          <p:nvPr>
+            <p:ph type="title"/>
+          </p:nvPr>
+        </p:nvSpPr>
+        <p:spPr>
+          <a:xfrm>
+            <a:off x="555219" y="284176"/>
+            <a:ext cx="9784080" cy="915974"/>
+          </a:xfrm>
+        </p:spPr>
+        <p:txBody>
+          <a:bodyPr/>
+          <a:lstStyle/>
+          <a:p>
+            <a:r>
+              <a:rPr kumimoji="1" lang="en-US" altLang="ja-JP" dirty="0" smtClean="0"/>
+              <a:t>2-4. </a:t>
+            </a:r>
+            <a:r>
+              <a:rPr kumimoji="1" lang="ja-JP" altLang="en-US" dirty="0" smtClean="0"/>
+              <a:t>コンポーネント</a:t>
+            </a:r>
+            <a:r>
+              <a:rPr lang="ja-JP" altLang="en-US" dirty="0" smtClean="0"/>
+              <a:t> </a:t>
+            </a:r>
+            <a:r>
+              <a:rPr lang="en-US" altLang="ja-JP" dirty="0" smtClean="0"/>
+              <a:t>- </a:t>
+            </a:r>
+            <a:r>
+              <a:rPr lang="ja-JP" altLang="en-US" dirty="0"/>
+              <a:t>概要</a:t>
+            </a:r>
+            <a:endParaRPr kumimoji="1" lang="ja-JP" altLang="en-US" dirty="0"/>
+          </a:p>
+        </p:txBody>
+      </p:sp>
+      <p:sp>
+        <p:nvSpPr>
+          <p:cNvPr id="76" name="コンテンツ プレースホルダー 3"/>
+          <p:cNvSpPr txBox="1">
+            <a:spLocks/>
+          </p:cNvSpPr>
+          <p:nvPr/>
+        </p:nvSpPr>
+        <p:spPr>
+          <a:xfrm>
+            <a:off x="431799" y="1168403"/>
+            <a:ext cx="11379201" cy="800099"/>
+          </a:xfrm>
+          <a:prstGeom prst="rect">
+            <a:avLst/>
+          </a:prstGeom>
+          <a:solidFill>
+            <a:schemeClr val="accent1">
+              <a:lumMod val="20000"/>
+              <a:lumOff val="80000"/>
+            </a:schemeClr>
+          </a:solidFill>
+          <a:ln>
+            <a:solidFill>
+              <a:schemeClr val="accent1"/>
+            </a:solidFill>
+          </a:ln>
+        </p:spPr>
+        <p:txBody>
+          <a:bodyPr anchor="ctr"/>
+          <a:lstStyle>
+            <a:defPPr>
+              <a:defRPr lang="ja-JP"/>
+            </a:defPPr>
+            <a:lvl1pPr indent="0">
+              <a:lnSpc>
+                <a:spcPct val="90000"/>
+              </a:lnSpc>
+              <a:spcBef>
+                <a:spcPts val="1000"/>
+              </a:spcBef>
+              <a:buFont typeface="Arial" panose="020B0604020202020204" pitchFamily="34" charset="0"/>
+              <a:buNone/>
+              <a:defRPr sz="2000">
+                <a:latin typeface="Meiryo UI" panose="020B0604030504040204" pitchFamily="50" charset="-128"/>
+                <a:ea typeface="Meiryo UI" panose="020B0604030504040204" pitchFamily="50" charset="-128"/>
+              </a:defRPr>
+            </a:lvl1pPr>
+            <a:lvl2pPr marL="685800" indent="-228600">
+              <a:lnSpc>
+                <a:spcPct val="90000"/>
+              </a:lnSpc>
+              <a:spcBef>
+                <a:spcPts val="500"/>
+              </a:spcBef>
+              <a:buFont typeface="Arial" panose="020B0604020202020204" pitchFamily="34" charset="0"/>
+              <a:buChar char="•"/>
+              <a:defRPr>
+                <a:latin typeface="Meiryo UI" panose="020B0604030504040204" pitchFamily="50" charset="-128"/>
+                <a:ea typeface="Meiryo UI" panose="020B0604030504040204" pitchFamily="50" charset="-128"/>
+              </a:defRPr>
+            </a:lvl2pPr>
+            <a:lvl3pPr marL="1143000" indent="-228600">
+              <a:lnSpc>
+                <a:spcPct val="90000"/>
+              </a:lnSpc>
+              <a:spcBef>
+                <a:spcPts val="500"/>
+              </a:spcBef>
+              <a:buFont typeface="Arial" panose="020B0604020202020204" pitchFamily="34" charset="0"/>
+              <a:buChar char="•"/>
+              <a:defRPr sz="1600">
+                <a:latin typeface="Meiryo UI" panose="020B0604030504040204" pitchFamily="50" charset="-128"/>
+                <a:ea typeface="Meiryo UI" panose="020B0604030504040204" pitchFamily="50" charset="-128"/>
+              </a:defRPr>
+            </a:lvl3pPr>
+            <a:lvl4pPr marL="1600200" indent="-228600">
+              <a:lnSpc>
+                <a:spcPct val="90000"/>
+              </a:lnSpc>
+              <a:spcBef>
+                <a:spcPts val="500"/>
+              </a:spcBef>
+              <a:buFont typeface="Arial" panose="020B0604020202020204" pitchFamily="34" charset="0"/>
+              <a:buChar char="•"/>
+              <a:defRPr sz="1400">
+                <a:latin typeface="Meiryo UI" panose="020B0604030504040204" pitchFamily="50" charset="-128"/>
+                <a:ea typeface="Meiryo UI" panose="020B0604030504040204" pitchFamily="50" charset="-128"/>
+              </a:defRPr>
+            </a:lvl4pPr>
+            <a:lvl5pPr marL="2057400" indent="-228600">
+              <a:lnSpc>
+                <a:spcPct val="90000"/>
+              </a:lnSpc>
+              <a:spcBef>
+                <a:spcPts val="500"/>
+              </a:spcBef>
+              <a:buFont typeface="Arial" panose="020B0604020202020204" pitchFamily="34" charset="0"/>
+              <a:buChar char="•"/>
+              <a:defRPr sz="1200">
+                <a:latin typeface="Meiryo UI" panose="020B0604030504040204" pitchFamily="50" charset="-128"/>
+                <a:ea typeface="Meiryo UI" panose="020B0604030504040204" pitchFamily="50" charset="-128"/>
+              </a:defRPr>
+            </a:lvl5pPr>
+            <a:lvl6pPr marL="2514600" indent="-228600">
+              <a:lnSpc>
+                <a:spcPct val="90000"/>
+              </a:lnSpc>
+              <a:spcBef>
+                <a:spcPts val="500"/>
+              </a:spcBef>
+              <a:buFont typeface="Arial" panose="020B0604020202020204" pitchFamily="34" charset="0"/>
+              <a:buChar char="•"/>
+            </a:lvl6pPr>
+            <a:lvl7pPr marL="2971800" indent="-228600">
+              <a:lnSpc>
+                <a:spcPct val="90000"/>
+              </a:lnSpc>
+              <a:spcBef>
+                <a:spcPts val="500"/>
+              </a:spcBef>
+              <a:buFont typeface="Arial" panose="020B0604020202020204" pitchFamily="34" charset="0"/>
+              <a:buChar char="•"/>
+            </a:lvl7pPr>
+            <a:lvl8pPr marL="3429000" indent="-228600">
+              <a:lnSpc>
+                <a:spcPct val="90000"/>
+              </a:lnSpc>
+              <a:spcBef>
+                <a:spcPts val="500"/>
+              </a:spcBef>
+              <a:buFont typeface="Arial" panose="020B0604020202020204" pitchFamily="34" charset="0"/>
+              <a:buChar char="•"/>
+            </a:lvl8pPr>
+            <a:lvl9pPr marL="3886200" indent="-228600">
+              <a:lnSpc>
+                <a:spcPct val="90000"/>
+              </a:lnSpc>
+              <a:spcBef>
+                <a:spcPts val="500"/>
+              </a:spcBef>
+              <a:buFont typeface="Arial" panose="020B0604020202020204" pitchFamily="34" charset="0"/>
+              <a:buChar char="•"/>
+            </a:lvl9pPr>
+          </a:lstStyle>
+          <a:p>
+            <a:r>
               <a:rPr lang="en-US" altLang="ja-JP" dirty="0" smtClean="0"/>
               <a:t>React</a:t>
             </a:r>
@@ -3558,7 +4228,7 @@
 </p:sld>
 </file>
 
-<file path=ppt/slides/slide2.xml><?xml version="1.0" encoding="utf-8"?>
+<file path=ppt/slides/slide3.xml><?xml version="1.0" encoding="utf-8"?>
 <p:sld xmlns:a="http://schemas.openxmlformats.org/drawingml/2006/main" xmlns:r="http://schemas.openxmlformats.org/officeDocument/2006/relationships" xmlns:p="http://schemas.openxmlformats.org/presentationml/2006/main">
   <p:cSld>
     <p:bg>
@@ -4639,7 +5309,7 @@
 </p:sld>
 </file>
 
-<file path=ppt/slides/slide3.xml><?xml version="1.0" encoding="utf-8"?>
+<file path=ppt/slides/slide4.xml><?xml version="1.0" encoding="utf-8"?>
 <p:sld xmlns:a="http://schemas.openxmlformats.org/drawingml/2006/main" xmlns:r="http://schemas.openxmlformats.org/officeDocument/2006/relationships" xmlns:p="http://schemas.openxmlformats.org/presentationml/2006/main">
   <p:cSld>
     <p:spTree>
@@ -5609,7 +6279,7 @@
 </p:sld>
 </file>
 
-<file path=ppt/slides/slide4.xml><?xml version="1.0" encoding="utf-8"?>
+<file path=ppt/slides/slide5.xml><?xml version="1.0" encoding="utf-8"?>
 <p:sld xmlns:a="http://schemas.openxmlformats.org/drawingml/2006/main" xmlns:r="http://schemas.openxmlformats.org/officeDocument/2006/relationships" xmlns:p="http://schemas.openxmlformats.org/presentationml/2006/main">
   <p:cSld>
     <p:spTree>
@@ -6365,7 +7035,7 @@
 </p:sld>
 </file>
 
-<file path=ppt/slides/slide5.xml><?xml version="1.0" encoding="utf-8"?>
+<file path=ppt/slides/slide6.xml><?xml version="1.0" encoding="utf-8"?>
 <p:sld xmlns:a="http://schemas.openxmlformats.org/drawingml/2006/main" xmlns:r="http://schemas.openxmlformats.org/officeDocument/2006/relationships" xmlns:p="http://schemas.openxmlformats.org/presentationml/2006/main">
   <p:cSld>
     <p:spTree>
@@ -6423,12 +7093,12 @@
               <a:t> </a:t>
             </a:r>
             <a:r>
+              <a:rPr lang="en-US" altLang="ja-JP" dirty="0" smtClean="0"/>
+              <a:t>props</a:t>
+            </a:r>
+            <a:r>
               <a:rPr lang="ja-JP" altLang="en-US" dirty="0" smtClean="0"/>
-              <a:t>データ管理用のオブジェクト</a:t>
-            </a:r>
-            <a:r>
-              <a:rPr lang="en-US" altLang="ja-JP" dirty="0" smtClean="0"/>
-              <a:t>(props)</a:t>
+              <a:t>の使い方</a:t>
             </a:r>
             <a:endParaRPr kumimoji="1" lang="ja-JP" altLang="en-US" dirty="0"/>
           </a:p>
@@ -7309,7 +7979,7 @@
 </p:sld>
 </file>
 
-<file path=ppt/slides/slide6.xml><?xml version="1.0" encoding="utf-8"?>
+<file path=ppt/slides/slide7.xml><?xml version="1.0" encoding="utf-8"?>
 <p:sld xmlns:a="http://schemas.openxmlformats.org/drawingml/2006/main" xmlns:r="http://schemas.openxmlformats.org/officeDocument/2006/relationships" xmlns:p="http://schemas.openxmlformats.org/presentationml/2006/main">
   <p:cSld>
     <p:spTree>
@@ -7367,16 +8037,12 @@
               <a:t> </a:t>
             </a:r>
             <a:r>
-              <a:rPr kumimoji="1" lang="ja-JP" altLang="en-US" dirty="0" smtClean="0"/>
-              <a:t>データ管理用のオブジェクト</a:t>
-            </a:r>
-            <a:r>
-              <a:rPr kumimoji="1" lang="en-US" altLang="ja-JP" dirty="0" smtClean="0"/>
-              <a:t>(</a:t>
-            </a:r>
-            <a:r>
               <a:rPr lang="en-US" altLang="ja-JP" dirty="0" smtClean="0"/>
-              <a:t>state)</a:t>
+              <a:t>state</a:t>
+            </a:r>
+            <a:r>
+              <a:rPr lang="ja-JP" altLang="en-US" dirty="0" smtClean="0"/>
+              <a:t>の使い方</a:t>
             </a:r>
             <a:endParaRPr kumimoji="1" lang="ja-JP" altLang="en-US" dirty="0"/>
           </a:p>
@@ -8874,7 +9540,7 @@
 </p:sld>
 </file>
 
-<file path=ppt/slides/slide7.xml><?xml version="1.0" encoding="utf-8"?>
+<file path=ppt/slides/slide8.xml><?xml version="1.0" encoding="utf-8"?>
 <p:sld xmlns:a="http://schemas.openxmlformats.org/drawingml/2006/main" xmlns:r="http://schemas.openxmlformats.org/officeDocument/2006/relationships" xmlns:p="http://schemas.openxmlformats.org/presentationml/2006/main">
   <p:cSld>
     <p:spTree>
@@ -9029,11 +9695,7 @@
             </a:r>
             <a:r>
               <a:rPr kumimoji="1" lang="en-US" altLang="ja-JP" dirty="0" smtClean="0"/>
-              <a:t> </a:t>
-            </a:r>
-            <a:r>
-              <a:rPr kumimoji="1" lang="en-US" altLang="ja-JP" dirty="0" smtClean="0"/>
-              <a:t>state</a:t>
+              <a:t> state</a:t>
             </a:r>
             <a:r>
               <a:rPr kumimoji="1" lang="ja-JP" altLang="en-US" dirty="0" smtClean="0"/>
@@ -10266,7 +10928,7 @@
 </p:sld>
 </file>
 
-<file path=ppt/slides/slide8.xml><?xml version="1.0" encoding="utf-8"?>
+<file path=ppt/slides/slide9.xml><?xml version="1.0" encoding="utf-8"?>
 <p:sld xmlns:a="http://schemas.openxmlformats.org/drawingml/2006/main" xmlns:r="http://schemas.openxmlformats.org/officeDocument/2006/relationships" xmlns:p="http://schemas.openxmlformats.org/presentationml/2006/main">
   <p:cSld>
     <p:spTree>
@@ -10518,7 +11180,7 @@
           <p:nvPr>
             <p:extLst>
               <p:ext uri="{D42A27DB-BD31-4B8C-83A1-F6EECF244321}">
-                <p14:modId xmlns:p14="http://schemas.microsoft.com/office/powerpoint/2010/main" val="305679879"/>
+                <p14:modId xmlns:p14="http://schemas.microsoft.com/office/powerpoint/2010/main" val="2671152046"/>
               </p:ext>
             </p:extLst>
           </p:nvPr>
@@ -10564,10 +11226,10 @@
                     <a:p>
                       <a:pPr algn="ctr"/>
                       <a:r>
-                        <a:rPr kumimoji="1" lang="ja-JP" altLang="en-US" dirty="0" smtClean="0"/>
+                        <a:rPr kumimoji="1" lang="ja-JP" altLang="en-US" b="0" dirty="0" smtClean="0"/>
                         <a:t>オブジェクト</a:t>
                       </a:r>
-                      <a:endParaRPr kumimoji="1" lang="ja-JP" altLang="en-US" dirty="0"/>
+                      <a:endParaRPr kumimoji="1" lang="ja-JP" altLang="en-US" b="0" dirty="0"/>
                     </a:p>
                   </a:txBody>
                   <a:tcPr anchor="ctr">

--- a/doc/02_SlideShare/01.ネタ/２_Reactの基礎/2-4_Reactの基礎知識 ～コンポーネント編～.pptx
+++ b/doc/02_SlideShare/01.ネタ/２_Reactの基礎/2-4_Reactの基礎知識 ～コンポーネント編～.pptx
@@ -209,7 +209,7 @@
           <a:p>
             <a:fld id="{2FA7D4A1-D6E2-4B97-8DF5-43A2A6E9364B}" type="datetimeFigureOut">
               <a:rPr kumimoji="1" lang="ja-JP" altLang="en-US" smtClean="0"/>
-              <a:t>2019/3/5</a:t>
+              <a:t>2019/3/16</a:t>
             </a:fld>
             <a:endParaRPr kumimoji="1" lang="ja-JP" altLang="en-US"/>
           </a:p>
@@ -676,7 +676,7 @@
           <a:p>
             <a:fld id="{2FA7D4A1-D6E2-4B97-8DF5-43A2A6E9364B}" type="datetimeFigureOut">
               <a:rPr kumimoji="1" lang="ja-JP" altLang="en-US" smtClean="0"/>
-              <a:t>2019/3/5</a:t>
+              <a:t>2019/3/16</a:t>
             </a:fld>
             <a:endParaRPr kumimoji="1" lang="ja-JP" altLang="en-US"/>
           </a:p>
@@ -1116,7 +1116,7 @@
           <a:p>
             <a:fld id="{2FA7D4A1-D6E2-4B97-8DF5-43A2A6E9364B}" type="datetimeFigureOut">
               <a:rPr kumimoji="1" lang="ja-JP" altLang="en-US" smtClean="0"/>
-              <a:t>2019/3/5</a:t>
+              <a:t>2019/3/16</a:t>
             </a:fld>
             <a:endParaRPr kumimoji="1" lang="ja-JP" altLang="en-US"/>
           </a:p>
@@ -1241,7 +1241,7 @@
           <a:p>
             <a:fld id="{2FA7D4A1-D6E2-4B97-8DF5-43A2A6E9364B}" type="datetimeFigureOut">
               <a:rPr kumimoji="1" lang="ja-JP" altLang="en-US" smtClean="0"/>
-              <a:t>2019/3/5</a:t>
+              <a:t>2019/3/16</a:t>
             </a:fld>
             <a:endParaRPr kumimoji="1" lang="ja-JP" altLang="en-US"/>
           </a:p>
@@ -1473,7 +1473,7 @@
           <a:p>
             <a:fld id="{2FA7D4A1-D6E2-4B97-8DF5-43A2A6E9364B}" type="datetimeFigureOut">
               <a:rPr kumimoji="1" lang="ja-JP" altLang="en-US" smtClean="0"/>
-              <a:t>2019/3/5</a:t>
+              <a:t>2019/3/16</a:t>
             </a:fld>
             <a:endParaRPr kumimoji="1" lang="ja-JP" altLang="en-US"/>
           </a:p>
@@ -1709,7 +1709,7 @@
                 </a:solidFill>
               </a:rPr>
               <a:pPr/>
-              <a:t>3/5/2019</a:t>
+              <a:t>3/16/2019</a:t>
             </a:fld>
             <a:endParaRPr lang="en-US" dirty="0">
               <a:solidFill>
@@ -2004,7 +2004,7 @@
           <a:p>
             <a:fld id="{2FA7D4A1-D6E2-4B97-8DF5-43A2A6E9364B}" type="datetimeFigureOut">
               <a:rPr kumimoji="1" lang="ja-JP" altLang="en-US" smtClean="0"/>
-              <a:t>2019/3/5</a:t>
+              <a:t>2019/3/16</a:t>
             </a:fld>
             <a:endParaRPr kumimoji="1" lang="ja-JP" altLang="en-US"/>
           </a:p>
@@ -2700,7 +2700,6 @@
               <a:rPr lang="ja-JP" altLang="en-US" dirty="0"/>
               <a:t>コンポーネントの定義と呼び出し</a:t>
             </a:r>
-            <a:endParaRPr lang="ja-JP" altLang="en-US" dirty="0"/>
           </a:p>
         </p:txBody>
       </p:sp>
@@ -2791,8 +2790,8 @@
           </a:lstStyle>
           <a:p>
             <a:r>
-              <a:rPr lang="ja-JP" altLang="en-US" dirty="0"/>
-              <a:t>コンポーネントからコンポーネントの呼出し</a:t>
+              <a:rPr lang="ja-JP" altLang="en-US" dirty="0" smtClean="0"/>
+              <a:t>コンポーネントの再利用</a:t>
             </a:r>
             <a:endParaRPr lang="ja-JP" altLang="en-US" dirty="0"/>
           </a:p>
@@ -3052,7 +3051,6 @@
               <a:rPr lang="ja-JP" altLang="en-US" dirty="0"/>
               <a:t>の特徴まとめ</a:t>
             </a:r>
-            <a:endParaRPr lang="ja-JP" altLang="en-US" dirty="0"/>
           </a:p>
         </p:txBody>
       </p:sp>
@@ -3103,7 +3101,6 @@
               <a:rPr lang="ja-JP" altLang="en-US" dirty="0"/>
               <a:t>更新による再描画</a:t>
             </a:r>
-            <a:endParaRPr lang="ja-JP" altLang="en-US" dirty="0"/>
           </a:p>
         </p:txBody>
       </p:sp>
@@ -4527,8 +4524,8 @@
           </p:nvSpPr>
           <p:spPr>
             <a:xfrm>
-              <a:off x="796352" y="2197440"/>
-              <a:ext cx="10657303" cy="1524406"/>
+              <a:off x="796351" y="2197440"/>
+              <a:ext cx="10657304" cy="1782570"/>
             </a:xfrm>
             <a:prstGeom prst="rect">
               <a:avLst/>
@@ -4542,24 +4539,14 @@
             <a:lstStyle/>
             <a:p>
               <a:r>
-                <a:rPr lang="en-US" altLang="ja-JP" dirty="0" smtClean="0">
+                <a:rPr lang="en-US" altLang="ja-JP" dirty="0">
                   <a:solidFill>
                     <a:schemeClr val="bg1"/>
                   </a:solidFill>
                   <a:latin typeface="ＭＳ Ｐゴシック" panose="020B0600070205080204" pitchFamily="50" charset="-128"/>
                   <a:ea typeface="ＭＳ Ｐゴシック" panose="020B0600070205080204" pitchFamily="50" charset="-128"/>
                 </a:rPr>
-                <a:t>class TestComponent </a:t>
-              </a:r>
-              <a:r>
-                <a:rPr lang="en-US" altLang="ja-JP" dirty="0">
-                  <a:solidFill>
-                    <a:schemeClr val="bg1"/>
-                  </a:solidFill>
-                  <a:latin typeface="ＭＳ Ｐゴシック" panose="020B0600070205080204" pitchFamily="50" charset="-128"/>
-                  <a:ea typeface="ＭＳ Ｐゴシック" panose="020B0600070205080204" pitchFamily="50" charset="-128"/>
-                </a:rPr>
-                <a:t>extends React.Component {</a:t>
+                <a:t>class TestComponent extends Component {  </a:t>
               </a:r>
             </a:p>
             <a:p>
@@ -4607,41 +4594,64 @@
                   <a:latin typeface="ＭＳ Ｐゴシック" panose="020B0600070205080204" pitchFamily="50" charset="-128"/>
                   <a:ea typeface="ＭＳ Ｐゴシック" panose="020B0600070205080204" pitchFamily="50" charset="-128"/>
                 </a:rPr>
-                <a:t>        </a:t>
+                <a:t>        &lt;p&gt;</a:t>
               </a:r>
               <a:r>
-                <a:rPr lang="en-US" altLang="ja-JP" dirty="0" smtClean="0">
+                <a:rPr lang="ja-JP" altLang="en-US" dirty="0">
                   <a:solidFill>
                     <a:schemeClr val="bg1"/>
                   </a:solidFill>
                   <a:latin typeface="ＭＳ Ｐゴシック" panose="020B0600070205080204" pitchFamily="50" charset="-128"/>
                   <a:ea typeface="ＭＳ Ｐゴシック" panose="020B0600070205080204" pitchFamily="50" charset="-128"/>
                 </a:rPr>
-                <a:t>&lt;p&gt;test1&lt;/p&gt;</a:t>
+                <a:t>段落１</a:t>
               </a:r>
-              <a:endParaRPr lang="en-US" altLang="ja-JP" dirty="0">
-                <a:solidFill>
-                  <a:schemeClr val="bg1"/>
-                </a:solidFill>
-                <a:latin typeface="ＭＳ Ｐゴシック" panose="020B0600070205080204" pitchFamily="50" charset="-128"/>
-                <a:ea typeface="ＭＳ Ｐゴシック" panose="020B0600070205080204" pitchFamily="50" charset="-128"/>
-              </a:endParaRPr>
-            </a:p>
-            <a:p>
               <a:r>
-                <a:rPr lang="en-US" altLang="ja-JP" dirty="0" smtClean="0">
+                <a:rPr lang="en-US" altLang="ja-JP" dirty="0">
                   <a:solidFill>
                     <a:schemeClr val="bg1"/>
                   </a:solidFill>
                   <a:latin typeface="ＭＳ Ｐゴシック" panose="020B0600070205080204" pitchFamily="50" charset="-128"/>
                   <a:ea typeface="ＭＳ Ｐゴシック" panose="020B0600070205080204" pitchFamily="50" charset="-128"/>
                 </a:rPr>
-                <a:t>        &lt;p&gt;test2&lt;/p&gt;</a:t>
+                <a:t>&lt;/p&gt;</a:t>
               </a:r>
             </a:p>
             <a:p>
               <a:r>
-                <a:rPr lang="en-US" altLang="ja-JP" dirty="0" smtClean="0">
+                <a:rPr lang="en-US" altLang="ja-JP" dirty="0">
+                  <a:solidFill>
+                    <a:schemeClr val="bg1"/>
+                  </a:solidFill>
+                  <a:latin typeface="ＭＳ Ｐゴシック" panose="020B0600070205080204" pitchFamily="50" charset="-128"/>
+                  <a:ea typeface="ＭＳ Ｐゴシック" panose="020B0600070205080204" pitchFamily="50" charset="-128"/>
+                </a:rPr>
+                <a:t>        &lt;p&gt;</a:t>
+              </a:r>
+              <a:r>
+                <a:rPr lang="ja-JP" altLang="en-US" dirty="0">
+                  <a:solidFill>
+                    <a:schemeClr val="bg1"/>
+                  </a:solidFill>
+                  <a:latin typeface="ＭＳ Ｐゴシック" panose="020B0600070205080204" pitchFamily="50" charset="-128"/>
+                  <a:ea typeface="ＭＳ Ｐゴシック" panose="020B0600070205080204" pitchFamily="50" charset="-128"/>
+                </a:rPr>
+                <a:t>段落２</a:t>
+              </a:r>
+              <a:r>
+                <a:rPr lang="en-US" altLang="ja-JP" dirty="0">
+                  <a:solidFill>
+                    <a:schemeClr val="bg1"/>
+                  </a:solidFill>
+                  <a:latin typeface="ＭＳ Ｐゴシック" panose="020B0600070205080204" pitchFamily="50" charset="-128"/>
+                  <a:ea typeface="ＭＳ Ｐゴシック" panose="020B0600070205080204" pitchFamily="50" charset="-128"/>
+                </a:rPr>
+                <a:t>&lt;/p&gt;</a:t>
+              </a:r>
+            </a:p>
+            <a:p>
+              <a:r>
+                <a:rPr lang="en-US" altLang="ja-JP" dirty="0">
                   <a:solidFill>
                     <a:schemeClr val="bg1"/>
                   </a:solidFill>
@@ -4653,24 +4663,14 @@
             </a:p>
             <a:p>
               <a:r>
-                <a:rPr lang="en-US" altLang="ja-JP" dirty="0" smtClean="0">
+                <a:rPr lang="en-US" altLang="ja-JP" dirty="0">
                   <a:solidFill>
                     <a:schemeClr val="bg1"/>
                   </a:solidFill>
                   <a:latin typeface="ＭＳ Ｐゴシック" panose="020B0600070205080204" pitchFamily="50" charset="-128"/>
                   <a:ea typeface="ＭＳ Ｐゴシック" panose="020B0600070205080204" pitchFamily="50" charset="-128"/>
                 </a:rPr>
-                <a:t>    </a:t>
-              </a:r>
-              <a:r>
-                <a:rPr lang="en-US" altLang="ja-JP" dirty="0">
-                  <a:solidFill>
-                    <a:schemeClr val="bg1"/>
-                  </a:solidFill>
-                  <a:latin typeface="ＭＳ Ｐゴシック" panose="020B0600070205080204" pitchFamily="50" charset="-128"/>
-                  <a:ea typeface="ＭＳ Ｐゴシック" panose="020B0600070205080204" pitchFamily="50" charset="-128"/>
-                </a:rPr>
-                <a:t>)</a:t>
+                <a:t>    );</a:t>
               </a:r>
             </a:p>
             <a:p>
@@ -4687,14 +4687,14 @@
             </a:p>
             <a:p>
               <a:r>
-                <a:rPr lang="en-US" altLang="ja-JP" dirty="0" smtClean="0">
+                <a:rPr lang="en-US" altLang="ja-JP" dirty="0">
                   <a:solidFill>
                     <a:schemeClr val="bg1"/>
                   </a:solidFill>
                   <a:latin typeface="ＭＳ Ｐゴシック" panose="020B0600070205080204" pitchFamily="50" charset="-128"/>
                   <a:ea typeface="ＭＳ Ｐゴシック" panose="020B0600070205080204" pitchFamily="50" charset="-128"/>
                 </a:rPr>
-                <a:t>};</a:t>
+                <a:t>}</a:t>
               </a:r>
             </a:p>
             <a:p>
@@ -4715,7 +4715,7 @@
                   <a:latin typeface="ＭＳ Ｐゴシック" panose="020B0600070205080204" pitchFamily="50" charset="-128"/>
                   <a:ea typeface="ＭＳ Ｐゴシック" panose="020B0600070205080204" pitchFamily="50" charset="-128"/>
                 </a:rPr>
-                <a:t>ReactDOM.render(</a:t>
+                <a:t>class App extends Component {  </a:t>
               </a:r>
             </a:p>
             <a:p>
@@ -4727,25 +4727,8 @@
                   <a:latin typeface="ＭＳ Ｐゴシック" panose="020B0600070205080204" pitchFamily="50" charset="-128"/>
                   <a:ea typeface="ＭＳ Ｐゴシック" panose="020B0600070205080204" pitchFamily="50" charset="-128"/>
                 </a:rPr>
-                <a:t>  </a:t>
+                <a:t>  render() {</a:t>
               </a:r>
-              <a:r>
-                <a:rPr lang="en-US" altLang="ja-JP" dirty="0" smtClean="0">
-                  <a:solidFill>
-                    <a:schemeClr val="bg1"/>
-                  </a:solidFill>
-                  <a:latin typeface="ＭＳ Ｐゴシック" panose="020B0600070205080204" pitchFamily="50" charset="-128"/>
-                  <a:ea typeface="ＭＳ Ｐゴシック" panose="020B0600070205080204" pitchFamily="50" charset="-128"/>
-                </a:rPr>
-                <a:t>&lt;testComponent /&gt;,</a:t>
-              </a:r>
-              <a:endParaRPr lang="en-US" altLang="ja-JP" dirty="0">
-                <a:solidFill>
-                  <a:schemeClr val="bg1"/>
-                </a:solidFill>
-                <a:latin typeface="ＭＳ Ｐゴシック" panose="020B0600070205080204" pitchFamily="50" charset="-128"/>
-                <a:ea typeface="ＭＳ Ｐゴシック" panose="020B0600070205080204" pitchFamily="50" charset="-128"/>
-              </a:endParaRPr>
             </a:p>
             <a:p>
               <a:r>
@@ -4756,25 +4739,8 @@
                   <a:latin typeface="ＭＳ Ｐゴシック" panose="020B0600070205080204" pitchFamily="50" charset="-128"/>
                   <a:ea typeface="ＭＳ Ｐゴシック" panose="020B0600070205080204" pitchFamily="50" charset="-128"/>
                 </a:rPr>
-                <a:t>  document.getElementById</a:t>
+                <a:t>    return (</a:t>
               </a:r>
-              <a:r>
-                <a:rPr lang="en-US" altLang="ja-JP" dirty="0" smtClean="0">
-                  <a:solidFill>
-                    <a:schemeClr val="bg1"/>
-                  </a:solidFill>
-                  <a:latin typeface="ＭＳ Ｐゴシック" panose="020B0600070205080204" pitchFamily="50" charset="-128"/>
-                  <a:ea typeface="ＭＳ Ｐゴシック" panose="020B0600070205080204" pitchFamily="50" charset="-128"/>
-                </a:rPr>
-                <a:t>(‘sample')</a:t>
-              </a:r>
-              <a:endParaRPr lang="en-US" altLang="ja-JP" dirty="0">
-                <a:solidFill>
-                  <a:schemeClr val="bg1"/>
-                </a:solidFill>
-                <a:latin typeface="ＭＳ Ｐゴシック" panose="020B0600070205080204" pitchFamily="50" charset="-128"/>
-                <a:ea typeface="ＭＳ Ｐゴシック" panose="020B0600070205080204" pitchFamily="50" charset="-128"/>
-              </a:endParaRPr>
             </a:p>
             <a:p>
               <a:r>
@@ -4785,7 +4751,43 @@
                   <a:latin typeface="ＭＳ Ｐゴシック" panose="020B0600070205080204" pitchFamily="50" charset="-128"/>
                   <a:ea typeface="ＭＳ Ｐゴシック" panose="020B0600070205080204" pitchFamily="50" charset="-128"/>
                 </a:rPr>
-                <a:t>);</a:t>
+                <a:t>      &lt;TestComponent /&gt;</a:t>
+              </a:r>
+            </a:p>
+            <a:p>
+              <a:r>
+                <a:rPr lang="en-US" altLang="ja-JP" dirty="0">
+                  <a:solidFill>
+                    <a:schemeClr val="bg1"/>
+                  </a:solidFill>
+                  <a:latin typeface="ＭＳ Ｐゴシック" panose="020B0600070205080204" pitchFamily="50" charset="-128"/>
+                  <a:ea typeface="ＭＳ Ｐゴシック" panose="020B0600070205080204" pitchFamily="50" charset="-128"/>
+                </a:rPr>
+                <a:t>    );</a:t>
+              </a:r>
+            </a:p>
+            <a:p>
+              <a:r>
+                <a:rPr lang="en-US" altLang="ja-JP" dirty="0">
+                  <a:solidFill>
+                    <a:schemeClr val="bg1"/>
+                  </a:solidFill>
+                  <a:latin typeface="ＭＳ Ｐゴシック" panose="020B0600070205080204" pitchFamily="50" charset="-128"/>
+                  <a:ea typeface="ＭＳ Ｐゴシック" panose="020B0600070205080204" pitchFamily="50" charset="-128"/>
+                </a:rPr>
+                <a:t>  }</a:t>
+              </a:r>
+            </a:p>
+            <a:p>
+              <a:r>
+                <a:rPr lang="en-US" altLang="ja-JP" dirty="0">
+                  <a:solidFill>
+                    <a:schemeClr val="bg1"/>
+                  </a:solidFill>
+                  <a:latin typeface="ＭＳ Ｐゴシック" panose="020B0600070205080204" pitchFamily="50" charset="-128"/>
+                  <a:ea typeface="ＭＳ Ｐゴシック" panose="020B0600070205080204" pitchFamily="50" charset="-128"/>
+                </a:rPr>
+                <a:t>}</a:t>
               </a:r>
               <a:endParaRPr lang="ja-JP" altLang="en-US" dirty="0">
                 <a:solidFill>
@@ -4806,17 +4808,17 @@
         </p:nvSpPr>
         <p:spPr>
           <a:xfrm>
-            <a:off x="6770882" y="1288917"/>
-            <a:ext cx="3349215" cy="831273"/>
+            <a:off x="5778534" y="1288917"/>
+            <a:ext cx="5642673" cy="831273"/>
           </a:xfrm>
           <a:prstGeom prst="borderCallout2">
             <a:avLst>
-              <a:gd name="adj1" fmla="val 17750"/>
-              <a:gd name="adj2" fmla="val 413"/>
-              <a:gd name="adj3" fmla="val 18750"/>
-              <a:gd name="adj4" fmla="val -16667"/>
-              <a:gd name="adj5" fmla="val 44500"/>
-              <a:gd name="adj6" fmla="val -34313"/>
+              <a:gd name="adj1" fmla="val 16692"/>
+              <a:gd name="adj2" fmla="val 101"/>
+              <a:gd name="adj3" fmla="val 17692"/>
+              <a:gd name="adj4" fmla="val -4669"/>
+              <a:gd name="adj5" fmla="val 55077"/>
+              <a:gd name="adj6" fmla="val -13005"/>
             </a:avLst>
           </a:prstGeom>
           <a:solidFill>
@@ -4849,7 +4851,7 @@
           <a:lstStyle/>
           <a:p>
             <a:r>
-              <a:rPr lang="en-US" altLang="ja-JP" dirty="0">
+              <a:rPr lang="en-US" altLang="ja-JP" dirty="0" smtClean="0">
                 <a:solidFill>
                   <a:schemeClr val="tx1">
                     <a:lumMod val="85000"/>
@@ -4857,7 +4859,7 @@
                   </a:schemeClr>
                 </a:solidFill>
               </a:rPr>
-              <a:t>React.Component</a:t>
+              <a:t>Component</a:t>
             </a:r>
             <a:r>
               <a:rPr lang="ja-JP" altLang="en-US" dirty="0">
@@ -4868,18 +4870,19 @@
                   </a:schemeClr>
                 </a:solidFill>
               </a:rPr>
-              <a:t>を継承して</a:t>
-            </a:r>
-            <a:endParaRPr lang="en-US" altLang="ja-JP" dirty="0">
-              <a:solidFill>
-                <a:schemeClr val="tx1">
-                  <a:lumMod val="85000"/>
-                  <a:lumOff val="15000"/>
-                </a:schemeClr>
-              </a:solidFill>
-            </a:endParaRPr>
-          </a:p>
-          <a:p>
+              <a:t>を継承</a:t>
+            </a:r>
+            <a:r>
+              <a:rPr lang="ja-JP" altLang="en-US" dirty="0" smtClean="0">
+                <a:solidFill>
+                  <a:schemeClr val="tx1">
+                    <a:lumMod val="85000"/>
+                    <a:lumOff val="15000"/>
+                  </a:schemeClr>
+                </a:solidFill>
+              </a:rPr>
+              <a:t>して</a:t>
+            </a:r>
             <a:r>
               <a:rPr lang="ja-JP" altLang="en-US" dirty="0">
                 <a:solidFill>
@@ -4889,7 +4892,29 @@
                   </a:schemeClr>
                 </a:solidFill>
               </a:rPr>
-              <a:t>コンポーネントを</a:t>
+              <a:t>、</a:t>
+            </a:r>
+            <a:r>
+              <a:rPr lang="ja-JP" altLang="en-US" dirty="0" smtClean="0">
+                <a:solidFill>
+                  <a:schemeClr val="tx1">
+                    <a:lumMod val="85000"/>
+                    <a:lumOff val="15000"/>
+                  </a:schemeClr>
+                </a:solidFill>
+              </a:rPr>
+              <a:t>コンポーネント</a:t>
+            </a:r>
+            <a:r>
+              <a:rPr lang="ja-JP" altLang="en-US" dirty="0">
+                <a:solidFill>
+                  <a:schemeClr val="tx1">
+                    <a:lumMod val="85000"/>
+                    <a:lumOff val="15000"/>
+                  </a:schemeClr>
+                </a:solidFill>
+              </a:rPr>
+              <a:t>を</a:t>
             </a:r>
             <a:r>
               <a:rPr lang="ja-JP" altLang="en-US" dirty="0" smtClean="0">
@@ -4921,17 +4946,17 @@
         </p:nvSpPr>
         <p:spPr>
           <a:xfrm>
-            <a:off x="5775779" y="2440817"/>
-            <a:ext cx="3473730" cy="831273"/>
+            <a:off x="5778534" y="2380017"/>
+            <a:ext cx="5642673" cy="831273"/>
           </a:xfrm>
           <a:prstGeom prst="borderCallout2">
             <a:avLst>
-              <a:gd name="adj1" fmla="val 17750"/>
-              <a:gd name="adj2" fmla="val 413"/>
+              <a:gd name="adj1" fmla="val 16692"/>
+              <a:gd name="adj2" fmla="val -366"/>
               <a:gd name="adj3" fmla="val 18750"/>
               <a:gd name="adj4" fmla="val -16667"/>
-              <a:gd name="adj5" fmla="val 61315"/>
-              <a:gd name="adj6" fmla="val -73661"/>
+              <a:gd name="adj5" fmla="val 115257"/>
+              <a:gd name="adj6" fmla="val -48107"/>
             </a:avLst>
           </a:prstGeom>
           <a:solidFill>
@@ -4983,18 +5008,19 @@
                   </a:schemeClr>
                 </a:solidFill>
               </a:rPr>
-              <a:t>定義します。</a:t>
-            </a:r>
-            <a:endParaRPr lang="en-US" altLang="ja-JP" dirty="0" smtClean="0">
-              <a:solidFill>
-                <a:schemeClr val="tx1">
-                  <a:lumMod val="85000"/>
-                  <a:lumOff val="15000"/>
-                </a:schemeClr>
-              </a:solidFill>
-            </a:endParaRPr>
-          </a:p>
-          <a:p>
+              <a:t>定義します</a:t>
+            </a:r>
+            <a:r>
+              <a:rPr lang="ja-JP" altLang="en-US" dirty="0" smtClean="0">
+                <a:solidFill>
+                  <a:schemeClr val="tx1">
+                    <a:lumMod val="85000"/>
+                    <a:lumOff val="15000"/>
+                  </a:schemeClr>
+                </a:solidFill>
+              </a:rPr>
+              <a:t>。</a:t>
+            </a:r>
             <a:r>
               <a:rPr lang="en-US" altLang="ja-JP" dirty="0" smtClean="0">
                 <a:solidFill>
@@ -5069,17 +5095,17 @@
         </p:nvSpPr>
         <p:spPr>
           <a:xfrm>
-            <a:off x="5312542" y="3512980"/>
-            <a:ext cx="3594066" cy="831273"/>
+            <a:off x="5778533" y="3457250"/>
+            <a:ext cx="5642673" cy="831273"/>
           </a:xfrm>
           <a:prstGeom prst="borderCallout2">
             <a:avLst>
-              <a:gd name="adj1" fmla="val 17750"/>
-              <a:gd name="adj2" fmla="val 413"/>
-              <a:gd name="adj3" fmla="val 18750"/>
-              <a:gd name="adj4" fmla="val -16667"/>
-              <a:gd name="adj5" fmla="val 171500"/>
-              <a:gd name="adj6" fmla="val -69061"/>
+              <a:gd name="adj1" fmla="val 68519"/>
+              <a:gd name="adj2" fmla="val -76"/>
+              <a:gd name="adj3" fmla="val 69518"/>
+              <a:gd name="adj4" fmla="val -8603"/>
+              <a:gd name="adj5" fmla="val 244481"/>
+              <a:gd name="adj6" fmla="val -45051"/>
             </a:avLst>
           </a:prstGeom>
           <a:solidFill>
@@ -5131,9 +5157,20 @@
                   </a:schemeClr>
                 </a:solidFill>
               </a:rPr>
-              <a:t>呼出します。</a:t>
-            </a:r>
-            <a:endParaRPr lang="en-US" altLang="ja-JP" dirty="0">
+              <a:t>呼出します</a:t>
+            </a:r>
+            <a:r>
+              <a:rPr lang="ja-JP" altLang="en-US" dirty="0" smtClean="0">
+                <a:solidFill>
+                  <a:schemeClr val="tx1">
+                    <a:lumMod val="85000"/>
+                    <a:lumOff val="15000"/>
+                  </a:schemeClr>
+                </a:solidFill>
+              </a:rPr>
+              <a:t>。</a:t>
+            </a:r>
+            <a:endParaRPr lang="en-US" altLang="ja-JP" dirty="0" smtClean="0">
               <a:solidFill>
                 <a:schemeClr val="tx1">
                   <a:lumMod val="85000"/>
@@ -5142,37 +5179,29 @@
               </a:solidFill>
             </a:endParaRPr>
           </a:p>
+          <a:p>
+            <a:r>
+              <a:rPr lang="ja-JP" altLang="en-US" dirty="0" smtClean="0">
+                <a:solidFill>
+                  <a:schemeClr val="tx1">
+                    <a:lumMod val="85000"/>
+                    <a:lumOff val="15000"/>
+                  </a:schemeClr>
+                </a:solidFill>
+              </a:rPr>
+              <a:t>コンポーネントからコンポーネントを呼び出すことが可能です。</a:t>
+            </a:r>
+            <a:endParaRPr lang="en-US" altLang="ja-JP" dirty="0" smtClean="0">
+              <a:solidFill>
+                <a:schemeClr val="tx1">
+                  <a:lumMod val="85000"/>
+                  <a:lumOff val="15000"/>
+                </a:schemeClr>
+              </a:solidFill>
+            </a:endParaRPr>
+          </a:p>
         </p:txBody>
       </p:sp>
-      <p:pic>
-        <p:nvPicPr>
-          <p:cNvPr id="13" name="図 12"/>
-          <p:cNvPicPr>
-            <a:picLocks noChangeAspect="1"/>
-          </p:cNvPicPr>
-          <p:nvPr/>
-        </p:nvPicPr>
-        <p:blipFill>
-          <a:blip r:embed="rId3"/>
-          <a:stretch>
-            <a:fillRect/>
-          </a:stretch>
-        </p:blipFill>
-        <p:spPr>
-          <a:xfrm>
-            <a:off x="6770882" y="4423992"/>
-            <a:ext cx="5090796" cy="2223696"/>
-          </a:xfrm>
-          <a:prstGeom prst="rect">
-            <a:avLst/>
-          </a:prstGeom>
-          <a:ln>
-            <a:solidFill>
-              <a:schemeClr val="tx1"/>
-            </a:solidFill>
-          </a:ln>
-        </p:spPr>
-      </p:pic>
       <p:sp>
         <p:nvSpPr>
           <p:cNvPr id="29" name="フローチャート: 処理 28"/>
@@ -5227,7 +5256,7 @@
         </p:nvCxnSpPr>
         <p:spPr>
           <a:xfrm>
-            <a:off x="906089" y="5095701"/>
+            <a:off x="1169858" y="5649618"/>
             <a:ext cx="1862049" cy="0"/>
           </a:xfrm>
           <a:prstGeom prst="line">
@@ -5263,7 +5292,7 @@
         <p:spPr>
           <a:xfrm>
             <a:off x="2878977" y="1790006"/>
-            <a:ext cx="2540921" cy="0"/>
+            <a:ext cx="1930415" cy="0"/>
           </a:xfrm>
           <a:prstGeom prst="line">
             <a:avLst/>
@@ -5289,6 +5318,30 @@
           </a:fontRef>
         </p:style>
       </p:cxnSp>
+      <p:pic>
+        <p:nvPicPr>
+          <p:cNvPr id="4" name="図 3"/>
+          <p:cNvPicPr>
+            <a:picLocks noChangeAspect="1"/>
+          </p:cNvPicPr>
+          <p:nvPr/>
+        </p:nvPicPr>
+        <p:blipFill>
+          <a:blip r:embed="rId3"/>
+          <a:stretch>
+            <a:fillRect/>
+          </a:stretch>
+        </p:blipFill>
+        <p:spPr>
+          <a:xfrm>
+            <a:off x="6299189" y="4464956"/>
+            <a:ext cx="4181240" cy="2207767"/>
+          </a:xfrm>
+          <a:prstGeom prst="rect">
+            <a:avLst/>
+          </a:prstGeom>
+        </p:spPr>
+      </p:pic>
     </p:spTree>
     <p:extLst>
       <p:ext uri="{BB962C8B-B14F-4D97-AF65-F5344CB8AC3E}">
@@ -5326,6 +5379,30 @@
           <a:chExt cx="0" cy="0"/>
         </a:xfrm>
       </p:grpSpPr>
+      <p:pic>
+        <p:nvPicPr>
+          <p:cNvPr id="7" name="図 6"/>
+          <p:cNvPicPr>
+            <a:picLocks noChangeAspect="1"/>
+          </p:cNvPicPr>
+          <p:nvPr/>
+        </p:nvPicPr>
+        <p:blipFill>
+          <a:blip r:embed="rId2"/>
+          <a:stretch>
+            <a:fillRect/>
+          </a:stretch>
+        </p:blipFill>
+        <p:spPr>
+          <a:xfrm>
+            <a:off x="6163408" y="3696172"/>
+            <a:ext cx="4419600" cy="2333625"/>
+          </a:xfrm>
+          <a:prstGeom prst="rect">
+            <a:avLst/>
+          </a:prstGeom>
+        </p:spPr>
+      </p:pic>
       <p:sp>
         <p:nvSpPr>
           <p:cNvPr id="2" name="タイトル 1"/>
@@ -5368,7 +5445,7 @@
             </a:r>
             <a:r>
               <a:rPr lang="ja-JP" altLang="en-US" dirty="0" smtClean="0"/>
-              <a:t>コンポーネントからコンポーネントの呼出し</a:t>
+              <a:t>コンポーネントの再利用</a:t>
             </a:r>
             <a:endParaRPr kumimoji="1" lang="ja-JP" altLang="en-US" dirty="0"/>
           </a:p>
@@ -5600,7 +5677,7 @@
           <p:spPr>
             <a:xfrm>
               <a:off x="613904" y="2169545"/>
-              <a:ext cx="5372030" cy="1822660"/>
+              <a:ext cx="5372030" cy="1870513"/>
             </a:xfrm>
             <a:prstGeom prst="rect">
               <a:avLst/>
@@ -5614,24 +5691,14 @@
             <a:lstStyle/>
             <a:p>
               <a:r>
-                <a:rPr lang="en-US" altLang="ja-JP" dirty="0" smtClean="0">
+                <a:rPr lang="en-US" altLang="ja-JP" dirty="0">
                   <a:solidFill>
                     <a:schemeClr val="bg1"/>
                   </a:solidFill>
                   <a:latin typeface="ＭＳ Ｐゴシック" panose="020B0600070205080204" pitchFamily="50" charset="-128"/>
                   <a:ea typeface="ＭＳ Ｐゴシック" panose="020B0600070205080204" pitchFamily="50" charset="-128"/>
                 </a:rPr>
-                <a:t>class ParentComponent </a:t>
-              </a:r>
-              <a:r>
-                <a:rPr lang="en-US" altLang="ja-JP" dirty="0">
-                  <a:solidFill>
-                    <a:schemeClr val="bg1"/>
-                  </a:solidFill>
-                  <a:latin typeface="ＭＳ Ｐゴシック" panose="020B0600070205080204" pitchFamily="50" charset="-128"/>
-                  <a:ea typeface="ＭＳ Ｐゴシック" panose="020B0600070205080204" pitchFamily="50" charset="-128"/>
-                </a:rPr>
-                <a:t>extends React.Component {</a:t>
+                <a:t>class ChildComponent extends Component {  </a:t>
               </a:r>
             </a:p>
             <a:p>
@@ -5660,7 +5727,120 @@
             </a:p>
             <a:p>
               <a:r>
-                <a:rPr lang="en-US" altLang="ja-JP" dirty="0" smtClean="0">
+                <a:rPr lang="en-US" altLang="ja-JP" dirty="0">
+                  <a:solidFill>
+                    <a:schemeClr val="bg1"/>
+                  </a:solidFill>
+                  <a:latin typeface="ＭＳ Ｐゴシック" panose="020B0600070205080204" pitchFamily="50" charset="-128"/>
+                  <a:ea typeface="ＭＳ Ｐゴシック" panose="020B0600070205080204" pitchFamily="50" charset="-128"/>
+                </a:rPr>
+                <a:t>        &lt;p&gt;</a:t>
+              </a:r>
+              <a:r>
+                <a:rPr lang="ja-JP" altLang="en-US" dirty="0">
+                  <a:solidFill>
+                    <a:schemeClr val="bg1"/>
+                  </a:solidFill>
+                  <a:latin typeface="ＭＳ Ｐゴシック" panose="020B0600070205080204" pitchFamily="50" charset="-128"/>
+                  <a:ea typeface="ＭＳ Ｐゴシック" panose="020B0600070205080204" pitchFamily="50" charset="-128"/>
+                </a:rPr>
+                <a:t>子コンポーネント</a:t>
+              </a:r>
+              <a:r>
+                <a:rPr lang="en-US" altLang="ja-JP" dirty="0">
+                  <a:solidFill>
+                    <a:schemeClr val="bg1"/>
+                  </a:solidFill>
+                  <a:latin typeface="ＭＳ Ｐゴシック" panose="020B0600070205080204" pitchFamily="50" charset="-128"/>
+                  <a:ea typeface="ＭＳ Ｐゴシック" panose="020B0600070205080204" pitchFamily="50" charset="-128"/>
+                </a:rPr>
+                <a:t>&lt;/p&gt;</a:t>
+              </a:r>
+            </a:p>
+            <a:p>
+              <a:r>
+                <a:rPr lang="en-US" altLang="ja-JP" dirty="0">
+                  <a:solidFill>
+                    <a:schemeClr val="bg1"/>
+                  </a:solidFill>
+                  <a:latin typeface="ＭＳ Ｐゴシック" panose="020B0600070205080204" pitchFamily="50" charset="-128"/>
+                  <a:ea typeface="ＭＳ Ｐゴシック" panose="020B0600070205080204" pitchFamily="50" charset="-128"/>
+                </a:rPr>
+                <a:t>    );</a:t>
+              </a:r>
+            </a:p>
+            <a:p>
+              <a:r>
+                <a:rPr lang="en-US" altLang="ja-JP" dirty="0">
+                  <a:solidFill>
+                    <a:schemeClr val="bg1"/>
+                  </a:solidFill>
+                  <a:latin typeface="ＭＳ Ｐゴシック" panose="020B0600070205080204" pitchFamily="50" charset="-128"/>
+                  <a:ea typeface="ＭＳ Ｐゴシック" panose="020B0600070205080204" pitchFamily="50" charset="-128"/>
+                </a:rPr>
+                <a:t>  }</a:t>
+              </a:r>
+            </a:p>
+            <a:p>
+              <a:r>
+                <a:rPr lang="en-US" altLang="ja-JP" dirty="0">
+                  <a:solidFill>
+                    <a:schemeClr val="bg1"/>
+                  </a:solidFill>
+                  <a:latin typeface="ＭＳ Ｐゴシック" panose="020B0600070205080204" pitchFamily="50" charset="-128"/>
+                  <a:ea typeface="ＭＳ Ｐゴシック" panose="020B0600070205080204" pitchFamily="50" charset="-128"/>
+                </a:rPr>
+                <a:t>}</a:t>
+              </a:r>
+            </a:p>
+            <a:p>
+              <a:endParaRPr lang="en-US" altLang="ja-JP" dirty="0">
+                <a:solidFill>
+                  <a:schemeClr val="bg1"/>
+                </a:solidFill>
+                <a:latin typeface="ＭＳ Ｐゴシック" panose="020B0600070205080204" pitchFamily="50" charset="-128"/>
+                <a:ea typeface="ＭＳ Ｐゴシック" panose="020B0600070205080204" pitchFamily="50" charset="-128"/>
+              </a:endParaRPr>
+            </a:p>
+            <a:p>
+              <a:r>
+                <a:rPr lang="en-US" altLang="ja-JP" dirty="0">
+                  <a:solidFill>
+                    <a:schemeClr val="bg1"/>
+                  </a:solidFill>
+                  <a:latin typeface="ＭＳ Ｐゴシック" panose="020B0600070205080204" pitchFamily="50" charset="-128"/>
+                  <a:ea typeface="ＭＳ Ｐゴシック" panose="020B0600070205080204" pitchFamily="50" charset="-128"/>
+                </a:rPr>
+                <a:t>class App extends Component {  </a:t>
+              </a:r>
+            </a:p>
+            <a:p>
+              <a:r>
+                <a:rPr lang="en-US" altLang="ja-JP" dirty="0">
+                  <a:solidFill>
+                    <a:schemeClr val="bg1"/>
+                  </a:solidFill>
+                  <a:latin typeface="ＭＳ Ｐゴシック" panose="020B0600070205080204" pitchFamily="50" charset="-128"/>
+                  <a:ea typeface="ＭＳ Ｐゴシック" panose="020B0600070205080204" pitchFamily="50" charset="-128"/>
+                </a:rPr>
+                <a:t>  render() {</a:t>
+              </a:r>
+            </a:p>
+            <a:p>
+              <a:r>
+                <a:rPr lang="en-US" altLang="ja-JP" dirty="0">
+                  <a:solidFill>
+                    <a:schemeClr val="bg1"/>
+                  </a:solidFill>
+                  <a:latin typeface="ＭＳ Ｐゴシック" panose="020B0600070205080204" pitchFamily="50" charset="-128"/>
+                  <a:ea typeface="ＭＳ Ｐゴシック" panose="020B0600070205080204" pitchFamily="50" charset="-128"/>
+                </a:rPr>
+                <a:t>    return (</a:t>
+              </a:r>
+            </a:p>
+            <a:p>
+              <a:r>
+                <a:rPr lang="en-US" altLang="ja-JP" dirty="0">
                   <a:solidFill>
                     <a:schemeClr val="bg1"/>
                   </a:solidFill>
@@ -5672,7 +5852,7 @@
             </a:p>
             <a:p>
               <a:r>
-                <a:rPr lang="en-US" altLang="ja-JP" dirty="0" smtClean="0">
+                <a:rPr lang="en-US" altLang="ja-JP" dirty="0">
                   <a:solidFill>
                     <a:schemeClr val="bg1"/>
                   </a:solidFill>
@@ -5691,17 +5871,7 @@
                   <a:latin typeface="ＭＳ Ｐゴシック" panose="020B0600070205080204" pitchFamily="50" charset="-128"/>
                   <a:ea typeface="ＭＳ Ｐゴシック" panose="020B0600070205080204" pitchFamily="50" charset="-128"/>
                 </a:rPr>
-                <a:t>        &lt;ChildComponent </a:t>
-              </a:r>
-              <a:r>
-                <a:rPr lang="en-US" altLang="ja-JP" dirty="0" smtClean="0">
-                  <a:solidFill>
-                    <a:schemeClr val="bg1"/>
-                  </a:solidFill>
-                  <a:latin typeface="ＭＳ Ｐゴシック" panose="020B0600070205080204" pitchFamily="50" charset="-128"/>
-                  <a:ea typeface="ＭＳ Ｐゴシック" panose="020B0600070205080204" pitchFamily="50" charset="-128"/>
-                </a:rPr>
-                <a:t>/&gt;</a:t>
+                <a:t>        &lt;ChildComponent /&gt;</a:t>
               </a:r>
             </a:p>
             <a:p>
@@ -5713,63 +5883,7 @@
                   <a:latin typeface="ＭＳ Ｐゴシック" panose="020B0600070205080204" pitchFamily="50" charset="-128"/>
                   <a:ea typeface="ＭＳ Ｐゴシック" panose="020B0600070205080204" pitchFamily="50" charset="-128"/>
                 </a:rPr>
-                <a:t> </a:t>
-              </a:r>
-              <a:r>
-                <a:rPr lang="en-US" altLang="ja-JP" dirty="0" smtClean="0">
-                  <a:solidFill>
-                    <a:schemeClr val="bg1"/>
-                  </a:solidFill>
-                  <a:latin typeface="ＭＳ Ｐゴシック" panose="020B0600070205080204" pitchFamily="50" charset="-128"/>
-                  <a:ea typeface="ＭＳ Ｐゴシック" panose="020B0600070205080204" pitchFamily="50" charset="-128"/>
-                </a:rPr>
-                <a:t>     &lt;/div&gt;</a:t>
-              </a:r>
-            </a:p>
-            <a:p>
-              <a:r>
-                <a:rPr lang="en-US" altLang="ja-JP" dirty="0" smtClean="0">
-                  <a:solidFill>
-                    <a:schemeClr val="bg1"/>
-                  </a:solidFill>
-                  <a:latin typeface="ＭＳ Ｐゴシック" panose="020B0600070205080204" pitchFamily="50" charset="-128"/>
-                  <a:ea typeface="ＭＳ Ｐゴシック" panose="020B0600070205080204" pitchFamily="50" charset="-128"/>
-                </a:rPr>
-                <a:t>    )</a:t>
-              </a:r>
-            </a:p>
-            <a:p>
-              <a:r>
-                <a:rPr lang="en-US" altLang="ja-JP" dirty="0" smtClean="0">
-                  <a:solidFill>
-                    <a:schemeClr val="bg1"/>
-                  </a:solidFill>
-                  <a:latin typeface="ＭＳ Ｐゴシック" panose="020B0600070205080204" pitchFamily="50" charset="-128"/>
-                  <a:ea typeface="ＭＳ Ｐゴシック" panose="020B0600070205080204" pitchFamily="50" charset="-128"/>
-                </a:rPr>
-                <a:t>  </a:t>
-              </a:r>
-              <a:r>
-                <a:rPr lang="en-US" altLang="ja-JP" dirty="0">
-                  <a:solidFill>
-                    <a:schemeClr val="bg1"/>
-                  </a:solidFill>
-                  <a:latin typeface="ＭＳ Ｐゴシック" panose="020B0600070205080204" pitchFamily="50" charset="-128"/>
-                  <a:ea typeface="ＭＳ Ｐゴシック" panose="020B0600070205080204" pitchFamily="50" charset="-128"/>
-                </a:rPr>
-                <a:t>}</a:t>
-              </a:r>
-            </a:p>
-            <a:p>
-              <a:r>
-                <a:rPr lang="en-US" altLang="ja-JP" dirty="0" smtClean="0">
-                  <a:solidFill>
-                    <a:schemeClr val="bg1"/>
-                  </a:solidFill>
-                  <a:latin typeface="ＭＳ Ｐゴシック" panose="020B0600070205080204" pitchFamily="50" charset="-128"/>
-                  <a:ea typeface="ＭＳ Ｐゴシック" panose="020B0600070205080204" pitchFamily="50" charset="-128"/>
-                </a:rPr>
-                <a:t>};</a:t>
+                <a:t>      &lt;/div&gt;</a:t>
               </a:r>
             </a:p>
             <a:p>
@@ -5781,115 +5895,7 @@
                   <a:latin typeface="ＭＳ Ｐゴシック" panose="020B0600070205080204" pitchFamily="50" charset="-128"/>
                   <a:ea typeface="ＭＳ Ｐゴシック" panose="020B0600070205080204" pitchFamily="50" charset="-128"/>
                 </a:rPr>
-                <a:t>class </a:t>
-              </a:r>
-              <a:r>
-                <a:rPr lang="en-US" altLang="ja-JP" dirty="0" smtClean="0">
-                  <a:solidFill>
-                    <a:schemeClr val="bg1"/>
-                  </a:solidFill>
-                  <a:latin typeface="ＭＳ Ｐゴシック" panose="020B0600070205080204" pitchFamily="50" charset="-128"/>
-                  <a:ea typeface="ＭＳ Ｐゴシック" panose="020B0600070205080204" pitchFamily="50" charset="-128"/>
-                </a:rPr>
-                <a:t>ChildComponent </a:t>
-              </a:r>
-              <a:r>
-                <a:rPr lang="en-US" altLang="ja-JP" dirty="0">
-                  <a:solidFill>
-                    <a:schemeClr val="bg1"/>
-                  </a:solidFill>
-                  <a:latin typeface="ＭＳ Ｐゴシック" panose="020B0600070205080204" pitchFamily="50" charset="-128"/>
-                  <a:ea typeface="ＭＳ Ｐゴシック" panose="020B0600070205080204" pitchFamily="50" charset="-128"/>
-                </a:rPr>
-                <a:t>extends React.Component {</a:t>
-              </a:r>
-            </a:p>
-            <a:p>
-              <a:r>
-                <a:rPr lang="en-US" altLang="ja-JP" dirty="0">
-                  <a:solidFill>
-                    <a:schemeClr val="bg1"/>
-                  </a:solidFill>
-                  <a:latin typeface="ＭＳ Ｐゴシック" panose="020B0600070205080204" pitchFamily="50" charset="-128"/>
-                  <a:ea typeface="ＭＳ Ｐゴシック" panose="020B0600070205080204" pitchFamily="50" charset="-128"/>
-                </a:rPr>
-                <a:t>  render() {</a:t>
-              </a:r>
-            </a:p>
-            <a:p>
-              <a:r>
-                <a:rPr lang="en-US" altLang="ja-JP" dirty="0">
-                  <a:solidFill>
-                    <a:schemeClr val="bg1"/>
-                  </a:solidFill>
-                  <a:latin typeface="ＭＳ Ｐゴシック" panose="020B0600070205080204" pitchFamily="50" charset="-128"/>
-                  <a:ea typeface="ＭＳ Ｐゴシック" panose="020B0600070205080204" pitchFamily="50" charset="-128"/>
-                </a:rPr>
-                <a:t>    return (</a:t>
-              </a:r>
-            </a:p>
-            <a:p>
-              <a:r>
-                <a:rPr lang="en-US" altLang="ja-JP" dirty="0">
-                  <a:solidFill>
-                    <a:schemeClr val="bg1"/>
-                  </a:solidFill>
-                  <a:latin typeface="ＭＳ Ｐゴシック" panose="020B0600070205080204" pitchFamily="50" charset="-128"/>
-                  <a:ea typeface="ＭＳ Ｐゴシック" panose="020B0600070205080204" pitchFamily="50" charset="-128"/>
-                </a:rPr>
-                <a:t>      </a:t>
-              </a:r>
-              <a:r>
-                <a:rPr lang="en-US" altLang="ja-JP" dirty="0" smtClean="0">
-                  <a:solidFill>
-                    <a:schemeClr val="bg1"/>
-                  </a:solidFill>
-                  <a:latin typeface="ＭＳ Ｐゴシック" panose="020B0600070205080204" pitchFamily="50" charset="-128"/>
-                  <a:ea typeface="ＭＳ Ｐゴシック" panose="020B0600070205080204" pitchFamily="50" charset="-128"/>
-                </a:rPr>
-                <a:t>&lt;p&gt;</a:t>
-              </a:r>
-              <a:r>
-                <a:rPr lang="ja-JP" altLang="en-US" dirty="0" smtClean="0">
-                  <a:solidFill>
-                    <a:schemeClr val="bg1"/>
-                  </a:solidFill>
-                  <a:latin typeface="ＭＳ Ｐゴシック" panose="020B0600070205080204" pitchFamily="50" charset="-128"/>
-                  <a:ea typeface="ＭＳ Ｐゴシック" panose="020B0600070205080204" pitchFamily="50" charset="-128"/>
-                </a:rPr>
-                <a:t>子コンポーネント</a:t>
-              </a:r>
-              <a:r>
-                <a:rPr lang="en-US" altLang="ja-JP" dirty="0" smtClean="0">
-                  <a:solidFill>
-                    <a:schemeClr val="bg1"/>
-                  </a:solidFill>
-                  <a:latin typeface="ＭＳ Ｐゴシック" panose="020B0600070205080204" pitchFamily="50" charset="-128"/>
-                  <a:ea typeface="ＭＳ Ｐゴシック" panose="020B0600070205080204" pitchFamily="50" charset="-128"/>
-                </a:rPr>
-                <a:t>&lt;/p&gt;</a:t>
-              </a:r>
-            </a:p>
-            <a:p>
-              <a:r>
-                <a:rPr lang="en-US" altLang="ja-JP" dirty="0" smtClean="0">
-                  <a:solidFill>
-                    <a:schemeClr val="bg1"/>
-                  </a:solidFill>
-                  <a:latin typeface="ＭＳ Ｐゴシック" panose="020B0600070205080204" pitchFamily="50" charset="-128"/>
-                  <a:ea typeface="ＭＳ Ｐゴシック" panose="020B0600070205080204" pitchFamily="50" charset="-128"/>
-                </a:rPr>
-                <a:t>    </a:t>
-              </a:r>
-              <a:r>
-                <a:rPr lang="en-US" altLang="ja-JP" dirty="0">
-                  <a:solidFill>
-                    <a:schemeClr val="bg1"/>
-                  </a:solidFill>
-                  <a:latin typeface="ＭＳ Ｐゴシック" panose="020B0600070205080204" pitchFamily="50" charset="-128"/>
-                  <a:ea typeface="ＭＳ Ｐゴシック" panose="020B0600070205080204" pitchFamily="50" charset="-128"/>
-                </a:rPr>
-                <a:t>)</a:t>
+                <a:t>    );</a:t>
               </a:r>
             </a:p>
             <a:p>
@@ -5906,46 +5912,14 @@
             </a:p>
             <a:p>
               <a:r>
-                <a:rPr lang="en-US" altLang="ja-JP" dirty="0" smtClean="0">
+                <a:rPr lang="en-US" altLang="ja-JP" dirty="0">
                   <a:solidFill>
                     <a:schemeClr val="bg1"/>
                   </a:solidFill>
                   <a:latin typeface="ＭＳ Ｐゴシック" panose="020B0600070205080204" pitchFamily="50" charset="-128"/>
                   <a:ea typeface="ＭＳ Ｐゴシック" panose="020B0600070205080204" pitchFamily="50" charset="-128"/>
                 </a:rPr>
-                <a:t>};</a:t>
-              </a:r>
-            </a:p>
-            <a:p>
-              <a:r>
-                <a:rPr lang="en-US" altLang="ja-JP" dirty="0">
-                  <a:solidFill>
-                    <a:schemeClr val="bg1"/>
-                  </a:solidFill>
-                  <a:latin typeface="ＭＳ Ｐゴシック" panose="020B0600070205080204" pitchFamily="50" charset="-128"/>
-                  <a:ea typeface="ＭＳ Ｐゴシック" panose="020B0600070205080204" pitchFamily="50" charset="-128"/>
-                </a:rPr>
-                <a:t>(ReactDOM.render</a:t>
-              </a:r>
-              <a:r>
-                <a:rPr lang="ja-JP" altLang="en-US" dirty="0">
-                  <a:solidFill>
-                    <a:schemeClr val="bg1"/>
-                  </a:solidFill>
-                  <a:latin typeface="ＭＳ Ｐゴシック" panose="020B0600070205080204" pitchFamily="50" charset="-128"/>
-                  <a:ea typeface="ＭＳ Ｐゴシック" panose="020B0600070205080204" pitchFamily="50" charset="-128"/>
-                </a:rPr>
-                <a:t>は省略</a:t>
-              </a:r>
-              <a:r>
-                <a:rPr lang="en-US" altLang="ja-JP" dirty="0" smtClean="0">
-                  <a:solidFill>
-                    <a:schemeClr val="bg1"/>
-                  </a:solidFill>
-                  <a:latin typeface="ＭＳ Ｐゴシック" panose="020B0600070205080204" pitchFamily="50" charset="-128"/>
-                  <a:ea typeface="ＭＳ Ｐゴシック" panose="020B0600070205080204" pitchFamily="50" charset="-128"/>
-                </a:rPr>
-                <a:t>)</a:t>
+                <a:t>}</a:t>
               </a:r>
               <a:endParaRPr lang="en-US" altLang="ja-JP" dirty="0">
                 <a:solidFill>
@@ -5958,30 +5932,6 @@
           </p:txBody>
         </p:sp>
       </p:grpSp>
-      <p:pic>
-        <p:nvPicPr>
-          <p:cNvPr id="3" name="図 2"/>
-          <p:cNvPicPr>
-            <a:picLocks noChangeAspect="1"/>
-          </p:cNvPicPr>
-          <p:nvPr/>
-        </p:nvPicPr>
-        <p:blipFill>
-          <a:blip r:embed="rId2"/>
-          <a:stretch>
-            <a:fillRect/>
-          </a:stretch>
-        </p:blipFill>
-        <p:spPr>
-          <a:xfrm>
-            <a:off x="6592181" y="4271282"/>
-            <a:ext cx="3747118" cy="2287714"/>
-          </a:xfrm>
-          <a:prstGeom prst="rect">
-            <a:avLst/>
-          </a:prstGeom>
-        </p:spPr>
-      </p:pic>
       <p:sp>
         <p:nvSpPr>
           <p:cNvPr id="18" name="線吹き出し 2 (枠付き) 17"/>
@@ -5990,17 +5940,17 @@
         </p:nvSpPr>
         <p:spPr>
           <a:xfrm>
-            <a:off x="4828225" y="2019064"/>
-            <a:ext cx="5995106" cy="831273"/>
+            <a:off x="5468187" y="2491155"/>
+            <a:ext cx="5021036" cy="831273"/>
           </a:xfrm>
           <a:prstGeom prst="borderCallout2">
             <a:avLst>
-              <a:gd name="adj1" fmla="val 17750"/>
+              <a:gd name="adj1" fmla="val 66404"/>
               <a:gd name="adj2" fmla="val -177"/>
-              <a:gd name="adj3" fmla="val 18750"/>
-              <a:gd name="adj4" fmla="val -16667"/>
-              <a:gd name="adj5" fmla="val 66907"/>
-              <a:gd name="adj6" fmla="val -25901"/>
+              <a:gd name="adj3" fmla="val 97019"/>
+              <a:gd name="adj4" fmla="val -13587"/>
+              <a:gd name="adj5" fmla="val 280561"/>
+              <a:gd name="adj6" fmla="val -41681"/>
             </a:avLst>
           </a:prstGeom>
           <a:solidFill>
@@ -6044,17 +5994,6 @@
               <a:t>コンポーネント</a:t>
             </a:r>
             <a:r>
-              <a:rPr lang="ja-JP" altLang="en-US" dirty="0">
-                <a:solidFill>
-                  <a:schemeClr val="tx1">
-                    <a:lumMod val="85000"/>
-                    <a:lumOff val="15000"/>
-                  </a:schemeClr>
-                </a:solidFill>
-              </a:rPr>
-              <a:t>からコンポーネント</a:t>
-            </a:r>
-            <a:r>
               <a:rPr lang="ja-JP" altLang="en-US" dirty="0" smtClean="0">
                 <a:solidFill>
                   <a:schemeClr val="tx1">
@@ -6063,50 +6002,7 @@
                   </a:schemeClr>
                 </a:solidFill>
               </a:rPr>
-              <a:t>の呼出し</a:t>
-            </a:r>
-            <a:r>
-              <a:rPr lang="ja-JP" altLang="en-US" dirty="0">
-                <a:solidFill>
-                  <a:schemeClr val="tx1">
-                    <a:lumMod val="85000"/>
-                    <a:lumOff val="15000"/>
-                  </a:schemeClr>
-                </a:solidFill>
-              </a:rPr>
-              <a:t>を行うことが</a:t>
-            </a:r>
-            <a:r>
-              <a:rPr lang="ja-JP" altLang="en-US" dirty="0" smtClean="0">
-                <a:solidFill>
-                  <a:schemeClr val="tx1">
-                    <a:lumMod val="85000"/>
-                    <a:lumOff val="15000"/>
-                  </a:schemeClr>
-                </a:solidFill>
-              </a:rPr>
-              <a:t>可能です。</a:t>
-            </a:r>
-            <a:endParaRPr lang="en-US" altLang="ja-JP" dirty="0" smtClean="0">
-              <a:solidFill>
-                <a:schemeClr val="tx1">
-                  <a:lumMod val="85000"/>
-                  <a:lumOff val="15000"/>
-                </a:schemeClr>
-              </a:solidFill>
-            </a:endParaRPr>
-          </a:p>
-          <a:p>
-            <a:r>
-              <a:rPr lang="ja-JP" altLang="en-US" dirty="0" smtClean="0">
-                <a:solidFill>
-                  <a:schemeClr val="tx1">
-                    <a:lumMod val="85000"/>
-                    <a:lumOff val="15000"/>
-                  </a:schemeClr>
-                </a:solidFill>
-              </a:rPr>
-              <a:t>また、コンポーネントは再利用することが可能です。</a:t>
+              <a:t>は再利用することが可能です。</a:t>
             </a:r>
             <a:endParaRPr lang="en-US" altLang="ja-JP" dirty="0">
               <a:solidFill>
@@ -6127,7 +6023,7 @@
         </p:nvCxnSpPr>
         <p:spPr>
           <a:xfrm>
-            <a:off x="1238598" y="2901144"/>
+            <a:off x="1238598" y="5072844"/>
             <a:ext cx="2036616" cy="0"/>
           </a:xfrm>
           <a:prstGeom prst="line">
@@ -6136,41 +6032,6 @@
           <a:ln>
             <a:solidFill>
               <a:srgbClr val="FF0000"/>
-            </a:solidFill>
-          </a:ln>
-        </p:spPr>
-        <p:style>
-          <a:lnRef idx="3">
-            <a:schemeClr val="accent2"/>
-          </a:lnRef>
-          <a:fillRef idx="0">
-            <a:schemeClr val="accent2"/>
-          </a:fillRef>
-          <a:effectRef idx="2">
-            <a:schemeClr val="accent2"/>
-          </a:effectRef>
-          <a:fontRef idx="minor">
-            <a:schemeClr val="tx1"/>
-          </a:fontRef>
-        </p:style>
-      </p:cxnSp>
-      <p:cxnSp>
-        <p:nvCxnSpPr>
-          <p:cNvPr id="24" name="直線コネクタ 23"/>
-          <p:cNvCxnSpPr/>
-          <p:nvPr/>
-        </p:nvCxnSpPr>
-        <p:spPr>
-          <a:xfrm>
-            <a:off x="1221972" y="4265739"/>
-            <a:ext cx="1637606" cy="0"/>
-          </a:xfrm>
-          <a:prstGeom prst="line">
-            <a:avLst/>
-          </a:prstGeom>
-          <a:ln>
-            <a:solidFill>
-              <a:srgbClr val="92D050"/>
             </a:solidFill>
           </a:ln>
         </p:spPr>
@@ -6197,7 +6058,7 @@
         </p:nvCxnSpPr>
         <p:spPr>
           <a:xfrm>
-            <a:off x="1238598" y="2629596"/>
+            <a:off x="1238598" y="4801296"/>
             <a:ext cx="2036616" cy="0"/>
           </a:xfrm>
           <a:prstGeom prst="line">
@@ -6224,41 +6085,99 @@
           </a:fontRef>
         </p:style>
       </p:cxnSp>
-      <p:cxnSp>
-        <p:nvCxnSpPr>
-          <p:cNvPr id="34" name="直線コネクタ 33"/>
-          <p:cNvCxnSpPr/>
+      <p:sp>
+        <p:nvSpPr>
+          <p:cNvPr id="13" name="線吹き出し 2 (枠付き) 12"/>
+          <p:cNvSpPr/>
           <p:nvPr/>
-        </p:nvCxnSpPr>
+        </p:nvSpPr>
         <p:spPr>
           <a:xfrm>
-            <a:off x="1221972" y="1524002"/>
-            <a:ext cx="1778923" cy="0"/>
-          </a:xfrm>
-          <a:prstGeom prst="line">
-            <a:avLst/>
+            <a:off x="7835667" y="5572268"/>
+            <a:ext cx="4012851" cy="831273"/>
+          </a:xfrm>
+          <a:prstGeom prst="borderCallout2">
+            <a:avLst>
+              <a:gd name="adj1" fmla="val 66404"/>
+              <a:gd name="adj2" fmla="val -177"/>
+              <a:gd name="adj3" fmla="val 66347"/>
+              <a:gd name="adj4" fmla="val -9643"/>
+              <a:gd name="adj5" fmla="val -13477"/>
+              <a:gd name="adj6" fmla="val -17360"/>
+            </a:avLst>
           </a:prstGeom>
-          <a:ln>
+          <a:solidFill>
+            <a:schemeClr val="bg1"/>
+          </a:solidFill>
+          <a:ln w="28575">
             <a:solidFill>
-              <a:srgbClr val="92D050"/>
+              <a:srgbClr val="3399FF"/>
             </a:solidFill>
           </a:ln>
         </p:spPr>
         <p:style>
-          <a:lnRef idx="3">
-            <a:schemeClr val="accent2"/>
+          <a:lnRef idx="2">
+            <a:schemeClr val="accent1">
+              <a:shade val="50000"/>
+            </a:schemeClr>
           </a:lnRef>
-          <a:fillRef idx="0">
-            <a:schemeClr val="accent2"/>
+          <a:fillRef idx="1">
+            <a:schemeClr val="accent1"/>
           </a:fillRef>
-          <a:effectRef idx="2">
-            <a:schemeClr val="accent2"/>
+          <a:effectRef idx="0">
+            <a:schemeClr val="accent1"/>
           </a:effectRef>
           <a:fontRef idx="minor">
-            <a:schemeClr val="tx1"/>
+            <a:schemeClr val="lt1"/>
           </a:fontRef>
         </p:style>
-      </p:cxnSp>
+        <p:txBody>
+          <a:bodyPr rtlCol="0" anchor="ctr"/>
+          <a:lstStyle/>
+          <a:p>
+            <a:r>
+              <a:rPr lang="ja-JP" altLang="en-US" dirty="0" smtClean="0">
+                <a:solidFill>
+                  <a:schemeClr val="tx1">
+                    <a:lumMod val="85000"/>
+                    <a:lumOff val="15000"/>
+                  </a:schemeClr>
+                </a:solidFill>
+              </a:rPr>
+              <a:t>コンポーネントを２回呼び出しているので</a:t>
+            </a:r>
+            <a:endParaRPr lang="en-US" altLang="ja-JP" dirty="0" smtClean="0">
+              <a:solidFill>
+                <a:schemeClr val="tx1">
+                  <a:lumMod val="85000"/>
+                  <a:lumOff val="15000"/>
+                </a:schemeClr>
+              </a:solidFill>
+            </a:endParaRPr>
+          </a:p>
+          <a:p>
+            <a:r>
+              <a:rPr lang="ja-JP" altLang="en-US" dirty="0" smtClean="0">
+                <a:solidFill>
+                  <a:schemeClr val="tx1">
+                    <a:lumMod val="85000"/>
+                    <a:lumOff val="15000"/>
+                  </a:schemeClr>
+                </a:solidFill>
+              </a:rPr>
+              <a:t>２回分表示されます。</a:t>
+            </a:r>
+            <a:endParaRPr lang="en-US" altLang="ja-JP" dirty="0" smtClean="0">
+              <a:solidFill>
+                <a:schemeClr val="tx1">
+                  <a:lumMod val="85000"/>
+                  <a:lumOff val="15000"/>
+                </a:schemeClr>
+              </a:solidFill>
+            </a:endParaRPr>
+          </a:p>
+        </p:txBody>
+      </p:sp>
     </p:spTree>
     <p:extLst>
       <p:ext uri="{BB962C8B-B14F-4D97-AF65-F5344CB8AC3E}">
@@ -7113,9 +7032,9 @@
         <p:grpSpPr>
           <a:xfrm>
             <a:off x="538891" y="1103091"/>
-            <a:ext cx="5843250" cy="5291396"/>
+            <a:ext cx="5977996" cy="5523610"/>
             <a:chOff x="538890" y="2134709"/>
-            <a:chExt cx="11164927" cy="1899137"/>
+            <a:chExt cx="11164927" cy="1907313"/>
           </a:xfrm>
         </p:grpSpPr>
         <p:sp>
@@ -7333,7 +7252,7 @@
           <p:spPr>
             <a:xfrm>
               <a:off x="796354" y="2192823"/>
-              <a:ext cx="10663476" cy="1424988"/>
+              <a:ext cx="10663476" cy="1849199"/>
             </a:xfrm>
             <a:prstGeom prst="rect">
               <a:avLst/>
@@ -7346,24 +7265,14 @@
             <a:lstStyle/>
             <a:p>
               <a:r>
-                <a:rPr lang="en-US" altLang="ja-JP" dirty="0" smtClean="0">
+                <a:rPr lang="en-US" altLang="ja-JP" dirty="0">
                   <a:solidFill>
                     <a:schemeClr val="bg1"/>
                   </a:solidFill>
                   <a:latin typeface="ＭＳ Ｐゴシック" panose="020B0600070205080204" pitchFamily="50" charset="-128"/>
                   <a:ea typeface="ＭＳ Ｐゴシック" panose="020B0600070205080204" pitchFamily="50" charset="-128"/>
                 </a:rPr>
-                <a:t>class TestComponent </a:t>
-              </a:r>
-              <a:r>
-                <a:rPr lang="en-US" altLang="ja-JP" dirty="0">
-                  <a:solidFill>
-                    <a:schemeClr val="bg1"/>
-                  </a:solidFill>
-                  <a:latin typeface="ＭＳ Ｐゴシック" panose="020B0600070205080204" pitchFamily="50" charset="-128"/>
-                  <a:ea typeface="ＭＳ Ｐゴシック" panose="020B0600070205080204" pitchFamily="50" charset="-128"/>
-                </a:rPr>
-                <a:t>extends React.Component {</a:t>
+                <a:t>class TestComponent extends Component {  </a:t>
               </a:r>
             </a:p>
             <a:p>
@@ -7399,7 +7308,7 @@
                   <a:latin typeface="ＭＳ Ｐゴシック" panose="020B0600070205080204" pitchFamily="50" charset="-128"/>
                   <a:ea typeface="ＭＳ Ｐゴシック" panose="020B0600070205080204" pitchFamily="50" charset="-128"/>
                 </a:rPr>
-                <a:t>      &lt;div&gt;</a:t>
+                <a:t>        &lt;p&gt;</a:t>
               </a:r>
             </a:p>
             <a:p>
@@ -7411,25 +7320,60 @@
                   <a:latin typeface="ＭＳ Ｐゴシック" panose="020B0600070205080204" pitchFamily="50" charset="-128"/>
                   <a:ea typeface="ＭＳ Ｐゴシック" panose="020B0600070205080204" pitchFamily="50" charset="-128"/>
                 </a:rPr>
-                <a:t> </a:t>
+                <a:t>          props</a:t>
               </a:r>
               <a:r>
-                <a:rPr lang="en-US" altLang="ja-JP" dirty="0" smtClean="0">
+                <a:rPr lang="ja-JP" altLang="en-US" dirty="0">
                   <a:solidFill>
                     <a:schemeClr val="bg1"/>
                   </a:solidFill>
                   <a:latin typeface="ＭＳ Ｐゴシック" panose="020B0600070205080204" pitchFamily="50" charset="-128"/>
                   <a:ea typeface="ＭＳ Ｐゴシック" panose="020B0600070205080204" pitchFamily="50" charset="-128"/>
                 </a:rPr>
-                <a:t>       {this.props.propsName}</a:t>
+                <a:t>の値は「</a:t>
               </a:r>
-              <a:endParaRPr lang="en-US" altLang="ja-JP" dirty="0">
-                <a:solidFill>
-                  <a:schemeClr val="bg1"/>
-                </a:solidFill>
-                <a:latin typeface="ＭＳ Ｐゴシック" panose="020B0600070205080204" pitchFamily="50" charset="-128"/>
-                <a:ea typeface="ＭＳ Ｐゴシック" panose="020B0600070205080204" pitchFamily="50" charset="-128"/>
-              </a:endParaRPr>
+              <a:r>
+                <a:rPr lang="en-US" altLang="ja-JP" dirty="0">
+                  <a:solidFill>
+                    <a:schemeClr val="bg1"/>
+                  </a:solidFill>
+                  <a:latin typeface="ＭＳ Ｐゴシック" panose="020B0600070205080204" pitchFamily="50" charset="-128"/>
+                  <a:ea typeface="ＭＳ Ｐゴシック" panose="020B0600070205080204" pitchFamily="50" charset="-128"/>
+                </a:rPr>
+                <a:t>{this.props.propsName}</a:t>
+              </a:r>
+              <a:r>
+                <a:rPr lang="ja-JP" altLang="en-US" dirty="0">
+                  <a:solidFill>
+                    <a:schemeClr val="bg1"/>
+                  </a:solidFill>
+                  <a:latin typeface="ＭＳ Ｐゴシック" panose="020B0600070205080204" pitchFamily="50" charset="-128"/>
+                  <a:ea typeface="ＭＳ Ｐゴシック" panose="020B0600070205080204" pitchFamily="50" charset="-128"/>
+                </a:rPr>
+                <a:t>」です。</a:t>
+              </a:r>
+            </a:p>
+            <a:p>
+              <a:r>
+                <a:rPr lang="ja-JP" altLang="en-US" dirty="0">
+                  <a:solidFill>
+                    <a:schemeClr val="bg1"/>
+                  </a:solidFill>
+                  <a:latin typeface="ＭＳ Ｐゴシック" panose="020B0600070205080204" pitchFamily="50" charset="-128"/>
+                  <a:ea typeface="ＭＳ Ｐゴシック" panose="020B0600070205080204" pitchFamily="50" charset="-128"/>
+                </a:rPr>
+                <a:t>        </a:t>
+              </a:r>
+              <a:r>
+                <a:rPr lang="en-US" altLang="ja-JP" dirty="0">
+                  <a:solidFill>
+                    <a:schemeClr val="bg1"/>
+                  </a:solidFill>
+                  <a:latin typeface="ＭＳ Ｐゴシック" panose="020B0600070205080204" pitchFamily="50" charset="-128"/>
+                  <a:ea typeface="ＭＳ Ｐゴシック" panose="020B0600070205080204" pitchFamily="50" charset="-128"/>
+                </a:rPr>
+                <a:t>&lt;/p&gt;</a:t>
+              </a:r>
             </a:p>
             <a:p>
               <a:r>
@@ -7440,39 +7384,7 @@
                   <a:latin typeface="ＭＳ Ｐゴシック" panose="020B0600070205080204" pitchFamily="50" charset="-128"/>
                   <a:ea typeface="ＭＳ Ｐゴシック" panose="020B0600070205080204" pitchFamily="50" charset="-128"/>
                 </a:rPr>
-                <a:t> </a:t>
-              </a:r>
-              <a:r>
-                <a:rPr lang="en-US" altLang="ja-JP" dirty="0" smtClean="0">
-                  <a:solidFill>
-                    <a:schemeClr val="bg1"/>
-                  </a:solidFill>
-                  <a:latin typeface="ＭＳ Ｐゴシック" panose="020B0600070205080204" pitchFamily="50" charset="-128"/>
-                  <a:ea typeface="ＭＳ Ｐゴシック" panose="020B0600070205080204" pitchFamily="50" charset="-128"/>
-                </a:rPr>
-                <a:t>     &lt;/div&gt;</a:t>
-              </a:r>
-            </a:p>
-            <a:p>
-              <a:r>
-                <a:rPr lang="en-US" altLang="ja-JP" dirty="0" smtClean="0">
-                  <a:solidFill>
-                    <a:schemeClr val="bg1"/>
-                  </a:solidFill>
-                  <a:latin typeface="ＭＳ Ｐゴシック" panose="020B0600070205080204" pitchFamily="50" charset="-128"/>
-                  <a:ea typeface="ＭＳ Ｐゴシック" panose="020B0600070205080204" pitchFamily="50" charset="-128"/>
-                </a:rPr>
-                <a:t>    </a:t>
-              </a:r>
-              <a:r>
-                <a:rPr lang="en-US" altLang="ja-JP" dirty="0">
-                  <a:solidFill>
-                    <a:schemeClr val="bg1"/>
-                  </a:solidFill>
-                  <a:latin typeface="ＭＳ Ｐゴシック" panose="020B0600070205080204" pitchFamily="50" charset="-128"/>
-                  <a:ea typeface="ＭＳ Ｐゴシック" panose="020B0600070205080204" pitchFamily="50" charset="-128"/>
-                </a:rPr>
-                <a:t>)</a:t>
+                <a:t>    );</a:t>
               </a:r>
             </a:p>
             <a:p>
@@ -7489,14 +7401,14 @@
             </a:p>
             <a:p>
               <a:r>
-                <a:rPr lang="en-US" altLang="ja-JP" dirty="0" smtClean="0">
+                <a:rPr lang="en-US" altLang="ja-JP" dirty="0">
                   <a:solidFill>
                     <a:schemeClr val="bg1"/>
                   </a:solidFill>
                   <a:latin typeface="ＭＳ Ｐゴシック" panose="020B0600070205080204" pitchFamily="50" charset="-128"/>
                   <a:ea typeface="ＭＳ Ｐゴシック" panose="020B0600070205080204" pitchFamily="50" charset="-128"/>
                 </a:rPr>
-                <a:t>};</a:t>
+                <a:t>}</a:t>
               </a:r>
             </a:p>
             <a:p>
@@ -7510,50 +7422,130 @@
             </a:p>
             <a:p>
               <a:r>
-                <a:rPr lang="en-US" altLang="ja-JP" dirty="0" smtClean="0">
+                <a:rPr lang="en-US" altLang="ja-JP" dirty="0">
                   <a:solidFill>
                     <a:schemeClr val="bg1"/>
                   </a:solidFill>
                   <a:latin typeface="ＭＳ Ｐゴシック" panose="020B0600070205080204" pitchFamily="50" charset="-128"/>
                   <a:ea typeface="ＭＳ Ｐゴシック" panose="020B0600070205080204" pitchFamily="50" charset="-128"/>
                 </a:rPr>
-                <a:t>ReactDOM.render(</a:t>
+                <a:t>class App extends Component {  </a:t>
               </a:r>
             </a:p>
             <a:p>
               <a:r>
-                <a:rPr lang="en-US" altLang="ja-JP" dirty="0" smtClean="0">
+                <a:rPr lang="en-US" altLang="ja-JP" dirty="0">
                   <a:solidFill>
                     <a:schemeClr val="bg1"/>
                   </a:solidFill>
                   <a:latin typeface="ＭＳ Ｐゴシック" panose="020B0600070205080204" pitchFamily="50" charset="-128"/>
                   <a:ea typeface="ＭＳ Ｐゴシック" panose="020B0600070205080204" pitchFamily="50" charset="-128"/>
                 </a:rPr>
-                <a:t>  &lt;TestComponent propsName="value"/&gt;,</a:t>
+                <a:t>  render() {</a:t>
               </a:r>
             </a:p>
             <a:p>
               <a:r>
-                <a:rPr lang="en-US" altLang="ja-JP" dirty="0" smtClean="0">
+                <a:rPr lang="en-US" altLang="ja-JP" dirty="0">
                   <a:solidFill>
                     <a:schemeClr val="bg1"/>
                   </a:solidFill>
                   <a:latin typeface="ＭＳ Ｐゴシック" panose="020B0600070205080204" pitchFamily="50" charset="-128"/>
                   <a:ea typeface="ＭＳ Ｐゴシック" panose="020B0600070205080204" pitchFamily="50" charset="-128"/>
                 </a:rPr>
-                <a:t>  document.getElementById(‘sample')</a:t>
+                <a:t>    return (</a:t>
               </a:r>
             </a:p>
             <a:p>
               <a:r>
-                <a:rPr lang="en-US" altLang="ja-JP" dirty="0" smtClean="0">
+                <a:rPr lang="en-US" altLang="ja-JP" dirty="0">
                   <a:solidFill>
                     <a:schemeClr val="bg1"/>
                   </a:solidFill>
                   <a:latin typeface="ＭＳ Ｐゴシック" panose="020B0600070205080204" pitchFamily="50" charset="-128"/>
                   <a:ea typeface="ＭＳ Ｐゴシック" panose="020B0600070205080204" pitchFamily="50" charset="-128"/>
                 </a:rPr>
-                <a:t>);</a:t>
+                <a:t>      &lt;div&gt;</a:t>
+              </a:r>
+            </a:p>
+            <a:p>
+              <a:r>
+                <a:rPr lang="en-US" altLang="ja-JP" dirty="0">
+                  <a:solidFill>
+                    <a:schemeClr val="bg1"/>
+                  </a:solidFill>
+                  <a:latin typeface="ＭＳ Ｐゴシック" panose="020B0600070205080204" pitchFamily="50" charset="-128"/>
+                  <a:ea typeface="ＭＳ Ｐゴシック" panose="020B0600070205080204" pitchFamily="50" charset="-128"/>
+                </a:rPr>
+                <a:t>        &lt;TestComponent propsName="</a:t>
+              </a:r>
+              <a:r>
+                <a:rPr lang="ja-JP" altLang="en-US" dirty="0">
+                  <a:solidFill>
+                    <a:schemeClr val="bg1"/>
+                  </a:solidFill>
+                  <a:latin typeface="ＭＳ Ｐゴシック" panose="020B0600070205080204" pitchFamily="50" charset="-128"/>
+                  <a:ea typeface="ＭＳ Ｐゴシック" panose="020B0600070205080204" pitchFamily="50" charset="-128"/>
+                </a:rPr>
+                <a:t>テスト</a:t>
+              </a:r>
+              <a:r>
+                <a:rPr lang="en-US" altLang="ja-JP" dirty="0">
+                  <a:solidFill>
+                    <a:schemeClr val="bg1"/>
+                  </a:solidFill>
+                  <a:latin typeface="ＭＳ Ｐゴシック" panose="020B0600070205080204" pitchFamily="50" charset="-128"/>
+                  <a:ea typeface="ＭＳ Ｐゴシック" panose="020B0600070205080204" pitchFamily="50" charset="-128"/>
+                </a:rPr>
+                <a:t>" /&gt;</a:t>
+              </a:r>
+            </a:p>
+            <a:p>
+              <a:r>
+                <a:rPr lang="en-US" altLang="ja-JP" dirty="0">
+                  <a:solidFill>
+                    <a:schemeClr val="bg1"/>
+                  </a:solidFill>
+                  <a:latin typeface="ＭＳ Ｐゴシック" panose="020B0600070205080204" pitchFamily="50" charset="-128"/>
+                  <a:ea typeface="ＭＳ Ｐゴシック" panose="020B0600070205080204" pitchFamily="50" charset="-128"/>
+                </a:rPr>
+                <a:t>      &lt;/div&gt;</a:t>
+              </a:r>
+            </a:p>
+            <a:p>
+              <a:r>
+                <a:rPr lang="en-US" altLang="ja-JP" dirty="0">
+                  <a:solidFill>
+                    <a:schemeClr val="bg1"/>
+                  </a:solidFill>
+                  <a:latin typeface="ＭＳ Ｐゴシック" panose="020B0600070205080204" pitchFamily="50" charset="-128"/>
+                  <a:ea typeface="ＭＳ Ｐゴシック" panose="020B0600070205080204" pitchFamily="50" charset="-128"/>
+                </a:rPr>
+                <a:t>    );</a:t>
+              </a:r>
+            </a:p>
+            <a:p>
+              <a:r>
+                <a:rPr lang="en-US" altLang="ja-JP" dirty="0">
+                  <a:solidFill>
+                    <a:schemeClr val="bg1"/>
+                  </a:solidFill>
+                  <a:latin typeface="ＭＳ Ｐゴシック" panose="020B0600070205080204" pitchFamily="50" charset="-128"/>
+                  <a:ea typeface="ＭＳ Ｐゴシック" panose="020B0600070205080204" pitchFamily="50" charset="-128"/>
+                </a:rPr>
+                <a:t>  }</a:t>
+              </a:r>
+            </a:p>
+            <a:p>
+              <a:r>
+                <a:rPr lang="en-US" altLang="ja-JP" dirty="0">
+                  <a:solidFill>
+                    <a:schemeClr val="bg1"/>
+                  </a:solidFill>
+                  <a:latin typeface="ＭＳ Ｐゴシック" panose="020B0600070205080204" pitchFamily="50" charset="-128"/>
+                  <a:ea typeface="ＭＳ Ｐゴシック" panose="020B0600070205080204" pitchFamily="50" charset="-128"/>
+                </a:rPr>
+                <a:t>}</a:t>
               </a:r>
               <a:endParaRPr lang="ja-JP" altLang="en-US" dirty="0">
                 <a:solidFill>
@@ -7574,17 +7566,17 @@
         </p:nvSpPr>
         <p:spPr>
           <a:xfrm>
-            <a:off x="4904775" y="2219338"/>
-            <a:ext cx="3764395" cy="831273"/>
+            <a:off x="5927802" y="2451204"/>
+            <a:ext cx="5880268" cy="831273"/>
           </a:xfrm>
           <a:prstGeom prst="borderCallout2">
             <a:avLst>
-              <a:gd name="adj1" fmla="val 17750"/>
-              <a:gd name="adj2" fmla="val 413"/>
-              <a:gd name="adj3" fmla="val 18750"/>
-              <a:gd name="adj4" fmla="val -16667"/>
-              <a:gd name="adj5" fmla="val 44500"/>
-              <a:gd name="adj6" fmla="val -34313"/>
+              <a:gd name="adj1" fmla="val 72749"/>
+              <a:gd name="adj2" fmla="val 29"/>
+              <a:gd name="adj3" fmla="val 73751"/>
+              <a:gd name="adj4" fmla="val -8416"/>
+              <a:gd name="adj5" fmla="val 37096"/>
+              <a:gd name="adj6" fmla="val -21005"/>
             </a:avLst>
           </a:prstGeom>
           <a:solidFill>
@@ -7636,18 +7628,8 @@
                   </a:schemeClr>
                 </a:solidFill>
               </a:rPr>
-              <a:t>名で</a:t>
-            </a:r>
-            <a:endParaRPr lang="en-US" altLang="ja-JP" dirty="0">
-              <a:solidFill>
-                <a:schemeClr val="tx1">
-                  <a:lumMod val="85000"/>
-                  <a:lumOff val="15000"/>
-                </a:schemeClr>
-              </a:solidFill>
-            </a:endParaRPr>
-          </a:p>
-          <a:p>
+              <a:t>名</a:t>
+            </a:r>
             <a:r>
               <a:rPr lang="ja-JP" altLang="en-US" dirty="0" smtClean="0">
                 <a:solidFill>
@@ -7657,7 +7639,7 @@
                   </a:schemeClr>
                 </a:solidFill>
               </a:rPr>
-              <a:t>呼出し</a:t>
+              <a:t>で呼出し</a:t>
             </a:r>
             <a:r>
               <a:rPr lang="ja-JP" altLang="en-US" dirty="0">
@@ -7700,17 +7682,17 @@
         </p:nvSpPr>
         <p:spPr>
           <a:xfrm>
-            <a:off x="4904775" y="3381682"/>
-            <a:ext cx="3764395" cy="831273"/>
+            <a:off x="5927802" y="3533408"/>
+            <a:ext cx="5880268" cy="831273"/>
           </a:xfrm>
           <a:prstGeom prst="borderCallout2">
             <a:avLst>
-              <a:gd name="adj1" fmla="val 17750"/>
-              <a:gd name="adj2" fmla="val 413"/>
-              <a:gd name="adj3" fmla="val 18750"/>
-              <a:gd name="adj4" fmla="val -16667"/>
-              <a:gd name="adj5" fmla="val 102500"/>
-              <a:gd name="adj6" fmla="val -28130"/>
+              <a:gd name="adj1" fmla="val 60058"/>
+              <a:gd name="adj2" fmla="val -54"/>
+              <a:gd name="adj3" fmla="val 60000"/>
+              <a:gd name="adj4" fmla="val -7996"/>
+              <a:gd name="adj5" fmla="val 190289"/>
+              <a:gd name="adj6" fmla="val -24539"/>
             </a:avLst>
           </a:prstGeom>
           <a:solidFill>
@@ -7764,16 +7746,6 @@
               </a:rPr>
               <a:t>に</a:t>
             </a:r>
-            <a:endParaRPr lang="en-US" altLang="ja-JP" dirty="0" smtClean="0">
-              <a:solidFill>
-                <a:schemeClr val="tx1">
-                  <a:lumMod val="85000"/>
-                  <a:lumOff val="15000"/>
-                </a:schemeClr>
-              </a:solidFill>
-            </a:endParaRPr>
-          </a:p>
-          <a:p>
             <a:r>
               <a:rPr lang="en-US" altLang="ja-JP" dirty="0" smtClean="0">
                 <a:solidFill>
@@ -7818,30 +7790,6 @@
           </a:p>
         </p:txBody>
       </p:sp>
-      <p:pic>
-        <p:nvPicPr>
-          <p:cNvPr id="5" name="図 4"/>
-          <p:cNvPicPr>
-            <a:picLocks noChangeAspect="1"/>
-          </p:cNvPicPr>
-          <p:nvPr/>
-        </p:nvPicPr>
-        <p:blipFill>
-          <a:blip r:embed="rId2"/>
-          <a:stretch>
-            <a:fillRect/>
-          </a:stretch>
-        </p:blipFill>
-        <p:spPr>
-          <a:xfrm>
-            <a:off x="7255971" y="4544026"/>
-            <a:ext cx="3848100" cy="1847850"/>
-          </a:xfrm>
-          <a:prstGeom prst="rect">
-            <a:avLst/>
-          </a:prstGeom>
-        </p:spPr>
-      </p:pic>
       <p:cxnSp>
         <p:nvCxnSpPr>
           <p:cNvPr id="22" name="直線コネクタ 21"/>
@@ -7850,8 +7798,8 @@
         </p:nvCxnSpPr>
         <p:spPr>
           <a:xfrm>
-            <a:off x="2585260" y="4639812"/>
-            <a:ext cx="1920238" cy="0"/>
+            <a:off x="2975745" y="5439913"/>
+            <a:ext cx="2053455" cy="0"/>
           </a:xfrm>
           <a:prstGeom prst="line">
             <a:avLst/>
@@ -7885,7 +7833,7 @@
         </p:nvCxnSpPr>
         <p:spPr>
           <a:xfrm>
-            <a:off x="1291245" y="2705718"/>
+            <a:off x="2750768" y="2705718"/>
             <a:ext cx="2158537" cy="0"/>
           </a:xfrm>
           <a:prstGeom prst="line">
@@ -7912,53 +7860,30 @@
           </a:fontRef>
         </p:style>
       </p:cxnSp>
-      <p:sp>
-        <p:nvSpPr>
-          <p:cNvPr id="10" name="楕円 9"/>
-          <p:cNvSpPr/>
+      <p:pic>
+        <p:nvPicPr>
+          <p:cNvPr id="3" name="図 2"/>
+          <p:cNvPicPr>
+            <a:picLocks noChangeAspect="1"/>
+          </p:cNvPicPr>
           <p:nvPr/>
-        </p:nvSpPr>
+        </p:nvPicPr>
+        <p:blipFill>
+          <a:blip r:embed="rId2"/>
+          <a:stretch>
+            <a:fillRect/>
+          </a:stretch>
+        </p:blipFill>
         <p:spPr>
           <a:xfrm>
-            <a:off x="3773978" y="4307115"/>
-            <a:ext cx="739833" cy="365950"/>
-          </a:xfrm>
-          <a:prstGeom prst="ellipse">
+            <a:off x="7047513" y="4504912"/>
+            <a:ext cx="3872843" cy="2044928"/>
+          </a:xfrm>
+          <a:prstGeom prst="rect">
             <a:avLst/>
           </a:prstGeom>
-          <a:noFill/>
-          <a:ln w="19050">
-            <a:solidFill>
-              <a:srgbClr val="FF0000"/>
-            </a:solidFill>
-            <a:prstDash val="sysDot"/>
-          </a:ln>
-        </p:spPr>
-        <p:style>
-          <a:lnRef idx="2">
-            <a:schemeClr val="accent1">
-              <a:shade val="50000"/>
-            </a:schemeClr>
-          </a:lnRef>
-          <a:fillRef idx="1">
-            <a:schemeClr val="accent1"/>
-          </a:fillRef>
-          <a:effectRef idx="0">
-            <a:schemeClr val="accent1"/>
-          </a:effectRef>
-          <a:fontRef idx="minor">
-            <a:schemeClr val="lt1"/>
-          </a:fontRef>
-        </p:style>
-        <p:txBody>
-          <a:bodyPr rtlCol="0" anchor="ctr"/>
-          <a:lstStyle/>
-          <a:p>
-            <a:pPr algn="ctr"/>
-            <a:endParaRPr kumimoji="1" lang="ja-JP" altLang="en-US"/>
-          </a:p>
-        </p:txBody>
-      </p:sp>
+        </p:spPr>
+      </p:pic>
     </p:spTree>
     <p:extLst>
       <p:ext uri="{BB962C8B-B14F-4D97-AF65-F5344CB8AC3E}">
@@ -7996,6 +7921,54 @@
           <a:chExt cx="0" cy="0"/>
         </a:xfrm>
       </p:grpSpPr>
+      <p:pic>
+        <p:nvPicPr>
+          <p:cNvPr id="8" name="図 7"/>
+          <p:cNvPicPr>
+            <a:picLocks noChangeAspect="1"/>
+          </p:cNvPicPr>
+          <p:nvPr/>
+        </p:nvPicPr>
+        <p:blipFill>
+          <a:blip r:embed="rId2"/>
+          <a:stretch>
+            <a:fillRect/>
+          </a:stretch>
+        </p:blipFill>
+        <p:spPr>
+          <a:xfrm>
+            <a:off x="8410345" y="5005135"/>
+            <a:ext cx="3505702" cy="1658948"/>
+          </a:xfrm>
+          <a:prstGeom prst="rect">
+            <a:avLst/>
+          </a:prstGeom>
+        </p:spPr>
+      </p:pic>
+      <p:pic>
+        <p:nvPicPr>
+          <p:cNvPr id="7" name="図 6"/>
+          <p:cNvPicPr>
+            <a:picLocks noChangeAspect="1"/>
+          </p:cNvPicPr>
+          <p:nvPr/>
+        </p:nvPicPr>
+        <p:blipFill>
+          <a:blip r:embed="rId3"/>
+          <a:stretch>
+            <a:fillRect/>
+          </a:stretch>
+        </p:blipFill>
+        <p:spPr>
+          <a:xfrm>
+            <a:off x="8410345" y="3286560"/>
+            <a:ext cx="3505702" cy="1658948"/>
+          </a:xfrm>
+          <a:prstGeom prst="rect">
+            <a:avLst/>
+          </a:prstGeom>
+        </p:spPr>
+      </p:pic>
       <p:sp>
         <p:nvSpPr>
           <p:cNvPr id="2" name="タイトル 1"/>
@@ -8057,9 +8030,9 @@
         <p:grpSpPr>
           <a:xfrm>
             <a:off x="538890" y="1080195"/>
-            <a:ext cx="6390493" cy="5633280"/>
+            <a:ext cx="7092833" cy="5746703"/>
             <a:chOff x="538890" y="2134709"/>
-            <a:chExt cx="6390493" cy="1936434"/>
+            <a:chExt cx="6390493" cy="1975423"/>
           </a:xfrm>
         </p:grpSpPr>
         <p:sp>
@@ -8273,7 +8246,7 @@
           <p:spPr>
             <a:xfrm>
               <a:off x="659654" y="2174031"/>
-              <a:ext cx="6269729" cy="1851463"/>
+              <a:ext cx="6269729" cy="1936101"/>
             </a:xfrm>
             <a:prstGeom prst="rect">
               <a:avLst/>
@@ -8286,39 +8259,55 @@
             <a:lstStyle/>
             <a:p>
               <a:r>
-                <a:rPr lang="en-US" altLang="ja-JP" sz="1600" dirty="0" smtClean="0">
+                <a:rPr lang="en-US" altLang="ja-JP" dirty="0">
                   <a:solidFill>
                     <a:schemeClr val="bg1"/>
                   </a:solidFill>
                   <a:latin typeface="ＭＳ Ｐゴシック" panose="020B0600070205080204" pitchFamily="50" charset="-128"/>
                   <a:ea typeface="ＭＳ Ｐゴシック" panose="020B0600070205080204" pitchFamily="50" charset="-128"/>
                 </a:rPr>
-                <a:t>class TestComponent </a:t>
-              </a:r>
-              <a:r>
-                <a:rPr lang="en-US" altLang="ja-JP" sz="1600" dirty="0">
-                  <a:solidFill>
-                    <a:schemeClr val="bg1"/>
-                  </a:solidFill>
-                  <a:latin typeface="ＭＳ Ｐゴシック" panose="020B0600070205080204" pitchFamily="50" charset="-128"/>
-                  <a:ea typeface="ＭＳ Ｐゴシック" panose="020B0600070205080204" pitchFamily="50" charset="-128"/>
-                </a:rPr>
-                <a:t>extends React.Component </a:t>
-              </a:r>
-              <a:r>
-                <a:rPr lang="en-US" altLang="ja-JP" sz="1600" dirty="0" smtClean="0">
-                  <a:solidFill>
-                    <a:schemeClr val="bg1"/>
-                  </a:solidFill>
-                  <a:latin typeface="ＭＳ Ｐゴシック" panose="020B0600070205080204" pitchFamily="50" charset="-128"/>
-                  <a:ea typeface="ＭＳ Ｐゴシック" panose="020B0600070205080204" pitchFamily="50" charset="-128"/>
-                </a:rPr>
-                <a:t>{</a:t>
+                <a:t>class TestComponent extends Component {</a:t>
               </a:r>
             </a:p>
             <a:p>
               <a:r>
-                <a:rPr lang="en-US" altLang="ja-JP" sz="1600" dirty="0">
+                <a:rPr lang="en-US" altLang="ja-JP" dirty="0">
+                  <a:solidFill>
+                    <a:schemeClr val="bg1"/>
+                  </a:solidFill>
+                  <a:latin typeface="ＭＳ Ｐゴシック" panose="020B0600070205080204" pitchFamily="50" charset="-128"/>
+                  <a:ea typeface="ＭＳ Ｐゴシック" panose="020B0600070205080204" pitchFamily="50" charset="-128"/>
+                </a:rPr>
+                <a:t>  constructor(props) {</a:t>
+              </a:r>
+            </a:p>
+            <a:p>
+              <a:r>
+                <a:rPr lang="en-US" altLang="ja-JP" dirty="0">
+                  <a:solidFill>
+                    <a:schemeClr val="bg1"/>
+                  </a:solidFill>
+                  <a:latin typeface="ＭＳ Ｐゴシック" panose="020B0600070205080204" pitchFamily="50" charset="-128"/>
+                  <a:ea typeface="ＭＳ Ｐゴシック" panose="020B0600070205080204" pitchFamily="50" charset="-128"/>
+                </a:rPr>
+                <a:t>    super(props);</a:t>
+              </a:r>
+            </a:p>
+            <a:p>
+              <a:r>
+                <a:rPr lang="en-US" altLang="ja-JP" dirty="0">
+                  <a:solidFill>
+                    <a:schemeClr val="bg1"/>
+                  </a:solidFill>
+                  <a:latin typeface="ＭＳ Ｐゴシック" panose="020B0600070205080204" pitchFamily="50" charset="-128"/>
+                  <a:ea typeface="ＭＳ Ｐゴシック" panose="020B0600070205080204" pitchFamily="50" charset="-128"/>
+                </a:rPr>
+                <a:t>    this.state = {count: 0}</a:t>
+              </a:r>
+            </a:p>
+            <a:p>
+              <a:r>
+                <a:rPr lang="en-US" altLang="ja-JP" dirty="0">
                   <a:solidFill>
                     <a:schemeClr val="bg1"/>
                   </a:solidFill>
@@ -8328,102 +8317,18 @@
                 <a:t>  </a:t>
               </a:r>
               <a:r>
-                <a:rPr lang="en-US" altLang="ja-JP" sz="1600" dirty="0" smtClean="0">
+                <a:rPr lang="en-US" altLang="ja-JP" dirty="0" smtClean="0">
                   <a:solidFill>
                     <a:schemeClr val="bg1"/>
                   </a:solidFill>
                   <a:latin typeface="ＭＳ Ｐゴシック" panose="020B0600070205080204" pitchFamily="50" charset="-128"/>
                   <a:ea typeface="ＭＳ Ｐゴシック" panose="020B0600070205080204" pitchFamily="50" charset="-128"/>
                 </a:rPr>
-                <a:t>constructor(props</a:t>
-              </a:r>
-              <a:r>
-                <a:rPr lang="en-US" altLang="ja-JP" sz="1600" dirty="0">
-                  <a:solidFill>
-                    <a:schemeClr val="bg1"/>
-                  </a:solidFill>
-                  <a:latin typeface="ＭＳ Ｐゴシック" panose="020B0600070205080204" pitchFamily="50" charset="-128"/>
-                  <a:ea typeface="ＭＳ Ｐゴシック" panose="020B0600070205080204" pitchFamily="50" charset="-128"/>
-                </a:rPr>
-                <a:t>) {</a:t>
+                <a:t>}</a:t>
               </a:r>
             </a:p>
             <a:p>
-              <a:r>
-                <a:rPr lang="en-US" altLang="ja-JP" sz="1600" dirty="0">
-                  <a:solidFill>
-                    <a:schemeClr val="bg1"/>
-                  </a:solidFill>
-                  <a:latin typeface="ＭＳ Ｐゴシック" panose="020B0600070205080204" pitchFamily="50" charset="-128"/>
-                  <a:ea typeface="ＭＳ Ｐゴシック" panose="020B0600070205080204" pitchFamily="50" charset="-128"/>
-                </a:rPr>
-                <a:t>  </a:t>
-              </a:r>
-              <a:r>
-                <a:rPr lang="en-US" altLang="ja-JP" sz="1600" dirty="0" smtClean="0">
-                  <a:solidFill>
-                    <a:schemeClr val="bg1"/>
-                  </a:solidFill>
-                  <a:latin typeface="ＭＳ Ｐゴシック" panose="020B0600070205080204" pitchFamily="50" charset="-128"/>
-                  <a:ea typeface="ＭＳ Ｐゴシック" panose="020B0600070205080204" pitchFamily="50" charset="-128"/>
-                </a:rPr>
-                <a:t>  super(props</a:t>
-              </a:r>
-              <a:r>
-                <a:rPr lang="en-US" altLang="ja-JP" sz="1600" dirty="0">
-                  <a:solidFill>
-                    <a:schemeClr val="bg1"/>
-                  </a:solidFill>
-                  <a:latin typeface="ＭＳ Ｐゴシック" panose="020B0600070205080204" pitchFamily="50" charset="-128"/>
-                  <a:ea typeface="ＭＳ Ｐゴシック" panose="020B0600070205080204" pitchFamily="50" charset="-128"/>
-                </a:rPr>
-                <a:t>);</a:t>
-              </a:r>
-            </a:p>
-            <a:p>
-              <a:r>
-                <a:rPr lang="en-US" altLang="ja-JP" sz="1600" dirty="0">
-                  <a:solidFill>
-                    <a:schemeClr val="bg1"/>
-                  </a:solidFill>
-                  <a:latin typeface="ＭＳ Ｐゴシック" panose="020B0600070205080204" pitchFamily="50" charset="-128"/>
-                  <a:ea typeface="ＭＳ Ｐゴシック" panose="020B0600070205080204" pitchFamily="50" charset="-128"/>
-                </a:rPr>
-                <a:t>  </a:t>
-              </a:r>
-              <a:r>
-                <a:rPr lang="en-US" altLang="ja-JP" sz="1600" dirty="0" smtClean="0">
-                  <a:solidFill>
-                    <a:schemeClr val="bg1"/>
-                  </a:solidFill>
-                  <a:latin typeface="ＭＳ Ｐゴシック" panose="020B0600070205080204" pitchFamily="50" charset="-128"/>
-                  <a:ea typeface="ＭＳ Ｐゴシック" panose="020B0600070205080204" pitchFamily="50" charset="-128"/>
-                </a:rPr>
-                <a:t>  this.state </a:t>
-              </a:r>
-              <a:r>
-                <a:rPr lang="en-US" altLang="ja-JP" sz="1600" dirty="0">
-                  <a:solidFill>
-                    <a:schemeClr val="bg1"/>
-                  </a:solidFill>
-                  <a:latin typeface="ＭＳ Ｐゴシック" panose="020B0600070205080204" pitchFamily="50" charset="-128"/>
-                  <a:ea typeface="ＭＳ Ｐゴシック" panose="020B0600070205080204" pitchFamily="50" charset="-128"/>
-                </a:rPr>
-                <a:t>= {count: 0}</a:t>
-              </a:r>
-            </a:p>
-            <a:p>
-              <a:r>
-                <a:rPr lang="en-US" altLang="ja-JP" sz="1600" dirty="0" smtClean="0">
-                  <a:solidFill>
-                    <a:schemeClr val="bg1"/>
-                  </a:solidFill>
-                  <a:latin typeface="ＭＳ Ｐゴシック" panose="020B0600070205080204" pitchFamily="50" charset="-128"/>
-                  <a:ea typeface="ＭＳ Ｐゴシック" panose="020B0600070205080204" pitchFamily="50" charset="-128"/>
-                </a:rPr>
-                <a:t>  }</a:t>
-              </a:r>
-              <a:endParaRPr lang="en-US" altLang="ja-JP" sz="1600" dirty="0">
+              <a:endParaRPr lang="en-US" altLang="ja-JP" dirty="0">
                 <a:solidFill>
                   <a:schemeClr val="bg1"/>
                 </a:solidFill>
@@ -8433,7 +8338,7 @@
             </a:p>
             <a:p>
               <a:r>
-                <a:rPr lang="en-US" altLang="ja-JP" sz="1600" dirty="0">
+                <a:rPr lang="en-US" altLang="ja-JP" dirty="0">
                   <a:solidFill>
                     <a:schemeClr val="bg1"/>
                   </a:solidFill>
@@ -8445,7 +8350,19 @@
             </a:p>
             <a:p>
               <a:r>
-                <a:rPr lang="en-US" altLang="ja-JP" sz="1600" dirty="0">
+                <a:rPr lang="en-US" altLang="ja-JP" dirty="0">
+                  <a:solidFill>
+                    <a:schemeClr val="bg1"/>
+                  </a:solidFill>
+                  <a:latin typeface="ＭＳ Ｐゴシック" panose="020B0600070205080204" pitchFamily="50" charset="-128"/>
+                  <a:ea typeface="ＭＳ Ｐゴシック" panose="020B0600070205080204" pitchFamily="50" charset="-128"/>
+                </a:rPr>
+                <a:t>    this.setState({ count: this.state.count + 1 });</a:t>
+              </a:r>
+            </a:p>
+            <a:p>
+              <a:r>
+                <a:rPr lang="en-US" altLang="ja-JP" dirty="0">
                   <a:solidFill>
                     <a:schemeClr val="bg1"/>
                   </a:solidFill>
@@ -8455,148 +8372,18 @@
                 <a:t>  </a:t>
               </a:r>
               <a:r>
-                <a:rPr lang="en-US" altLang="ja-JP" sz="1600" dirty="0" smtClean="0">
+                <a:rPr lang="en-US" altLang="ja-JP" dirty="0" smtClean="0">
                   <a:solidFill>
                     <a:schemeClr val="bg1"/>
                   </a:solidFill>
                   <a:latin typeface="ＭＳ Ｐゴシック" panose="020B0600070205080204" pitchFamily="50" charset="-128"/>
                   <a:ea typeface="ＭＳ Ｐゴシック" panose="020B0600070205080204" pitchFamily="50" charset="-128"/>
                 </a:rPr>
-                <a:t>  this.setState</a:t>
-              </a:r>
-              <a:r>
-                <a:rPr lang="en-US" altLang="ja-JP" sz="1600" dirty="0">
-                  <a:solidFill>
-                    <a:schemeClr val="bg1"/>
-                  </a:solidFill>
-                  <a:latin typeface="ＭＳ Ｐゴシック" panose="020B0600070205080204" pitchFamily="50" charset="-128"/>
-                  <a:ea typeface="ＭＳ Ｐゴシック" panose="020B0600070205080204" pitchFamily="50" charset="-128"/>
-                </a:rPr>
-                <a:t>({ count: this.state.count + 1 });</a:t>
+                <a:t>}</a:t>
               </a:r>
             </a:p>
             <a:p>
-              <a:r>
-                <a:rPr lang="en-US" altLang="ja-JP" sz="1600" dirty="0" smtClean="0">
-                  <a:solidFill>
-                    <a:schemeClr val="bg1"/>
-                  </a:solidFill>
-                  <a:latin typeface="ＭＳ Ｐゴシック" panose="020B0600070205080204" pitchFamily="50" charset="-128"/>
-                  <a:ea typeface="ＭＳ Ｐゴシック" panose="020B0600070205080204" pitchFamily="50" charset="-128"/>
-                </a:rPr>
-                <a:t>  }</a:t>
-              </a:r>
-            </a:p>
-            <a:p>
-              <a:r>
-                <a:rPr lang="en-US" altLang="ja-JP" sz="1600" dirty="0" smtClean="0">
-                  <a:solidFill>
-                    <a:schemeClr val="bg1"/>
-                  </a:solidFill>
-                  <a:latin typeface="ＭＳ Ｐゴシック" panose="020B0600070205080204" pitchFamily="50" charset="-128"/>
-                  <a:ea typeface="ＭＳ Ｐゴシック" panose="020B0600070205080204" pitchFamily="50" charset="-128"/>
-                </a:rPr>
-                <a:t>  </a:t>
-              </a:r>
-              <a:r>
-                <a:rPr lang="en-US" altLang="ja-JP" sz="1600" dirty="0">
-                  <a:solidFill>
-                    <a:schemeClr val="bg1"/>
-                  </a:solidFill>
-                  <a:latin typeface="ＭＳ Ｐゴシック" panose="020B0600070205080204" pitchFamily="50" charset="-128"/>
-                  <a:ea typeface="ＭＳ Ｐゴシック" panose="020B0600070205080204" pitchFamily="50" charset="-128"/>
-                </a:rPr>
-                <a:t>render() {</a:t>
-              </a:r>
-            </a:p>
-            <a:p>
-              <a:r>
-                <a:rPr lang="en-US" altLang="ja-JP" sz="1600" dirty="0">
-                  <a:solidFill>
-                    <a:schemeClr val="bg1"/>
-                  </a:solidFill>
-                  <a:latin typeface="ＭＳ Ｐゴシック" panose="020B0600070205080204" pitchFamily="50" charset="-128"/>
-                  <a:ea typeface="ＭＳ Ｐゴシック" panose="020B0600070205080204" pitchFamily="50" charset="-128"/>
-                </a:rPr>
-                <a:t>    return (</a:t>
-              </a:r>
-            </a:p>
-            <a:p>
-              <a:r>
-                <a:rPr lang="en-US" altLang="ja-JP" sz="1600" dirty="0">
-                  <a:solidFill>
-                    <a:schemeClr val="bg1"/>
-                  </a:solidFill>
-                  <a:latin typeface="ＭＳ Ｐゴシック" panose="020B0600070205080204" pitchFamily="50" charset="-128"/>
-                  <a:ea typeface="ＭＳ Ｐゴシック" panose="020B0600070205080204" pitchFamily="50" charset="-128"/>
-                </a:rPr>
-                <a:t>      &lt;div&gt;</a:t>
-              </a:r>
-            </a:p>
-            <a:p>
-              <a:r>
-                <a:rPr lang="en-US" altLang="ja-JP" sz="1600" dirty="0">
-                  <a:solidFill>
-                    <a:schemeClr val="bg1"/>
-                  </a:solidFill>
-                  <a:latin typeface="ＭＳ Ｐゴシック" panose="020B0600070205080204" pitchFamily="50" charset="-128"/>
-                  <a:ea typeface="ＭＳ Ｐゴシック" panose="020B0600070205080204" pitchFamily="50" charset="-128"/>
-                </a:rPr>
-                <a:t> </a:t>
-              </a:r>
-              <a:r>
-                <a:rPr lang="en-US" altLang="ja-JP" sz="1600" dirty="0" smtClean="0">
-                  <a:solidFill>
-                    <a:schemeClr val="bg1"/>
-                  </a:solidFill>
-                  <a:latin typeface="ＭＳ Ｐゴシック" panose="020B0600070205080204" pitchFamily="50" charset="-128"/>
-                  <a:ea typeface="ＭＳ Ｐゴシック" panose="020B0600070205080204" pitchFamily="50" charset="-128"/>
-                </a:rPr>
-                <a:t>       &lt;p&gt;state : {this.state.stateName}&lt;/p&gt;</a:t>
-              </a:r>
-            </a:p>
-            <a:p>
-              <a:r>
-                <a:rPr lang="en-US" altLang="ja-JP" sz="1600" dirty="0">
-                  <a:solidFill>
-                    <a:schemeClr val="bg1"/>
-                  </a:solidFill>
-                  <a:latin typeface="ＭＳ Ｐゴシック" panose="020B0600070205080204" pitchFamily="50" charset="-128"/>
-                  <a:ea typeface="ＭＳ Ｐゴシック" panose="020B0600070205080204" pitchFamily="50" charset="-128"/>
-                </a:rPr>
-                <a:t> </a:t>
-              </a:r>
-              <a:r>
-                <a:rPr lang="en-US" altLang="ja-JP" sz="1600" dirty="0" smtClean="0">
-                  <a:solidFill>
-                    <a:schemeClr val="bg1"/>
-                  </a:solidFill>
-                  <a:latin typeface="ＭＳ Ｐゴシック" panose="020B0600070205080204" pitchFamily="50" charset="-128"/>
-                  <a:ea typeface="ＭＳ Ｐゴシック" panose="020B0600070205080204" pitchFamily="50" charset="-128"/>
-                </a:rPr>
-                <a:t>       &lt;button onClick={ (event) =&gt; this.add(event) } /&gt;</a:t>
-              </a:r>
-              <a:r>
-                <a:rPr lang="ja-JP" altLang="en-US" sz="1600" dirty="0" smtClean="0">
-                  <a:solidFill>
-                    <a:schemeClr val="bg1"/>
-                  </a:solidFill>
-                  <a:latin typeface="ＭＳ Ｐゴシック" panose="020B0600070205080204" pitchFamily="50" charset="-128"/>
-                  <a:ea typeface="ＭＳ Ｐゴシック" panose="020B0600070205080204" pitchFamily="50" charset="-128"/>
-                </a:rPr>
-                <a:t>ボタン</a:t>
-              </a:r>
-              <a:r>
-                <a:rPr lang="en-US" altLang="ja-JP" sz="1600" dirty="0" smtClean="0">
-                  <a:solidFill>
-                    <a:schemeClr val="bg1"/>
-                  </a:solidFill>
-                  <a:latin typeface="ＭＳ Ｐゴシック" panose="020B0600070205080204" pitchFamily="50" charset="-128"/>
-                  <a:ea typeface="ＭＳ Ｐゴシック" panose="020B0600070205080204" pitchFamily="50" charset="-128"/>
-                </a:rPr>
-                <a:t>&lt;/button&gt;</a:t>
-              </a:r>
-              <a:endParaRPr lang="en-US" altLang="ja-JP" sz="1600" dirty="0">
+              <a:endParaRPr lang="en-US" altLang="ja-JP" dirty="0">
                 <a:solidFill>
                   <a:schemeClr val="bg1"/>
                 </a:solidFill>
@@ -8606,7 +8393,87 @@
             </a:p>
             <a:p>
               <a:r>
-                <a:rPr lang="en-US" altLang="ja-JP" sz="1600" dirty="0" smtClean="0">
+                <a:rPr lang="en-US" altLang="ja-JP" dirty="0">
+                  <a:solidFill>
+                    <a:schemeClr val="bg1"/>
+                  </a:solidFill>
+                  <a:latin typeface="ＭＳ Ｐゴシック" panose="020B0600070205080204" pitchFamily="50" charset="-128"/>
+                  <a:ea typeface="ＭＳ Ｐゴシック" panose="020B0600070205080204" pitchFamily="50" charset="-128"/>
+                </a:rPr>
+                <a:t>  render() {</a:t>
+              </a:r>
+            </a:p>
+            <a:p>
+              <a:r>
+                <a:rPr lang="en-US" altLang="ja-JP" dirty="0">
+                  <a:solidFill>
+                    <a:schemeClr val="bg1"/>
+                  </a:solidFill>
+                  <a:latin typeface="ＭＳ Ｐゴシック" panose="020B0600070205080204" pitchFamily="50" charset="-128"/>
+                  <a:ea typeface="ＭＳ Ｐゴシック" panose="020B0600070205080204" pitchFamily="50" charset="-128"/>
+                </a:rPr>
+                <a:t>    return (</a:t>
+              </a:r>
+            </a:p>
+            <a:p>
+              <a:r>
+                <a:rPr lang="en-US" altLang="ja-JP" dirty="0">
+                  <a:solidFill>
+                    <a:schemeClr val="bg1"/>
+                  </a:solidFill>
+                  <a:latin typeface="ＭＳ Ｐゴシック" panose="020B0600070205080204" pitchFamily="50" charset="-128"/>
+                  <a:ea typeface="ＭＳ Ｐゴシック" panose="020B0600070205080204" pitchFamily="50" charset="-128"/>
+                </a:rPr>
+                <a:t>      &lt;div&gt;</a:t>
+              </a:r>
+            </a:p>
+            <a:p>
+              <a:r>
+                <a:rPr lang="en-US" altLang="ja-JP" dirty="0">
+                  <a:solidFill>
+                    <a:schemeClr val="bg1"/>
+                  </a:solidFill>
+                  <a:latin typeface="ＭＳ Ｐゴシック" panose="020B0600070205080204" pitchFamily="50" charset="-128"/>
+                  <a:ea typeface="ＭＳ Ｐゴシック" panose="020B0600070205080204" pitchFamily="50" charset="-128"/>
+                </a:rPr>
+                <a:t>        &lt;p&gt;state:{this.state.count}&lt;/p&gt;</a:t>
+              </a:r>
+            </a:p>
+            <a:p>
+              <a:r>
+                <a:rPr lang="en-US" altLang="ja-JP" dirty="0">
+                  <a:solidFill>
+                    <a:schemeClr val="bg1"/>
+                  </a:solidFill>
+                  <a:latin typeface="ＭＳ Ｐゴシック" panose="020B0600070205080204" pitchFamily="50" charset="-128"/>
+                  <a:ea typeface="ＭＳ Ｐゴシック" panose="020B0600070205080204" pitchFamily="50" charset="-128"/>
+                </a:rPr>
+                <a:t>        &lt;button onClick={(event) =&gt; this.add(event)} &gt;</a:t>
+              </a:r>
+              <a:r>
+                <a:rPr lang="ja-JP" altLang="en-US" dirty="0">
+                  <a:solidFill>
+                    <a:schemeClr val="bg1"/>
+                  </a:solidFill>
+                  <a:latin typeface="ＭＳ Ｐゴシック" panose="020B0600070205080204" pitchFamily="50" charset="-128"/>
+                  <a:ea typeface="ＭＳ Ｐゴシック" panose="020B0600070205080204" pitchFamily="50" charset="-128"/>
+                </a:rPr>
+                <a:t>ボタン</a:t>
+              </a:r>
+              <a:r>
+                <a:rPr lang="en-US" altLang="ja-JP" dirty="0">
+                  <a:solidFill>
+                    <a:schemeClr val="bg1"/>
+                  </a:solidFill>
+                  <a:latin typeface="ＭＳ Ｐゴシック" panose="020B0600070205080204" pitchFamily="50" charset="-128"/>
+                  <a:ea typeface="ＭＳ Ｐゴシック" panose="020B0600070205080204" pitchFamily="50" charset="-128"/>
+                </a:rPr>
+                <a:t>&lt;/button&gt;</a:t>
+              </a:r>
+            </a:p>
+            <a:p>
+              <a:r>
+                <a:rPr lang="en-US" altLang="ja-JP" dirty="0">
                   <a:solidFill>
                     <a:schemeClr val="bg1"/>
                   </a:solidFill>
@@ -8618,29 +8485,19 @@
             </a:p>
             <a:p>
               <a:r>
-                <a:rPr lang="en-US" altLang="ja-JP" sz="1600" dirty="0" smtClean="0">
+                <a:rPr lang="en-US" altLang="ja-JP" dirty="0">
                   <a:solidFill>
                     <a:schemeClr val="bg1"/>
                   </a:solidFill>
                   <a:latin typeface="ＭＳ Ｐゴシック" panose="020B0600070205080204" pitchFamily="50" charset="-128"/>
                   <a:ea typeface="ＭＳ Ｐゴシック" panose="020B0600070205080204" pitchFamily="50" charset="-128"/>
                 </a:rPr>
-                <a:t>    </a:t>
-              </a:r>
-              <a:r>
-                <a:rPr lang="en-US" altLang="ja-JP" sz="1600" dirty="0">
-                  <a:solidFill>
-                    <a:schemeClr val="bg1"/>
-                  </a:solidFill>
-                  <a:latin typeface="ＭＳ Ｐゴシック" panose="020B0600070205080204" pitchFamily="50" charset="-128"/>
-                  <a:ea typeface="ＭＳ Ｐゴシック" panose="020B0600070205080204" pitchFamily="50" charset="-128"/>
-                </a:rPr>
-                <a:t>)</a:t>
+                <a:t>    );</a:t>
               </a:r>
             </a:p>
             <a:p>
               <a:r>
-                <a:rPr lang="en-US" altLang="ja-JP" sz="1600" dirty="0">
+                <a:rPr lang="en-US" altLang="ja-JP" dirty="0">
                   <a:solidFill>
                     <a:schemeClr val="bg1"/>
                   </a:solidFill>
@@ -8652,81 +8509,18 @@
             </a:p>
             <a:p>
               <a:r>
-                <a:rPr lang="en-US" altLang="ja-JP" sz="1600" dirty="0" smtClean="0">
+                <a:rPr lang="en-US" altLang="ja-JP" dirty="0">
                   <a:solidFill>
                     <a:schemeClr val="bg1"/>
                   </a:solidFill>
                   <a:latin typeface="ＭＳ Ｐゴシック" panose="020B0600070205080204" pitchFamily="50" charset="-128"/>
                   <a:ea typeface="ＭＳ Ｐゴシック" panose="020B0600070205080204" pitchFamily="50" charset="-128"/>
                 </a:rPr>
-                <a:t>};</a:t>
+                <a:t>}</a:t>
               </a:r>
             </a:p>
             <a:p>
-              <a:r>
-                <a:rPr lang="en-US" altLang="ja-JP" sz="1600" dirty="0">
-                  <a:solidFill>
-                    <a:schemeClr val="bg1"/>
-                  </a:solidFill>
-                  <a:latin typeface="ＭＳ Ｐゴシック" panose="020B0600070205080204" pitchFamily="50" charset="-128"/>
-                  <a:ea typeface="ＭＳ Ｐゴシック" panose="020B0600070205080204" pitchFamily="50" charset="-128"/>
-                </a:rPr>
-                <a:t>ReactDOM.render(</a:t>
-              </a:r>
-            </a:p>
-            <a:p>
-              <a:r>
-                <a:rPr lang="en-US" altLang="ja-JP" sz="1600" dirty="0">
-                  <a:solidFill>
-                    <a:schemeClr val="bg1"/>
-                  </a:solidFill>
-                  <a:latin typeface="ＭＳ Ｐゴシック" panose="020B0600070205080204" pitchFamily="50" charset="-128"/>
-                  <a:ea typeface="ＭＳ Ｐゴシック" panose="020B0600070205080204" pitchFamily="50" charset="-128"/>
-                </a:rPr>
-                <a:t>  &lt;TestComponent </a:t>
-              </a:r>
-              <a:r>
-                <a:rPr lang="en-US" altLang="ja-JP" sz="1600" dirty="0" smtClean="0">
-                  <a:solidFill>
-                    <a:schemeClr val="bg1"/>
-                  </a:solidFill>
-                  <a:latin typeface="ＭＳ Ｐゴシック" panose="020B0600070205080204" pitchFamily="50" charset="-128"/>
-                  <a:ea typeface="ＭＳ Ｐゴシック" panose="020B0600070205080204" pitchFamily="50" charset="-128"/>
-                </a:rPr>
-                <a:t>/&gt;,</a:t>
-              </a:r>
-              <a:endParaRPr lang="en-US" altLang="ja-JP" sz="1600" dirty="0">
-                <a:solidFill>
-                  <a:schemeClr val="bg1"/>
-                </a:solidFill>
-                <a:latin typeface="ＭＳ Ｐゴシック" panose="020B0600070205080204" pitchFamily="50" charset="-128"/>
-                <a:ea typeface="ＭＳ Ｐゴシック" panose="020B0600070205080204" pitchFamily="50" charset="-128"/>
-              </a:endParaRPr>
-            </a:p>
-            <a:p>
-              <a:r>
-                <a:rPr lang="en-US" altLang="ja-JP" sz="1600" dirty="0">
-                  <a:solidFill>
-                    <a:schemeClr val="bg1"/>
-                  </a:solidFill>
-                  <a:latin typeface="ＭＳ Ｐゴシック" panose="020B0600070205080204" pitchFamily="50" charset="-128"/>
-                  <a:ea typeface="ＭＳ Ｐゴシック" panose="020B0600070205080204" pitchFamily="50" charset="-128"/>
-                </a:rPr>
-                <a:t>  document.getElementById(‘sample')</a:t>
-              </a:r>
-            </a:p>
-            <a:p>
-              <a:r>
-                <a:rPr lang="en-US" altLang="ja-JP" sz="1600" dirty="0">
-                  <a:solidFill>
-                    <a:schemeClr val="bg1"/>
-                  </a:solidFill>
-                  <a:latin typeface="ＭＳ Ｐゴシック" panose="020B0600070205080204" pitchFamily="50" charset="-128"/>
-                  <a:ea typeface="ＭＳ Ｐゴシック" panose="020B0600070205080204" pitchFamily="50" charset="-128"/>
-                </a:rPr>
-                <a:t>);</a:t>
-              </a:r>
-              <a:endParaRPr lang="ja-JP" altLang="en-US" sz="1600" dirty="0">
+              <a:endParaRPr lang="en-US" altLang="ja-JP" dirty="0">
                 <a:solidFill>
                   <a:schemeClr val="bg1"/>
                 </a:solidFill>
@@ -8745,8 +8539,8 @@
         </p:nvCxnSpPr>
         <p:spPr>
           <a:xfrm>
-            <a:off x="972267" y="2231890"/>
-            <a:ext cx="1837435" cy="0"/>
+            <a:off x="972267" y="2346190"/>
+            <a:ext cx="2113833" cy="0"/>
           </a:xfrm>
           <a:prstGeom prst="line">
             <a:avLst/>
@@ -8780,8 +8574,8 @@
         </p:nvCxnSpPr>
         <p:spPr>
           <a:xfrm>
-            <a:off x="972267" y="2949556"/>
-            <a:ext cx="3741049" cy="0"/>
+            <a:off x="1048116" y="3450718"/>
+            <a:ext cx="4060215" cy="0"/>
           </a:xfrm>
           <a:prstGeom prst="line">
             <a:avLst/>
@@ -8815,8 +8609,8 @@
         </p:nvCxnSpPr>
         <p:spPr>
           <a:xfrm>
-            <a:off x="2108312" y="4182610"/>
-            <a:ext cx="1895328" cy="0"/>
+            <a:off x="2152272" y="5120464"/>
+            <a:ext cx="1628419" cy="0"/>
           </a:xfrm>
           <a:prstGeom prst="line">
             <a:avLst/>
@@ -8850,8 +8644,8 @@
         </p:nvCxnSpPr>
         <p:spPr>
           <a:xfrm>
-            <a:off x="2751162" y="4418137"/>
-            <a:ext cx="2235075" cy="0"/>
+            <a:off x="2891838" y="5384238"/>
+            <a:ext cx="2656108" cy="0"/>
           </a:xfrm>
           <a:prstGeom prst="line">
             <a:avLst/>
@@ -8885,17 +8679,17 @@
         </p:nvSpPr>
         <p:spPr>
           <a:xfrm>
-            <a:off x="4266471" y="1536390"/>
+            <a:off x="5945911" y="1316313"/>
             <a:ext cx="4288443" cy="831273"/>
           </a:xfrm>
           <a:prstGeom prst="borderCallout2">
             <a:avLst>
-              <a:gd name="adj1" fmla="val 17750"/>
-              <a:gd name="adj2" fmla="val 413"/>
-              <a:gd name="adj3" fmla="val 18750"/>
-              <a:gd name="adj4" fmla="val -16667"/>
-              <a:gd name="adj5" fmla="val 64500"/>
-              <a:gd name="adj6" fmla="val -33651"/>
+              <a:gd name="adj1" fmla="val 28327"/>
+              <a:gd name="adj2" fmla="val 208"/>
+              <a:gd name="adj3" fmla="val 28269"/>
+              <a:gd name="adj4" fmla="val -11132"/>
+              <a:gd name="adj5" fmla="val 113153"/>
+              <a:gd name="adj6" fmla="val -63994"/>
             </a:avLst>
           </a:prstGeom>
           <a:solidFill>
@@ -9012,17 +8806,17 @@
         </p:nvSpPr>
         <p:spPr>
           <a:xfrm>
-            <a:off x="5908734" y="2440033"/>
-            <a:ext cx="4035366" cy="831273"/>
+            <a:off x="5945912" y="2291712"/>
+            <a:ext cx="4288443" cy="831273"/>
           </a:xfrm>
           <a:prstGeom prst="borderCallout2">
             <a:avLst>
-              <a:gd name="adj1" fmla="val 17750"/>
-              <a:gd name="adj2" fmla="val 413"/>
-              <a:gd name="adj3" fmla="val 18750"/>
-              <a:gd name="adj4" fmla="val -16667"/>
-              <a:gd name="adj5" fmla="val 49500"/>
-              <a:gd name="adj6" fmla="val -29456"/>
+              <a:gd name="adj1" fmla="val 20923"/>
+              <a:gd name="adj2" fmla="val -407"/>
+              <a:gd name="adj3" fmla="val 21923"/>
+              <a:gd name="adj4" fmla="val -13797"/>
+              <a:gd name="adj5" fmla="val 102384"/>
+              <a:gd name="adj6" fmla="val -27816"/>
             </a:avLst>
           </a:prstGeom>
           <a:solidFill>
@@ -9128,8 +8922,8 @@
         </p:nvSpPr>
         <p:spPr>
           <a:xfrm>
-            <a:off x="4897637" y="3333888"/>
-            <a:ext cx="3393989" cy="831273"/>
+            <a:off x="4844885" y="4165215"/>
+            <a:ext cx="3443565" cy="831273"/>
           </a:xfrm>
           <a:prstGeom prst="borderCallout2">
             <a:avLst>
@@ -9137,8 +8931,8 @@
               <a:gd name="adj2" fmla="val 413"/>
               <a:gd name="adj3" fmla="val 18750"/>
               <a:gd name="adj4" fmla="val -16667"/>
-              <a:gd name="adj5" fmla="val 74241"/>
-              <a:gd name="adj6" fmla="val -48772"/>
+              <a:gd name="adj5" fmla="val 81645"/>
+              <a:gd name="adj6" fmla="val -45708"/>
             </a:avLst>
           </a:prstGeom>
           <a:solidFill>
@@ -9171,7 +8965,7 @@
           <a:lstStyle/>
           <a:p>
             <a:r>
-              <a:rPr lang="en-US" altLang="ja-JP" dirty="0">
+              <a:rPr lang="en-US" altLang="ja-JP" dirty="0" smtClean="0">
                 <a:solidFill>
                   <a:schemeClr val="tx1">
                     <a:lumMod val="85000"/>
@@ -9179,10 +8973,10 @@
                   </a:schemeClr>
                 </a:solidFill>
               </a:rPr>
-              <a:t>this.state.state</a:t>
-            </a:r>
-            <a:r>
-              <a:rPr lang="ja-JP" altLang="en-US" dirty="0">
+              <a:t>this.state.count</a:t>
+            </a:r>
+            <a:r>
+              <a:rPr lang="ja-JP" altLang="en-US" dirty="0" smtClean="0">
                 <a:solidFill>
                   <a:schemeClr val="tx1">
                     <a:lumMod val="85000"/>
@@ -9190,7 +8984,7 @@
                   </a:schemeClr>
                 </a:solidFill>
               </a:rPr>
-              <a:t>名で</a:t>
+              <a:t>で</a:t>
             </a:r>
             <a:endParaRPr lang="en-US" altLang="ja-JP" dirty="0">
               <a:solidFill>
@@ -9246,54 +9040,6 @@
           </a:p>
         </p:txBody>
       </p:sp>
-      <p:pic>
-        <p:nvPicPr>
-          <p:cNvPr id="3" name="図 2"/>
-          <p:cNvPicPr>
-            <a:picLocks noChangeAspect="1"/>
-          </p:cNvPicPr>
-          <p:nvPr/>
-        </p:nvPicPr>
-        <p:blipFill>
-          <a:blip r:embed="rId2"/>
-          <a:stretch>
-            <a:fillRect/>
-          </a:stretch>
-        </p:blipFill>
-        <p:spPr>
-          <a:xfrm>
-            <a:off x="8344173" y="3326961"/>
-            <a:ext cx="3571875" cy="1676400"/>
-          </a:xfrm>
-          <a:prstGeom prst="rect">
-            <a:avLst/>
-          </a:prstGeom>
-        </p:spPr>
-      </p:pic>
-      <p:pic>
-        <p:nvPicPr>
-          <p:cNvPr id="4" name="図 3"/>
-          <p:cNvPicPr>
-            <a:picLocks noChangeAspect="1"/>
-          </p:cNvPicPr>
-          <p:nvPr/>
-        </p:nvPicPr>
-        <p:blipFill>
-          <a:blip r:embed="rId3"/>
-          <a:stretch>
-            <a:fillRect/>
-          </a:stretch>
-        </p:blipFill>
-        <p:spPr>
-          <a:xfrm>
-            <a:off x="8344172" y="4881931"/>
-            <a:ext cx="3571875" cy="1876425"/>
-          </a:xfrm>
-          <a:prstGeom prst="rect">
-            <a:avLst/>
-          </a:prstGeom>
-        </p:spPr>
-      </p:pic>
       <p:sp>
         <p:nvSpPr>
           <p:cNvPr id="41" name="線吹き出し 2 (枠付き) 40"/>
@@ -9302,17 +9048,17 @@
         </p:nvSpPr>
         <p:spPr>
           <a:xfrm>
-            <a:off x="4446312" y="4857429"/>
-            <a:ext cx="3764395" cy="831273"/>
+            <a:off x="4856256" y="5636700"/>
+            <a:ext cx="3432194" cy="831273"/>
           </a:xfrm>
           <a:prstGeom prst="borderCallout2">
             <a:avLst>
-              <a:gd name="adj1" fmla="val 17750"/>
-              <a:gd name="adj2" fmla="val 413"/>
-              <a:gd name="adj3" fmla="val 18750"/>
-              <a:gd name="adj4" fmla="val -16667"/>
-              <a:gd name="adj5" fmla="val -40500"/>
-              <a:gd name="adj6" fmla="val -28351"/>
+              <a:gd name="adj1" fmla="val 28327"/>
+              <a:gd name="adj2" fmla="val -99"/>
+              <a:gd name="adj3" fmla="val 28269"/>
+              <a:gd name="adj4" fmla="val -12056"/>
+              <a:gd name="adj5" fmla="val -22519"/>
+              <a:gd name="adj6" fmla="val -25277"/>
             </a:avLst>
           </a:prstGeom>
           <a:solidFill>
@@ -9428,7 +9174,7 @@
         </p:nvSpPr>
         <p:spPr>
           <a:xfrm>
-            <a:off x="9355409" y="4260002"/>
+            <a:off x="9169400" y="4224955"/>
             <a:ext cx="1549400" cy="316270"/>
           </a:xfrm>
           <a:prstGeom prst="wedgeRectCallout">
@@ -9478,7 +9224,7 @@
         </p:nvSpPr>
         <p:spPr>
           <a:xfrm>
-            <a:off x="9355409" y="5820143"/>
+            <a:off x="9169400" y="5971826"/>
             <a:ext cx="1549400" cy="316270"/>
           </a:xfrm>
           <a:prstGeom prst="wedgeRectCallout">

--- a/doc/02_SlideShare/01.ネタ/２_Reactの基礎/2-4_Reactの基礎知識 ～コンポーネント編～.pptx
+++ b/doc/02_SlideShare/01.ネタ/２_Reactの基礎/2-4_Reactの基礎知識 ～コンポーネント編～.pptx
@@ -4802,23 +4802,23 @@
       </p:grpSp>
       <p:sp>
         <p:nvSpPr>
-          <p:cNvPr id="8" name="線吹き出し 2 (枠付き) 7"/>
+          <p:cNvPr id="27" name="線吹き出し 2 (枠付き) 26"/>
           <p:cNvSpPr/>
           <p:nvPr/>
         </p:nvSpPr>
         <p:spPr>
           <a:xfrm>
-            <a:off x="5778534" y="1288917"/>
+            <a:off x="5778534" y="2380017"/>
             <a:ext cx="5642673" cy="831273"/>
           </a:xfrm>
           <a:prstGeom prst="borderCallout2">
             <a:avLst>
               <a:gd name="adj1" fmla="val 16692"/>
-              <a:gd name="adj2" fmla="val 101"/>
-              <a:gd name="adj3" fmla="val 17692"/>
-              <a:gd name="adj4" fmla="val -4669"/>
-              <a:gd name="adj5" fmla="val 55077"/>
-              <a:gd name="adj6" fmla="val -13005"/>
+              <a:gd name="adj2" fmla="val -366"/>
+              <a:gd name="adj3" fmla="val 18750"/>
+              <a:gd name="adj4" fmla="val -16667"/>
+              <a:gd name="adj5" fmla="val 115257"/>
+              <a:gd name="adj6" fmla="val -48107"/>
             </a:avLst>
           </a:prstGeom>
           <a:solidFill>
@@ -4851,6 +4851,28 @@
           <a:lstStyle/>
           <a:p>
             <a:r>
+              <a:rPr lang="ja-JP" altLang="en-US" dirty="0">
+                <a:solidFill>
+                  <a:schemeClr val="tx1">
+                    <a:lumMod val="85000"/>
+                    <a:lumOff val="15000"/>
+                  </a:schemeClr>
+                </a:solidFill>
+              </a:rPr>
+              <a:t>コンポーネントの中身を</a:t>
+            </a:r>
+            <a:r>
+              <a:rPr lang="ja-JP" altLang="en-US" dirty="0" smtClean="0">
+                <a:solidFill>
+                  <a:schemeClr val="tx1">
+                    <a:lumMod val="85000"/>
+                    <a:lumOff val="15000"/>
+                  </a:schemeClr>
+                </a:solidFill>
+              </a:rPr>
+              <a:t>定義します。</a:t>
+            </a:r>
+            <a:r>
               <a:rPr lang="en-US" altLang="ja-JP" dirty="0" smtClean="0">
                 <a:solidFill>
                   <a:schemeClr val="tx1">
@@ -4859,7 +4881,18 @@
                   </a:schemeClr>
                 </a:solidFill>
               </a:rPr>
-              <a:t>Component</a:t>
+              <a:t>(</a:t>
+            </a:r>
+            <a:r>
+              <a:rPr lang="en-US" altLang="ja-JP" dirty="0">
+                <a:solidFill>
+                  <a:schemeClr val="tx1">
+                    <a:lumMod val="85000"/>
+                    <a:lumOff val="15000"/>
+                  </a:schemeClr>
+                </a:solidFill>
+              </a:rPr>
+              <a:t>JSX</a:t>
             </a:r>
             <a:r>
               <a:rPr lang="ja-JP" altLang="en-US" dirty="0">
@@ -4870,7 +4903,7 @@
                   </a:schemeClr>
                 </a:solidFill>
               </a:rPr>
-              <a:t>を継承</a:t>
+              <a:t>にて</a:t>
             </a:r>
             <a:r>
               <a:rPr lang="ja-JP" altLang="en-US" dirty="0" smtClean="0">
@@ -4881,10 +4914,10 @@
                   </a:schemeClr>
                 </a:solidFill>
               </a:rPr>
-              <a:t>して</a:t>
-            </a:r>
-            <a:r>
-              <a:rPr lang="ja-JP" altLang="en-US" dirty="0">
+              <a:t>記載</a:t>
+            </a:r>
+            <a:r>
+              <a:rPr lang="en-US" altLang="ja-JP" dirty="0" smtClean="0">
                 <a:solidFill>
                   <a:schemeClr val="tx1">
                     <a:lumMod val="85000"/>
@@ -4892,40 +4925,7 @@
                   </a:schemeClr>
                 </a:solidFill>
               </a:rPr>
-              <a:t>、</a:t>
-            </a:r>
-            <a:r>
-              <a:rPr lang="ja-JP" altLang="en-US" dirty="0" smtClean="0">
-                <a:solidFill>
-                  <a:schemeClr val="tx1">
-                    <a:lumMod val="85000"/>
-                    <a:lumOff val="15000"/>
-                  </a:schemeClr>
-                </a:solidFill>
-              </a:rPr>
-              <a:t>コンポーネント</a:t>
-            </a:r>
-            <a:r>
-              <a:rPr lang="ja-JP" altLang="en-US" dirty="0">
-                <a:solidFill>
-                  <a:schemeClr val="tx1">
-                    <a:lumMod val="85000"/>
-                    <a:lumOff val="15000"/>
-                  </a:schemeClr>
-                </a:solidFill>
-              </a:rPr>
-              <a:t>を</a:t>
-            </a:r>
-            <a:r>
-              <a:rPr lang="ja-JP" altLang="en-US" dirty="0" smtClean="0">
-                <a:solidFill>
-                  <a:schemeClr val="tx1">
-                    <a:lumMod val="85000"/>
-                    <a:lumOff val="15000"/>
-                  </a:schemeClr>
-                </a:solidFill>
-              </a:rPr>
-              <a:t>作成します。</a:t>
+              <a:t>)</a:t>
             </a:r>
             <a:endParaRPr lang="en-US" altLang="ja-JP" dirty="0">
               <a:solidFill>
@@ -4940,23 +4940,23 @@
       </p:sp>
       <p:sp>
         <p:nvSpPr>
-          <p:cNvPr id="27" name="線吹き出し 2 (枠付き) 26"/>
+          <p:cNvPr id="28" name="線吹き出し 2 (枠付き) 27"/>
           <p:cNvSpPr/>
           <p:nvPr/>
         </p:nvSpPr>
         <p:spPr>
           <a:xfrm>
-            <a:off x="5778534" y="2380017"/>
+            <a:off x="5778533" y="3457250"/>
             <a:ext cx="5642673" cy="831273"/>
           </a:xfrm>
           <a:prstGeom prst="borderCallout2">
             <a:avLst>
-              <a:gd name="adj1" fmla="val 16692"/>
-              <a:gd name="adj2" fmla="val -366"/>
-              <a:gd name="adj3" fmla="val 18750"/>
-              <a:gd name="adj4" fmla="val -16667"/>
-              <a:gd name="adj5" fmla="val 115257"/>
-              <a:gd name="adj6" fmla="val -48107"/>
+              <a:gd name="adj1" fmla="val 68519"/>
+              <a:gd name="adj2" fmla="val -76"/>
+              <a:gd name="adj3" fmla="val 69518"/>
+              <a:gd name="adj4" fmla="val -8603"/>
+              <a:gd name="adj5" fmla="val 244481"/>
+              <a:gd name="adj6" fmla="val -45051"/>
             </a:avLst>
           </a:prstGeom>
           <a:solidFill>
@@ -4997,7 +4997,7 @@
                   </a:schemeClr>
                 </a:solidFill>
               </a:rPr>
-              <a:t>コンポーネントの中身を</a:t>
+              <a:t>定義したコンポーネントを</a:t>
             </a:r>
             <a:r>
               <a:rPr lang="ja-JP" altLang="en-US" dirty="0" smtClean="0">
@@ -5008,167 +5008,7 @@
                   </a:schemeClr>
                 </a:solidFill>
               </a:rPr>
-              <a:t>定義します</a:t>
-            </a:r>
-            <a:r>
-              <a:rPr lang="ja-JP" altLang="en-US" dirty="0" smtClean="0">
-                <a:solidFill>
-                  <a:schemeClr val="tx1">
-                    <a:lumMod val="85000"/>
-                    <a:lumOff val="15000"/>
-                  </a:schemeClr>
-                </a:solidFill>
-              </a:rPr>
-              <a:t>。</a:t>
-            </a:r>
-            <a:r>
-              <a:rPr lang="en-US" altLang="ja-JP" dirty="0" smtClean="0">
-                <a:solidFill>
-                  <a:schemeClr val="tx1">
-                    <a:lumMod val="85000"/>
-                    <a:lumOff val="15000"/>
-                  </a:schemeClr>
-                </a:solidFill>
-              </a:rPr>
-              <a:t>(</a:t>
-            </a:r>
-            <a:r>
-              <a:rPr lang="en-US" altLang="ja-JP" dirty="0">
-                <a:solidFill>
-                  <a:schemeClr val="tx1">
-                    <a:lumMod val="85000"/>
-                    <a:lumOff val="15000"/>
-                  </a:schemeClr>
-                </a:solidFill>
-              </a:rPr>
-              <a:t>JSX</a:t>
-            </a:r>
-            <a:r>
-              <a:rPr lang="ja-JP" altLang="en-US" dirty="0">
-                <a:solidFill>
-                  <a:schemeClr val="tx1">
-                    <a:lumMod val="85000"/>
-                    <a:lumOff val="15000"/>
-                  </a:schemeClr>
-                </a:solidFill>
-              </a:rPr>
-              <a:t>にて</a:t>
-            </a:r>
-            <a:r>
-              <a:rPr lang="ja-JP" altLang="en-US" dirty="0" smtClean="0">
-                <a:solidFill>
-                  <a:schemeClr val="tx1">
-                    <a:lumMod val="85000"/>
-                    <a:lumOff val="15000"/>
-                  </a:schemeClr>
-                </a:solidFill>
-              </a:rPr>
-              <a:t>記載</a:t>
-            </a:r>
-            <a:r>
-              <a:rPr lang="en-US" altLang="ja-JP" dirty="0" smtClean="0">
-                <a:solidFill>
-                  <a:schemeClr val="tx1">
-                    <a:lumMod val="85000"/>
-                    <a:lumOff val="15000"/>
-                  </a:schemeClr>
-                </a:solidFill>
-              </a:rPr>
-              <a:t>)</a:t>
-            </a:r>
-            <a:endParaRPr lang="en-US" altLang="ja-JP" dirty="0">
-              <a:solidFill>
-                <a:schemeClr val="tx1">
-                  <a:lumMod val="85000"/>
-                  <a:lumOff val="15000"/>
-                </a:schemeClr>
-              </a:solidFill>
-            </a:endParaRPr>
-          </a:p>
-        </p:txBody>
-      </p:sp>
-      <p:sp>
-        <p:nvSpPr>
-          <p:cNvPr id="28" name="線吹き出し 2 (枠付き) 27"/>
-          <p:cNvSpPr/>
-          <p:nvPr/>
-        </p:nvSpPr>
-        <p:spPr>
-          <a:xfrm>
-            <a:off x="5778533" y="3457250"/>
-            <a:ext cx="5642673" cy="831273"/>
-          </a:xfrm>
-          <a:prstGeom prst="borderCallout2">
-            <a:avLst>
-              <a:gd name="adj1" fmla="val 68519"/>
-              <a:gd name="adj2" fmla="val -76"/>
-              <a:gd name="adj3" fmla="val 69518"/>
-              <a:gd name="adj4" fmla="val -8603"/>
-              <a:gd name="adj5" fmla="val 244481"/>
-              <a:gd name="adj6" fmla="val -45051"/>
-            </a:avLst>
-          </a:prstGeom>
-          <a:solidFill>
-            <a:schemeClr val="bg1"/>
-          </a:solidFill>
-          <a:ln w="28575">
-            <a:solidFill>
-              <a:srgbClr val="3399FF"/>
-            </a:solidFill>
-          </a:ln>
-        </p:spPr>
-        <p:style>
-          <a:lnRef idx="2">
-            <a:schemeClr val="accent1">
-              <a:shade val="50000"/>
-            </a:schemeClr>
-          </a:lnRef>
-          <a:fillRef idx="1">
-            <a:schemeClr val="accent1"/>
-          </a:fillRef>
-          <a:effectRef idx="0">
-            <a:schemeClr val="accent1"/>
-          </a:effectRef>
-          <a:fontRef idx="minor">
-            <a:schemeClr val="lt1"/>
-          </a:fontRef>
-        </p:style>
-        <p:txBody>
-          <a:bodyPr rtlCol="0" anchor="ctr"/>
-          <a:lstStyle/>
-          <a:p>
-            <a:r>
-              <a:rPr lang="ja-JP" altLang="en-US" dirty="0">
-                <a:solidFill>
-                  <a:schemeClr val="tx1">
-                    <a:lumMod val="85000"/>
-                    <a:lumOff val="15000"/>
-                  </a:schemeClr>
-                </a:solidFill>
-              </a:rPr>
-              <a:t>定義したコンポーネントを</a:t>
-            </a:r>
-            <a:r>
-              <a:rPr lang="ja-JP" altLang="en-US" dirty="0" smtClean="0">
-                <a:solidFill>
-                  <a:schemeClr val="tx1">
-                    <a:lumMod val="85000"/>
-                    <a:lumOff val="15000"/>
-                  </a:schemeClr>
-                </a:solidFill>
-              </a:rPr>
-              <a:t>呼出します</a:t>
-            </a:r>
-            <a:r>
-              <a:rPr lang="ja-JP" altLang="en-US" dirty="0" smtClean="0">
-                <a:solidFill>
-                  <a:schemeClr val="tx1">
-                    <a:lumMod val="85000"/>
-                    <a:lumOff val="15000"/>
-                  </a:schemeClr>
-                </a:solidFill>
-              </a:rPr>
-              <a:t>。</a:t>
+              <a:t>呼出します。</a:t>
             </a:r>
             <a:endParaRPr lang="en-US" altLang="ja-JP" dirty="0" smtClean="0">
               <a:solidFill>
@@ -5342,6 +5182,206 @@
           </a:prstGeom>
         </p:spPr>
       </p:pic>
+      <p:sp>
+        <p:nvSpPr>
+          <p:cNvPr id="3" name="正方形/長方形 2"/>
+          <p:cNvSpPr/>
+          <p:nvPr/>
+        </p:nvSpPr>
+        <p:spPr>
+          <a:xfrm>
+            <a:off x="546892" y="1068881"/>
+            <a:ext cx="5521399" cy="279837"/>
+          </a:xfrm>
+          <a:prstGeom prst="rect">
+            <a:avLst/>
+          </a:prstGeom>
+          <a:solidFill>
+            <a:schemeClr val="accent1">
+              <a:lumMod val="20000"/>
+              <a:lumOff val="80000"/>
+            </a:schemeClr>
+          </a:solidFill>
+          <a:ln w="3175">
+            <a:solidFill>
+              <a:schemeClr val="tx1"/>
+            </a:solidFill>
+          </a:ln>
+        </p:spPr>
+        <p:style>
+          <a:lnRef idx="2">
+            <a:schemeClr val="accent1">
+              <a:shade val="50000"/>
+            </a:schemeClr>
+          </a:lnRef>
+          <a:fillRef idx="1">
+            <a:schemeClr val="accent1"/>
+          </a:fillRef>
+          <a:effectRef idx="0">
+            <a:schemeClr val="accent1"/>
+          </a:effectRef>
+          <a:fontRef idx="minor">
+            <a:schemeClr val="lt1"/>
+          </a:fontRef>
+        </p:style>
+        <p:txBody>
+          <a:bodyPr rtlCol="0" anchor="ctr"/>
+          <a:lstStyle/>
+          <a:p>
+            <a:r>
+              <a:rPr lang="en-US" altLang="ja-JP" sz="1600" dirty="0">
+                <a:solidFill>
+                  <a:schemeClr val="tx1"/>
+                </a:solidFill>
+              </a:rPr>
+              <a:t>/sample_source/react/Component1/src/App.js</a:t>
+            </a:r>
+            <a:endParaRPr kumimoji="1" lang="ja-JP" altLang="en-US" sz="1600" dirty="0">
+              <a:solidFill>
+                <a:schemeClr val="tx1"/>
+              </a:solidFill>
+            </a:endParaRPr>
+          </a:p>
+        </p:txBody>
+      </p:sp>
+      <p:sp>
+        <p:nvSpPr>
+          <p:cNvPr id="8" name="線吹き出し 2 (枠付き) 7"/>
+          <p:cNvSpPr/>
+          <p:nvPr/>
+        </p:nvSpPr>
+        <p:spPr>
+          <a:xfrm>
+            <a:off x="5778534" y="1288917"/>
+            <a:ext cx="5642673" cy="831273"/>
+          </a:xfrm>
+          <a:prstGeom prst="borderCallout2">
+            <a:avLst>
+              <a:gd name="adj1" fmla="val 16692"/>
+              <a:gd name="adj2" fmla="val 101"/>
+              <a:gd name="adj3" fmla="val 17692"/>
+              <a:gd name="adj4" fmla="val -4669"/>
+              <a:gd name="adj5" fmla="val 55077"/>
+              <a:gd name="adj6" fmla="val -13005"/>
+            </a:avLst>
+          </a:prstGeom>
+          <a:solidFill>
+            <a:schemeClr val="bg1"/>
+          </a:solidFill>
+          <a:ln w="28575">
+            <a:solidFill>
+              <a:srgbClr val="3399FF"/>
+            </a:solidFill>
+          </a:ln>
+        </p:spPr>
+        <p:style>
+          <a:lnRef idx="2">
+            <a:schemeClr val="accent1">
+              <a:shade val="50000"/>
+            </a:schemeClr>
+          </a:lnRef>
+          <a:fillRef idx="1">
+            <a:schemeClr val="accent1"/>
+          </a:fillRef>
+          <a:effectRef idx="0">
+            <a:schemeClr val="accent1"/>
+          </a:effectRef>
+          <a:fontRef idx="minor">
+            <a:schemeClr val="lt1"/>
+          </a:fontRef>
+        </p:style>
+        <p:txBody>
+          <a:bodyPr rtlCol="0" anchor="ctr"/>
+          <a:lstStyle/>
+          <a:p>
+            <a:r>
+              <a:rPr lang="en-US" altLang="ja-JP" dirty="0" smtClean="0">
+                <a:solidFill>
+                  <a:schemeClr val="tx1">
+                    <a:lumMod val="85000"/>
+                    <a:lumOff val="15000"/>
+                  </a:schemeClr>
+                </a:solidFill>
+              </a:rPr>
+              <a:t>Component</a:t>
+            </a:r>
+            <a:r>
+              <a:rPr lang="ja-JP" altLang="en-US" dirty="0">
+                <a:solidFill>
+                  <a:schemeClr val="tx1">
+                    <a:lumMod val="85000"/>
+                    <a:lumOff val="15000"/>
+                  </a:schemeClr>
+                </a:solidFill>
+              </a:rPr>
+              <a:t>を継承</a:t>
+            </a:r>
+            <a:r>
+              <a:rPr lang="ja-JP" altLang="en-US" dirty="0" smtClean="0">
+                <a:solidFill>
+                  <a:schemeClr val="tx1">
+                    <a:lumMod val="85000"/>
+                    <a:lumOff val="15000"/>
+                  </a:schemeClr>
+                </a:solidFill>
+              </a:rPr>
+              <a:t>して</a:t>
+            </a:r>
+            <a:r>
+              <a:rPr lang="ja-JP" altLang="en-US" dirty="0">
+                <a:solidFill>
+                  <a:schemeClr val="tx1">
+                    <a:lumMod val="85000"/>
+                    <a:lumOff val="15000"/>
+                  </a:schemeClr>
+                </a:solidFill>
+              </a:rPr>
+              <a:t>、</a:t>
+            </a:r>
+            <a:r>
+              <a:rPr lang="ja-JP" altLang="en-US" dirty="0" smtClean="0">
+                <a:solidFill>
+                  <a:schemeClr val="tx1">
+                    <a:lumMod val="85000"/>
+                    <a:lumOff val="15000"/>
+                  </a:schemeClr>
+                </a:solidFill>
+              </a:rPr>
+              <a:t>コンポーネント</a:t>
+            </a:r>
+            <a:r>
+              <a:rPr lang="ja-JP" altLang="en-US" dirty="0">
+                <a:solidFill>
+                  <a:schemeClr val="tx1">
+                    <a:lumMod val="85000"/>
+                    <a:lumOff val="15000"/>
+                  </a:schemeClr>
+                </a:solidFill>
+              </a:rPr>
+              <a:t>を</a:t>
+            </a:r>
+            <a:r>
+              <a:rPr lang="ja-JP" altLang="en-US" dirty="0" smtClean="0">
+                <a:solidFill>
+                  <a:schemeClr val="tx1">
+                    <a:lumMod val="85000"/>
+                    <a:lumOff val="15000"/>
+                  </a:schemeClr>
+                </a:solidFill>
+              </a:rPr>
+              <a:t>作成します。</a:t>
+            </a:r>
+            <a:endParaRPr lang="en-US" altLang="ja-JP" dirty="0">
+              <a:solidFill>
+                <a:schemeClr val="tx1">
+                  <a:lumMod val="85000"/>
+                  <a:lumOff val="15000"/>
+                </a:schemeClr>
+              </a:solidFill>
+            </a:endParaRPr>
+          </a:p>
+        </p:txBody>
+      </p:sp>
     </p:spTree>
     <p:extLst>
       <p:ext uri="{BB962C8B-B14F-4D97-AF65-F5344CB8AC3E}">
@@ -5459,8 +5499,8 @@
         </p:nvGrpSpPr>
         <p:grpSpPr>
           <a:xfrm>
-            <a:off x="538891" y="1103090"/>
-            <a:ext cx="5404710" cy="5455906"/>
+            <a:off x="538891" y="1296521"/>
+            <a:ext cx="5529400" cy="5455906"/>
             <a:chOff x="538890" y="2134709"/>
             <a:chExt cx="5540177" cy="2009593"/>
           </a:xfrm>
@@ -5921,13 +5961,6 @@
                 </a:rPr>
                 <a:t>}</a:t>
               </a:r>
-              <a:endParaRPr lang="en-US" altLang="ja-JP" dirty="0">
-                <a:solidFill>
-                  <a:schemeClr val="bg1"/>
-                </a:solidFill>
-                <a:latin typeface="ＭＳ Ｐゴシック" panose="020B0600070205080204" pitchFamily="50" charset="-128"/>
-                <a:ea typeface="ＭＳ Ｐゴシック" panose="020B0600070205080204" pitchFamily="50" charset="-128"/>
-              </a:endParaRPr>
             </a:p>
           </p:txBody>
         </p:sp>
@@ -5991,18 +6024,7 @@
                   </a:schemeClr>
                 </a:solidFill>
               </a:rPr>
-              <a:t>コンポーネント</a:t>
-            </a:r>
-            <a:r>
-              <a:rPr lang="ja-JP" altLang="en-US" dirty="0" smtClean="0">
-                <a:solidFill>
-                  <a:schemeClr val="tx1">
-                    <a:lumMod val="85000"/>
-                    <a:lumOff val="15000"/>
-                  </a:schemeClr>
-                </a:solidFill>
-              </a:rPr>
-              <a:t>は再利用することが可能です。</a:t>
+              <a:t>コンポーネントは再利用することが可能です。</a:t>
             </a:r>
             <a:endParaRPr lang="en-US" altLang="ja-JP" dirty="0">
               <a:solidFill>
@@ -6023,7 +6045,7 @@
         </p:nvCxnSpPr>
         <p:spPr>
           <a:xfrm>
-            <a:off x="1238598" y="5072844"/>
+            <a:off x="1238598" y="5266274"/>
             <a:ext cx="2036616" cy="0"/>
           </a:xfrm>
           <a:prstGeom prst="line">
@@ -6058,7 +6080,7 @@
         </p:nvCxnSpPr>
         <p:spPr>
           <a:xfrm>
-            <a:off x="1238598" y="4801296"/>
+            <a:off x="1238598" y="4994726"/>
             <a:ext cx="2036616" cy="0"/>
           </a:xfrm>
           <a:prstGeom prst="line">
@@ -6173,6 +6195,76 @@
                   <a:lumMod val="85000"/>
                   <a:lumOff val="15000"/>
                 </a:schemeClr>
+              </a:solidFill>
+            </a:endParaRPr>
+          </a:p>
+        </p:txBody>
+      </p:sp>
+      <p:sp>
+        <p:nvSpPr>
+          <p:cNvPr id="12" name="正方形/長方形 11"/>
+          <p:cNvSpPr/>
+          <p:nvPr/>
+        </p:nvSpPr>
+        <p:spPr>
+          <a:xfrm>
+            <a:off x="546892" y="1068881"/>
+            <a:ext cx="5521399" cy="279837"/>
+          </a:xfrm>
+          <a:prstGeom prst="rect">
+            <a:avLst/>
+          </a:prstGeom>
+          <a:solidFill>
+            <a:schemeClr val="accent1">
+              <a:lumMod val="20000"/>
+              <a:lumOff val="80000"/>
+            </a:schemeClr>
+          </a:solidFill>
+          <a:ln w="3175">
+            <a:solidFill>
+              <a:schemeClr val="tx1"/>
+            </a:solidFill>
+          </a:ln>
+        </p:spPr>
+        <p:style>
+          <a:lnRef idx="2">
+            <a:schemeClr val="accent1">
+              <a:shade val="50000"/>
+            </a:schemeClr>
+          </a:lnRef>
+          <a:fillRef idx="1">
+            <a:schemeClr val="accent1"/>
+          </a:fillRef>
+          <a:effectRef idx="0">
+            <a:schemeClr val="accent1"/>
+          </a:effectRef>
+          <a:fontRef idx="minor">
+            <a:schemeClr val="lt1"/>
+          </a:fontRef>
+        </p:style>
+        <p:txBody>
+          <a:bodyPr rtlCol="0" anchor="ctr"/>
+          <a:lstStyle/>
+          <a:p>
+            <a:r>
+              <a:rPr lang="en-US" altLang="ja-JP" sz="1600" dirty="0">
+                <a:solidFill>
+                  <a:schemeClr val="tx1"/>
+                </a:solidFill>
+              </a:rPr>
+              <a:t>/</a:t>
+            </a:r>
+            <a:r>
+              <a:rPr lang="en-US" altLang="ja-JP" sz="1600" dirty="0" smtClean="0">
+                <a:solidFill>
+                  <a:schemeClr val="tx1"/>
+                </a:solidFill>
+              </a:rPr>
+              <a:t>sample_source/react/Component2/src/App.js</a:t>
+            </a:r>
+            <a:endParaRPr kumimoji="1" lang="ja-JP" altLang="en-US" sz="1600" dirty="0">
+              <a:solidFill>
+                <a:schemeClr val="tx1"/>
               </a:solidFill>
             </a:endParaRPr>
           </a:p>
@@ -7031,8 +7123,8 @@
         </p:nvGrpSpPr>
         <p:grpSpPr>
           <a:xfrm>
-            <a:off x="538891" y="1103091"/>
-            <a:ext cx="5977996" cy="5523610"/>
+            <a:off x="538891" y="1173427"/>
+            <a:ext cx="5529400" cy="5523610"/>
             <a:chOff x="538890" y="2134709"/>
             <a:chExt cx="11164927" cy="1907313"/>
           </a:xfrm>
@@ -7566,7 +7658,7 @@
         </p:nvSpPr>
         <p:spPr>
           <a:xfrm>
-            <a:off x="5927802" y="2451204"/>
+            <a:off x="5857466" y="2512748"/>
             <a:ext cx="5880268" cy="831273"/>
           </a:xfrm>
           <a:prstGeom prst="borderCallout2">
@@ -7682,7 +7774,7 @@
         </p:nvSpPr>
         <p:spPr>
           <a:xfrm>
-            <a:off x="5927802" y="3533408"/>
+            <a:off x="5857466" y="3621328"/>
             <a:ext cx="5880268" cy="831273"/>
           </a:xfrm>
           <a:prstGeom prst="borderCallout2">
@@ -7798,7 +7890,7 @@
         </p:nvCxnSpPr>
         <p:spPr>
           <a:xfrm>
-            <a:off x="2975745" y="5439913"/>
+            <a:off x="2975745" y="5501457"/>
             <a:ext cx="2053455" cy="0"/>
           </a:xfrm>
           <a:prstGeom prst="line">
@@ -7833,7 +7925,7 @@
         </p:nvCxnSpPr>
         <p:spPr>
           <a:xfrm>
-            <a:off x="2750768" y="2705718"/>
+            <a:off x="2750768" y="2767262"/>
             <a:ext cx="2158537" cy="0"/>
           </a:xfrm>
           <a:prstGeom prst="line">
@@ -7876,7 +7968,7 @@
         </p:blipFill>
         <p:spPr>
           <a:xfrm>
-            <a:off x="7047513" y="4504912"/>
+            <a:off x="7047513" y="4628431"/>
             <a:ext cx="3872843" cy="2044928"/>
           </a:xfrm>
           <a:prstGeom prst="rect">
@@ -7884,6 +7976,76 @@
           </a:prstGeom>
         </p:spPr>
       </p:pic>
+      <p:sp>
+        <p:nvSpPr>
+          <p:cNvPr id="12" name="正方形/長方形 11"/>
+          <p:cNvSpPr/>
+          <p:nvPr/>
+        </p:nvSpPr>
+        <p:spPr>
+          <a:xfrm>
+            <a:off x="546892" y="1068881"/>
+            <a:ext cx="5521399" cy="279837"/>
+          </a:xfrm>
+          <a:prstGeom prst="rect">
+            <a:avLst/>
+          </a:prstGeom>
+          <a:solidFill>
+            <a:schemeClr val="accent1">
+              <a:lumMod val="20000"/>
+              <a:lumOff val="80000"/>
+            </a:schemeClr>
+          </a:solidFill>
+          <a:ln w="3175">
+            <a:solidFill>
+              <a:schemeClr val="tx1"/>
+            </a:solidFill>
+          </a:ln>
+        </p:spPr>
+        <p:style>
+          <a:lnRef idx="2">
+            <a:schemeClr val="accent1">
+              <a:shade val="50000"/>
+            </a:schemeClr>
+          </a:lnRef>
+          <a:fillRef idx="1">
+            <a:schemeClr val="accent1"/>
+          </a:fillRef>
+          <a:effectRef idx="0">
+            <a:schemeClr val="accent1"/>
+          </a:effectRef>
+          <a:fontRef idx="minor">
+            <a:schemeClr val="lt1"/>
+          </a:fontRef>
+        </p:style>
+        <p:txBody>
+          <a:bodyPr rtlCol="0" anchor="ctr"/>
+          <a:lstStyle/>
+          <a:p>
+            <a:r>
+              <a:rPr lang="en-US" altLang="ja-JP" sz="1600" dirty="0">
+                <a:solidFill>
+                  <a:schemeClr val="tx1"/>
+                </a:solidFill>
+              </a:rPr>
+              <a:t>/</a:t>
+            </a:r>
+            <a:r>
+              <a:rPr lang="en-US" altLang="ja-JP" sz="1600" dirty="0" smtClean="0">
+                <a:solidFill>
+                  <a:schemeClr val="tx1"/>
+                </a:solidFill>
+              </a:rPr>
+              <a:t>sample_source/react/Component3/src/App.js</a:t>
+            </a:r>
+            <a:endParaRPr kumimoji="1" lang="ja-JP" altLang="en-US" sz="1600" dirty="0">
+              <a:solidFill>
+                <a:schemeClr val="tx1"/>
+              </a:solidFill>
+            </a:endParaRPr>
+          </a:p>
+        </p:txBody>
+      </p:sp>
     </p:spTree>
     <p:extLst>
       <p:ext uri="{BB962C8B-B14F-4D97-AF65-F5344CB8AC3E}">
@@ -8029,8 +8191,8 @@
         </p:nvGrpSpPr>
         <p:grpSpPr>
           <a:xfrm>
-            <a:off x="538890" y="1080195"/>
-            <a:ext cx="7092833" cy="5746703"/>
+            <a:off x="538890" y="1282418"/>
+            <a:ext cx="7092833" cy="5583888"/>
             <a:chOff x="538890" y="2134709"/>
             <a:chExt cx="6390493" cy="1975423"/>
           </a:xfrm>
@@ -8539,7 +8701,7 @@
         </p:nvCxnSpPr>
         <p:spPr>
           <a:xfrm>
-            <a:off x="972267" y="2346190"/>
+            <a:off x="972267" y="2548413"/>
             <a:ext cx="2113833" cy="0"/>
           </a:xfrm>
           <a:prstGeom prst="line">
@@ -8574,7 +8736,7 @@
         </p:nvCxnSpPr>
         <p:spPr>
           <a:xfrm>
-            <a:off x="1048116" y="3450718"/>
+            <a:off x="1048116" y="3652941"/>
             <a:ext cx="4060215" cy="0"/>
           </a:xfrm>
           <a:prstGeom prst="line">
@@ -8609,7 +8771,7 @@
         </p:nvCxnSpPr>
         <p:spPr>
           <a:xfrm>
-            <a:off x="2152272" y="5120464"/>
+            <a:off x="2152272" y="5287518"/>
             <a:ext cx="1628419" cy="0"/>
           </a:xfrm>
           <a:prstGeom prst="line">
@@ -8644,7 +8806,7 @@
         </p:nvCxnSpPr>
         <p:spPr>
           <a:xfrm>
-            <a:off x="2891838" y="5384238"/>
+            <a:off x="2891838" y="5551292"/>
             <a:ext cx="2656108" cy="0"/>
           </a:xfrm>
           <a:prstGeom prst="line">
@@ -8673,23 +8835,23 @@
       </p:cxnSp>
       <p:sp>
         <p:nvSpPr>
-          <p:cNvPr id="38" name="線吹き出し 2 (枠付き) 37"/>
+          <p:cNvPr id="39" name="線吹き出し 2 (枠付き) 38"/>
           <p:cNvSpPr/>
           <p:nvPr/>
         </p:nvSpPr>
         <p:spPr>
           <a:xfrm>
-            <a:off x="5945911" y="1316313"/>
+            <a:off x="5945912" y="2291712"/>
             <a:ext cx="4288443" cy="831273"/>
           </a:xfrm>
           <a:prstGeom prst="borderCallout2">
             <a:avLst>
-              <a:gd name="adj1" fmla="val 28327"/>
-              <a:gd name="adj2" fmla="val 208"/>
-              <a:gd name="adj3" fmla="val 28269"/>
-              <a:gd name="adj4" fmla="val -11132"/>
-              <a:gd name="adj5" fmla="val 113153"/>
-              <a:gd name="adj6" fmla="val -63994"/>
+              <a:gd name="adj1" fmla="val 20923"/>
+              <a:gd name="adj2" fmla="val -407"/>
+              <a:gd name="adj3" fmla="val 21923"/>
+              <a:gd name="adj4" fmla="val -13797"/>
+              <a:gd name="adj5" fmla="val 102384"/>
+              <a:gd name="adj6" fmla="val -27816"/>
             </a:avLst>
           </a:prstGeom>
           <a:solidFill>
@@ -8722,6 +8884,17 @@
           <a:lstStyle/>
           <a:p>
             <a:r>
+              <a:rPr lang="en-US" altLang="ja-JP" dirty="0">
+                <a:solidFill>
+                  <a:schemeClr val="tx1">
+                    <a:lumMod val="85000"/>
+                    <a:lumOff val="15000"/>
+                  </a:schemeClr>
+                </a:solidFill>
+              </a:rPr>
+              <a:t>this.setState</a:t>
+            </a:r>
+            <a:r>
               <a:rPr lang="ja-JP" altLang="en-US" dirty="0">
                 <a:solidFill>
                   <a:schemeClr val="tx1">
@@ -8730,7 +8903,7 @@
                   </a:schemeClr>
                 </a:solidFill>
               </a:rPr>
-              <a:t>コンストラクタにて</a:t>
+              <a:t>で</a:t>
             </a:r>
             <a:r>
               <a:rPr lang="en-US" altLang="ja-JP" dirty="0">
@@ -8752,29 +8925,7 @@
                   </a:schemeClr>
                 </a:solidFill>
               </a:rPr>
-              <a:t>の値に</a:t>
-            </a:r>
-            <a:r>
-              <a:rPr lang="en-US" altLang="ja-JP" dirty="0">
-                <a:solidFill>
-                  <a:schemeClr val="tx1">
-                    <a:lumMod val="85000"/>
-                    <a:lumOff val="15000"/>
-                  </a:schemeClr>
-                </a:solidFill>
-              </a:rPr>
-              <a:t>0</a:t>
-            </a:r>
-            <a:r>
-              <a:rPr lang="ja-JP" altLang="en-US" dirty="0">
-                <a:solidFill>
-                  <a:schemeClr val="tx1">
-                    <a:lumMod val="85000"/>
-                    <a:lumOff val="15000"/>
-                  </a:schemeClr>
-                </a:solidFill>
-              </a:rPr>
-              <a:t>を</a:t>
+              <a:t>の値を</a:t>
             </a:r>
             <a:r>
               <a:rPr lang="ja-JP" altLang="en-US" dirty="0" smtClean="0">
@@ -8785,7 +8936,7 @@
                   </a:schemeClr>
                 </a:solidFill>
               </a:rPr>
-              <a:t>設定します。</a:t>
+              <a:t>更新します。</a:t>
             </a:r>
             <a:endParaRPr lang="en-US" altLang="ja-JP" dirty="0">
               <a:solidFill>
@@ -8800,23 +8951,23 @@
       </p:sp>
       <p:sp>
         <p:nvSpPr>
-          <p:cNvPr id="39" name="線吹き出し 2 (枠付き) 38"/>
+          <p:cNvPr id="40" name="線吹き出し 2 (枠付き) 39"/>
           <p:cNvSpPr/>
           <p:nvPr/>
         </p:nvSpPr>
         <p:spPr>
           <a:xfrm>
-            <a:off x="5945912" y="2291712"/>
-            <a:ext cx="4288443" cy="831273"/>
+            <a:off x="4844885" y="4165215"/>
+            <a:ext cx="3443565" cy="831273"/>
           </a:xfrm>
           <a:prstGeom prst="borderCallout2">
             <a:avLst>
-              <a:gd name="adj1" fmla="val 20923"/>
-              <a:gd name="adj2" fmla="val -407"/>
-              <a:gd name="adj3" fmla="val 21923"/>
-              <a:gd name="adj4" fmla="val -13797"/>
-              <a:gd name="adj5" fmla="val 102384"/>
-              <a:gd name="adj6" fmla="val -27816"/>
+              <a:gd name="adj1" fmla="val 17750"/>
+              <a:gd name="adj2" fmla="val 413"/>
+              <a:gd name="adj3" fmla="val 18750"/>
+              <a:gd name="adj4" fmla="val -16667"/>
+              <a:gd name="adj5" fmla="val 81645"/>
+              <a:gd name="adj6" fmla="val -45708"/>
             </a:avLst>
           </a:prstGeom>
           <a:solidFill>
@@ -8849,7 +9000,7 @@
           <a:lstStyle/>
           <a:p>
             <a:r>
-              <a:rPr lang="en-US" altLang="ja-JP" dirty="0">
+              <a:rPr lang="en-US" altLang="ja-JP" dirty="0" smtClean="0">
                 <a:solidFill>
                   <a:schemeClr val="tx1">
                     <a:lumMod val="85000"/>
@@ -8857,7 +9008,39 @@
                   </a:schemeClr>
                 </a:solidFill>
               </a:rPr>
-              <a:t>this.setState</a:t>
+              <a:t>this.state.count</a:t>
+            </a:r>
+            <a:r>
+              <a:rPr lang="ja-JP" altLang="en-US" dirty="0" smtClean="0">
+                <a:solidFill>
+                  <a:schemeClr val="tx1">
+                    <a:lumMod val="85000"/>
+                    <a:lumOff val="15000"/>
+                  </a:schemeClr>
+                </a:solidFill>
+              </a:rPr>
+              <a:t>で</a:t>
+            </a:r>
+            <a:endParaRPr lang="en-US" altLang="ja-JP" dirty="0">
+              <a:solidFill>
+                <a:schemeClr val="tx1">
+                  <a:lumMod val="85000"/>
+                  <a:lumOff val="15000"/>
+                </a:schemeClr>
+              </a:solidFill>
+            </a:endParaRPr>
+          </a:p>
+          <a:p>
+            <a:r>
+              <a:rPr lang="en-US" altLang="ja-JP" dirty="0" smtClean="0">
+                <a:solidFill>
+                  <a:schemeClr val="tx1">
+                    <a:lumMod val="85000"/>
+                    <a:lumOff val="15000"/>
+                  </a:schemeClr>
+                </a:solidFill>
+              </a:rPr>
+              <a:t>state</a:t>
             </a:r>
             <a:r>
               <a:rPr lang="ja-JP" altLang="en-US" dirty="0">
@@ -8868,29 +9051,7 @@
                   </a:schemeClr>
                 </a:solidFill>
               </a:rPr>
-              <a:t>で</a:t>
-            </a:r>
-            <a:r>
-              <a:rPr lang="en-US" altLang="ja-JP" dirty="0">
-                <a:solidFill>
-                  <a:schemeClr val="tx1">
-                    <a:lumMod val="85000"/>
-                    <a:lumOff val="15000"/>
-                  </a:schemeClr>
-                </a:solidFill>
-              </a:rPr>
-              <a:t>state</a:t>
-            </a:r>
-            <a:r>
-              <a:rPr lang="ja-JP" altLang="en-US" dirty="0">
-                <a:solidFill>
-                  <a:schemeClr val="tx1">
-                    <a:lumMod val="85000"/>
-                    <a:lumOff val="15000"/>
-                  </a:schemeClr>
-                </a:solidFill>
-              </a:rPr>
-              <a:t>の値を</a:t>
+              <a:t>に設定された値を</a:t>
             </a:r>
             <a:r>
               <a:rPr lang="ja-JP" altLang="en-US" dirty="0" smtClean="0">
@@ -8901,7 +9062,7 @@
                   </a:schemeClr>
                 </a:solidFill>
               </a:rPr>
-              <a:t>更新します。</a:t>
+              <a:t>取得します。</a:t>
             </a:r>
             <a:endParaRPr lang="en-US" altLang="ja-JP" dirty="0">
               <a:solidFill>
@@ -8916,23 +9077,23 @@
       </p:sp>
       <p:sp>
         <p:nvSpPr>
-          <p:cNvPr id="40" name="線吹き出し 2 (枠付き) 39"/>
+          <p:cNvPr id="41" name="線吹き出し 2 (枠付き) 40"/>
           <p:cNvSpPr/>
           <p:nvPr/>
         </p:nvSpPr>
         <p:spPr>
           <a:xfrm>
-            <a:off x="4844885" y="4165215"/>
-            <a:ext cx="3443565" cy="831273"/>
+            <a:off x="4856256" y="5786590"/>
+            <a:ext cx="3432194" cy="831273"/>
           </a:xfrm>
           <a:prstGeom prst="borderCallout2">
             <a:avLst>
-              <a:gd name="adj1" fmla="val 17750"/>
-              <a:gd name="adj2" fmla="val 413"/>
-              <a:gd name="adj3" fmla="val 18750"/>
-              <a:gd name="adj4" fmla="val -16667"/>
-              <a:gd name="adj5" fmla="val 81645"/>
-              <a:gd name="adj6" fmla="val -45708"/>
+              <a:gd name="adj1" fmla="val 28327"/>
+              <a:gd name="adj2" fmla="val -99"/>
+              <a:gd name="adj3" fmla="val 28269"/>
+              <a:gd name="adj4" fmla="val -12056"/>
+              <a:gd name="adj5" fmla="val -22519"/>
+              <a:gd name="adj6" fmla="val -25277"/>
             </a:avLst>
           </a:prstGeom>
           <a:solidFill>
@@ -8965,7 +9126,7 @@
           <a:lstStyle/>
           <a:p>
             <a:r>
-              <a:rPr lang="en-US" altLang="ja-JP" dirty="0" smtClean="0">
+              <a:rPr lang="en-US" altLang="ja-JP" dirty="0">
                 <a:solidFill>
                   <a:schemeClr val="tx1">
                     <a:lumMod val="85000"/>
@@ -8973,10 +9134,10 @@
                   </a:schemeClr>
                 </a:solidFill>
               </a:rPr>
-              <a:t>this.state.count</a:t>
-            </a:r>
-            <a:r>
-              <a:rPr lang="ja-JP" altLang="en-US" dirty="0" smtClean="0">
+              <a:t>this.state.state</a:t>
+            </a:r>
+            <a:r>
+              <a:rPr lang="ja-JP" altLang="en-US" dirty="0">
                 <a:solidFill>
                   <a:schemeClr val="tx1">
                     <a:lumMod val="85000"/>
@@ -8984,7 +9145,7 @@
                   </a:schemeClr>
                 </a:solidFill>
               </a:rPr>
-              <a:t>で</a:t>
+              <a:t>名で</a:t>
             </a:r>
             <a:endParaRPr lang="en-US" altLang="ja-JP" dirty="0">
               <a:solidFill>
@@ -9042,33 +9203,24 @@
       </p:sp>
       <p:sp>
         <p:nvSpPr>
-          <p:cNvPr id="41" name="線吹き出し 2 (枠付き) 40"/>
+          <p:cNvPr id="5" name="四角形吹き出し 4"/>
           <p:cNvSpPr/>
           <p:nvPr/>
         </p:nvSpPr>
         <p:spPr>
           <a:xfrm>
-            <a:off x="4856256" y="5636700"/>
-            <a:ext cx="3432194" cy="831273"/>
-          </a:xfrm>
-          <a:prstGeom prst="borderCallout2">
+            <a:off x="9169400" y="4224955"/>
+            <a:ext cx="1549400" cy="316270"/>
+          </a:xfrm>
+          <a:prstGeom prst="wedgeRectCallout">
             <a:avLst>
-              <a:gd name="adj1" fmla="val 28327"/>
-              <a:gd name="adj2" fmla="val -99"/>
-              <a:gd name="adj3" fmla="val 28269"/>
-              <a:gd name="adj4" fmla="val -12056"/>
-              <a:gd name="adj5" fmla="val -22519"/>
-              <a:gd name="adj6" fmla="val -25277"/>
+              <a:gd name="adj1" fmla="val -30123"/>
+              <a:gd name="adj2" fmla="val 22345"/>
             </a:avLst>
           </a:prstGeom>
           <a:solidFill>
-            <a:schemeClr val="bg1"/>
+            <a:srgbClr val="3399FF"/>
           </a:solidFill>
-          <a:ln w="28575">
-            <a:solidFill>
-              <a:srgbClr val="3399FF"/>
-            </a:solidFill>
-          </a:ln>
         </p:spPr>
         <p:style>
           <a:lnRef idx="2">
@@ -9090,91 +9242,24 @@
           <a:bodyPr rtlCol="0" anchor="ctr"/>
           <a:lstStyle/>
           <a:p>
-            <a:r>
-              <a:rPr lang="en-US" altLang="ja-JP" dirty="0">
-                <a:solidFill>
-                  <a:schemeClr val="tx1">
-                    <a:lumMod val="85000"/>
-                    <a:lumOff val="15000"/>
-                  </a:schemeClr>
-                </a:solidFill>
-              </a:rPr>
-              <a:t>this.state.state</a:t>
-            </a:r>
-            <a:r>
-              <a:rPr lang="ja-JP" altLang="en-US" dirty="0">
-                <a:solidFill>
-                  <a:schemeClr val="tx1">
-                    <a:lumMod val="85000"/>
-                    <a:lumOff val="15000"/>
-                  </a:schemeClr>
-                </a:solidFill>
-              </a:rPr>
-              <a:t>名で</a:t>
-            </a:r>
-            <a:endParaRPr lang="en-US" altLang="ja-JP" dirty="0">
-              <a:solidFill>
-                <a:schemeClr val="tx1">
-                  <a:lumMod val="85000"/>
-                  <a:lumOff val="15000"/>
-                </a:schemeClr>
-              </a:solidFill>
-            </a:endParaRPr>
-          </a:p>
-          <a:p>
-            <a:r>
-              <a:rPr lang="en-US" altLang="ja-JP" dirty="0" smtClean="0">
-                <a:solidFill>
-                  <a:schemeClr val="tx1">
-                    <a:lumMod val="85000"/>
-                    <a:lumOff val="15000"/>
-                  </a:schemeClr>
-                </a:solidFill>
-              </a:rPr>
-              <a:t>state</a:t>
-            </a:r>
-            <a:r>
-              <a:rPr lang="ja-JP" altLang="en-US" dirty="0">
-                <a:solidFill>
-                  <a:schemeClr val="tx1">
-                    <a:lumMod val="85000"/>
-                    <a:lumOff val="15000"/>
-                  </a:schemeClr>
-                </a:solidFill>
-              </a:rPr>
-              <a:t>に設定された値を</a:t>
-            </a:r>
-            <a:r>
-              <a:rPr lang="ja-JP" altLang="en-US" dirty="0" smtClean="0">
-                <a:solidFill>
-                  <a:schemeClr val="tx1">
-                    <a:lumMod val="85000"/>
-                    <a:lumOff val="15000"/>
-                  </a:schemeClr>
-                </a:solidFill>
-              </a:rPr>
-              <a:t>取得します。</a:t>
-            </a:r>
-            <a:endParaRPr lang="en-US" altLang="ja-JP" dirty="0">
-              <a:solidFill>
-                <a:schemeClr val="tx1">
-                  <a:lumMod val="85000"/>
-                  <a:lumOff val="15000"/>
-                </a:schemeClr>
-              </a:solidFill>
-            </a:endParaRPr>
+            <a:pPr algn="ctr"/>
+            <a:r>
+              <a:rPr kumimoji="1" lang="ja-JP" altLang="en-US" dirty="0" smtClean="0"/>
+              <a:t>ボタン押下前</a:t>
+            </a:r>
+            <a:endParaRPr kumimoji="1" lang="ja-JP" altLang="en-US" dirty="0"/>
           </a:p>
         </p:txBody>
       </p:sp>
       <p:sp>
         <p:nvSpPr>
-          <p:cNvPr id="5" name="四角形吹き出し 4"/>
+          <p:cNvPr id="18" name="四角形吹き出し 17"/>
           <p:cNvSpPr/>
           <p:nvPr/>
         </p:nvSpPr>
         <p:spPr>
           <a:xfrm>
-            <a:off x="9169400" y="4224955"/>
+            <a:off x="9169400" y="5971826"/>
             <a:ext cx="1549400" cy="316270"/>
           </a:xfrm>
           <a:prstGeom prst="wedgeRectCallout">
@@ -9210,7 +9295,7 @@
             <a:pPr algn="ctr"/>
             <a:r>
               <a:rPr kumimoji="1" lang="ja-JP" altLang="en-US" dirty="0" smtClean="0"/>
-              <a:t>ボタン押下前</a:t>
+              <a:t>ボタン押下後</a:t>
             </a:r>
             <a:endParaRPr kumimoji="1" lang="ja-JP" altLang="en-US" dirty="0"/>
           </a:p>
@@ -9218,24 +9303,29 @@
       </p:sp>
       <p:sp>
         <p:nvSpPr>
-          <p:cNvPr id="18" name="四角形吹き出し 17"/>
+          <p:cNvPr id="19" name="正方形/長方形 18"/>
           <p:cNvSpPr/>
           <p:nvPr/>
         </p:nvSpPr>
         <p:spPr>
           <a:xfrm>
-            <a:off x="9169400" y="5971826"/>
-            <a:ext cx="1549400" cy="316270"/>
-          </a:xfrm>
-          <a:prstGeom prst="wedgeRectCallout">
-            <a:avLst>
-              <a:gd name="adj1" fmla="val -30123"/>
-              <a:gd name="adj2" fmla="val 22345"/>
-            </a:avLst>
+            <a:off x="546892" y="1068881"/>
+            <a:ext cx="6908245" cy="279837"/>
+          </a:xfrm>
+          <a:prstGeom prst="rect">
+            <a:avLst/>
           </a:prstGeom>
           <a:solidFill>
-            <a:srgbClr val="3399FF"/>
+            <a:schemeClr val="accent1">
+              <a:lumMod val="20000"/>
+              <a:lumOff val="80000"/>
+            </a:schemeClr>
           </a:solidFill>
+          <a:ln w="3175">
+            <a:solidFill>
+              <a:schemeClr val="tx1"/>
+            </a:solidFill>
+          </a:ln>
         </p:spPr>
         <p:style>
           <a:lnRef idx="2">
@@ -9257,12 +9347,154 @@
           <a:bodyPr rtlCol="0" anchor="ctr"/>
           <a:lstStyle/>
           <a:p>
-            <a:pPr algn="ctr"/>
-            <a:r>
-              <a:rPr kumimoji="1" lang="ja-JP" altLang="en-US" dirty="0" smtClean="0"/>
-              <a:t>ボタン押下後</a:t>
-            </a:r>
-            <a:endParaRPr kumimoji="1" lang="ja-JP" altLang="en-US" dirty="0"/>
+            <a:r>
+              <a:rPr lang="en-US" altLang="ja-JP" sz="1600" dirty="0">
+                <a:solidFill>
+                  <a:schemeClr val="tx1"/>
+                </a:solidFill>
+              </a:rPr>
+              <a:t>/</a:t>
+            </a:r>
+            <a:r>
+              <a:rPr lang="en-US" altLang="ja-JP" sz="1600" dirty="0" smtClean="0">
+                <a:solidFill>
+                  <a:schemeClr val="tx1"/>
+                </a:solidFill>
+              </a:rPr>
+              <a:t>sample_source/react/Component4/src/App.js</a:t>
+            </a:r>
+            <a:endParaRPr kumimoji="1" lang="ja-JP" altLang="en-US" sz="1600" dirty="0">
+              <a:solidFill>
+                <a:schemeClr val="tx1"/>
+              </a:solidFill>
+            </a:endParaRPr>
+          </a:p>
+        </p:txBody>
+      </p:sp>
+      <p:sp>
+        <p:nvSpPr>
+          <p:cNvPr id="38" name="線吹き出し 2 (枠付き) 37"/>
+          <p:cNvSpPr/>
+          <p:nvPr/>
+        </p:nvSpPr>
+        <p:spPr>
+          <a:xfrm>
+            <a:off x="5945911" y="1316313"/>
+            <a:ext cx="4288443" cy="831273"/>
+          </a:xfrm>
+          <a:prstGeom prst="borderCallout2">
+            <a:avLst>
+              <a:gd name="adj1" fmla="val 28327"/>
+              <a:gd name="adj2" fmla="val 208"/>
+              <a:gd name="adj3" fmla="val 28269"/>
+              <a:gd name="adj4" fmla="val -11132"/>
+              <a:gd name="adj5" fmla="val 113153"/>
+              <a:gd name="adj6" fmla="val -63994"/>
+            </a:avLst>
+          </a:prstGeom>
+          <a:solidFill>
+            <a:schemeClr val="bg1"/>
+          </a:solidFill>
+          <a:ln w="28575">
+            <a:solidFill>
+              <a:srgbClr val="3399FF"/>
+            </a:solidFill>
+          </a:ln>
+        </p:spPr>
+        <p:style>
+          <a:lnRef idx="2">
+            <a:schemeClr val="accent1">
+              <a:shade val="50000"/>
+            </a:schemeClr>
+          </a:lnRef>
+          <a:fillRef idx="1">
+            <a:schemeClr val="accent1"/>
+          </a:fillRef>
+          <a:effectRef idx="0">
+            <a:schemeClr val="accent1"/>
+          </a:effectRef>
+          <a:fontRef idx="minor">
+            <a:schemeClr val="lt1"/>
+          </a:fontRef>
+        </p:style>
+        <p:txBody>
+          <a:bodyPr rtlCol="0" anchor="ctr"/>
+          <a:lstStyle/>
+          <a:p>
+            <a:r>
+              <a:rPr lang="ja-JP" altLang="en-US" dirty="0">
+                <a:solidFill>
+                  <a:schemeClr val="tx1">
+                    <a:lumMod val="85000"/>
+                    <a:lumOff val="15000"/>
+                  </a:schemeClr>
+                </a:solidFill>
+              </a:rPr>
+              <a:t>コンストラクタにて</a:t>
+            </a:r>
+            <a:r>
+              <a:rPr lang="en-US" altLang="ja-JP" dirty="0">
+                <a:solidFill>
+                  <a:schemeClr val="tx1">
+                    <a:lumMod val="85000"/>
+                    <a:lumOff val="15000"/>
+                  </a:schemeClr>
+                </a:solidFill>
+              </a:rPr>
+              <a:t>state</a:t>
+            </a:r>
+            <a:r>
+              <a:rPr lang="ja-JP" altLang="en-US" dirty="0">
+                <a:solidFill>
+                  <a:schemeClr val="tx1">
+                    <a:lumMod val="85000"/>
+                    <a:lumOff val="15000"/>
+                  </a:schemeClr>
+                </a:solidFill>
+              </a:rPr>
+              <a:t>の値に</a:t>
+            </a:r>
+            <a:r>
+              <a:rPr lang="en-US" altLang="ja-JP" dirty="0">
+                <a:solidFill>
+                  <a:schemeClr val="tx1">
+                    <a:lumMod val="85000"/>
+                    <a:lumOff val="15000"/>
+                  </a:schemeClr>
+                </a:solidFill>
+              </a:rPr>
+              <a:t>0</a:t>
+            </a:r>
+            <a:r>
+              <a:rPr lang="ja-JP" altLang="en-US" dirty="0">
+                <a:solidFill>
+                  <a:schemeClr val="tx1">
+                    <a:lumMod val="85000"/>
+                    <a:lumOff val="15000"/>
+                  </a:schemeClr>
+                </a:solidFill>
+              </a:rPr>
+              <a:t>を</a:t>
+            </a:r>
+            <a:r>
+              <a:rPr lang="ja-JP" altLang="en-US" dirty="0" smtClean="0">
+                <a:solidFill>
+                  <a:schemeClr val="tx1">
+                    <a:lumMod val="85000"/>
+                    <a:lumOff val="15000"/>
+                  </a:schemeClr>
+                </a:solidFill>
+              </a:rPr>
+              <a:t>設定します。</a:t>
+            </a:r>
+            <a:endParaRPr lang="en-US" altLang="ja-JP" dirty="0">
+              <a:solidFill>
+                <a:schemeClr val="tx1">
+                  <a:lumMod val="85000"/>
+                  <a:lumOff val="15000"/>
+                </a:schemeClr>
+              </a:solidFill>
+            </a:endParaRPr>
           </a:p>
         </p:txBody>
       </p:sp>

--- a/doc/02_SlideShare/01.ネタ/２_Reactの基礎/2-4_Reactの基礎知識 ～コンポーネント編～.pptx
+++ b/doc/02_SlideShare/01.ネタ/２_Reactの基礎/2-4_Reactの基礎知識 ～コンポーネント編～.pptx
@@ -9126,76 +9126,63 @@
           <a:lstStyle/>
           <a:p>
             <a:r>
-              <a:rPr lang="en-US" altLang="ja-JP" dirty="0">
+              <a:rPr lang="ja-JP" altLang="en-US" dirty="0" smtClean="0">
                 <a:solidFill>
-                  <a:schemeClr val="tx1">
-                    <a:lumMod val="85000"/>
-                    <a:lumOff val="15000"/>
-                  </a:schemeClr>
+                  <a:schemeClr val="tx1"/>
                 </a:solidFill>
               </a:rPr>
-              <a:t>this.state.state</a:t>
+              <a:t>ボタンが押下</a:t>
             </a:r>
             <a:r>
               <a:rPr lang="ja-JP" altLang="en-US" dirty="0">
                 <a:solidFill>
-                  <a:schemeClr val="tx1">
-                    <a:lumMod val="85000"/>
-                    <a:lumOff val="15000"/>
-                  </a:schemeClr>
+                  <a:schemeClr val="tx1"/>
                 </a:solidFill>
               </a:rPr>
-              <a:t>名で</a:t>
+              <a:t>された</a:t>
+            </a:r>
+            <a:r>
+              <a:rPr lang="ja-JP" altLang="en-US" dirty="0" smtClean="0">
+                <a:solidFill>
+                  <a:schemeClr val="tx1"/>
+                </a:solidFill>
+              </a:rPr>
+              <a:t>場合、</a:t>
+            </a:r>
+            <a:endParaRPr lang="en-US" altLang="ja-JP" dirty="0" smtClean="0">
+              <a:solidFill>
+                <a:schemeClr val="tx1"/>
+              </a:solidFill>
+            </a:endParaRPr>
+          </a:p>
+          <a:p>
+            <a:r>
+              <a:rPr lang="en-US" altLang="ja-JP" dirty="0" smtClean="0">
+                <a:solidFill>
+                  <a:schemeClr val="tx1"/>
+                </a:solidFill>
+              </a:rPr>
+              <a:t>add</a:t>
+            </a:r>
+            <a:r>
+              <a:rPr lang="ja-JP" altLang="en-US" dirty="0">
+                <a:solidFill>
+                  <a:schemeClr val="tx1"/>
+                </a:solidFill>
+              </a:rPr>
+              <a:t>メソッドを</a:t>
+            </a:r>
+            <a:r>
+              <a:rPr lang="ja-JP" altLang="en-US" dirty="0" smtClean="0">
+                <a:solidFill>
+                  <a:schemeClr val="tx1"/>
+                </a:solidFill>
+              </a:rPr>
+              <a:t>呼出します。</a:t>
             </a:r>
             <a:endParaRPr lang="en-US" altLang="ja-JP" dirty="0">
               <a:solidFill>
-                <a:schemeClr val="tx1">
-                  <a:lumMod val="85000"/>
-                  <a:lumOff val="15000"/>
-                </a:schemeClr>
-              </a:solidFill>
-            </a:endParaRPr>
-          </a:p>
-          <a:p>
-            <a:r>
-              <a:rPr lang="en-US" altLang="ja-JP" dirty="0" smtClean="0">
-                <a:solidFill>
-                  <a:schemeClr val="tx1">
-                    <a:lumMod val="85000"/>
-                    <a:lumOff val="15000"/>
-                  </a:schemeClr>
-                </a:solidFill>
-              </a:rPr>
-              <a:t>state</a:t>
-            </a:r>
-            <a:r>
-              <a:rPr lang="ja-JP" altLang="en-US" dirty="0">
-                <a:solidFill>
-                  <a:schemeClr val="tx1">
-                    <a:lumMod val="85000"/>
-                    <a:lumOff val="15000"/>
-                  </a:schemeClr>
-                </a:solidFill>
-              </a:rPr>
-              <a:t>に設定された値を</a:t>
-            </a:r>
-            <a:r>
-              <a:rPr lang="ja-JP" altLang="en-US" dirty="0" smtClean="0">
-                <a:solidFill>
-                  <a:schemeClr val="tx1">
-                    <a:lumMod val="85000"/>
-                    <a:lumOff val="15000"/>
-                  </a:schemeClr>
-                </a:solidFill>
-              </a:rPr>
-              <a:t>取得します。</a:t>
-            </a:r>
-            <a:endParaRPr lang="en-US" altLang="ja-JP" dirty="0">
-              <a:solidFill>
-                <a:schemeClr val="tx1">
-                  <a:lumMod val="85000"/>
-                  <a:lumOff val="15000"/>
-                </a:schemeClr>
+                <a:schemeClr val="tx1"/>
               </a:solidFill>
             </a:endParaRPr>
           </a:p>
